--- a/00_문서/화면설계_UI/사용자화면.pptx
+++ b/00_문서/화면설계_UI/사용자화면.pptx
@@ -112,7 +112,7 @@
   </p:defaultTextStyle>
   <p:extLst>
     <p:ext uri="{EFAFB233-063F-42B5-8137-9DF3F51BA10A}">
-      <p15:sldGuideLst xmlns:p15="http://schemas.microsoft.com/office/powerpoint/2012/main"/>
+      <p15:sldGuideLst xmlns:p15="http://schemas.microsoft.com/office/powerpoint/2012/main" xmlns=""/>
     </p:ext>
   </p:extLst>
 </p:presentation>
@@ -148,7 +148,7 @@
           <p:cNvPr id="2" name="제목 1">
             <a:extLst>
               <a:ext uri="{FF2B5EF4-FFF2-40B4-BE49-F238E27FC236}">
-                <a16:creationId xmlns:a16="http://schemas.microsoft.com/office/drawing/2014/main" id="{3C762E2F-2F65-FA05-05D5-96C9F6939E4B}"/>
+                <a16:creationId xmlns:a16="http://schemas.microsoft.com/office/drawing/2014/main" xmlns="" id="{3C762E2F-2F65-FA05-05D5-96C9F6939E4B}"/>
               </a:ext>
             </a:extLst>
           </p:cNvPr>
@@ -185,7 +185,7 @@
           <p:cNvPr id="3" name="부제목 2">
             <a:extLst>
               <a:ext uri="{FF2B5EF4-FFF2-40B4-BE49-F238E27FC236}">
-                <a16:creationId xmlns:a16="http://schemas.microsoft.com/office/drawing/2014/main" id="{FD70A288-4DEF-F682-725F-E5773D4E9530}"/>
+                <a16:creationId xmlns:a16="http://schemas.microsoft.com/office/drawing/2014/main" xmlns="" id="{FD70A288-4DEF-F682-725F-E5773D4E9530}"/>
               </a:ext>
             </a:extLst>
           </p:cNvPr>
@@ -255,7 +255,7 @@
           <p:cNvPr id="4" name="날짜 개체 틀 3">
             <a:extLst>
               <a:ext uri="{FF2B5EF4-FFF2-40B4-BE49-F238E27FC236}">
-                <a16:creationId xmlns:a16="http://schemas.microsoft.com/office/drawing/2014/main" id="{1CB44744-EE72-67B7-E8D8-30F97AC83D11}"/>
+                <a16:creationId xmlns:a16="http://schemas.microsoft.com/office/drawing/2014/main" xmlns="" id="{1CB44744-EE72-67B7-E8D8-30F97AC83D11}"/>
               </a:ext>
             </a:extLst>
           </p:cNvPr>
@@ -284,7 +284,7 @@
           <p:cNvPr id="5" name="바닥글 개체 틀 4">
             <a:extLst>
               <a:ext uri="{FF2B5EF4-FFF2-40B4-BE49-F238E27FC236}">
-                <a16:creationId xmlns:a16="http://schemas.microsoft.com/office/drawing/2014/main" id="{18A338D4-D337-92BE-AC23-BC019FE5A05C}"/>
+                <a16:creationId xmlns:a16="http://schemas.microsoft.com/office/drawing/2014/main" xmlns="" id="{18A338D4-D337-92BE-AC23-BC019FE5A05C}"/>
               </a:ext>
             </a:extLst>
           </p:cNvPr>
@@ -309,7 +309,7 @@
           <p:cNvPr id="6" name="슬라이드 번호 개체 틀 5">
             <a:extLst>
               <a:ext uri="{FF2B5EF4-FFF2-40B4-BE49-F238E27FC236}">
-                <a16:creationId xmlns:a16="http://schemas.microsoft.com/office/drawing/2014/main" id="{8E372C25-C82F-2515-A857-73920BD1107D}"/>
+                <a16:creationId xmlns:a16="http://schemas.microsoft.com/office/drawing/2014/main" xmlns="" id="{8E372C25-C82F-2515-A857-73920BD1107D}"/>
               </a:ext>
             </a:extLst>
           </p:cNvPr>
@@ -368,7 +368,7 @@
           <p:cNvPr id="2" name="제목 1">
             <a:extLst>
               <a:ext uri="{FF2B5EF4-FFF2-40B4-BE49-F238E27FC236}">
-                <a16:creationId xmlns:a16="http://schemas.microsoft.com/office/drawing/2014/main" id="{76943FEB-BF68-FE5E-DA68-8A36CC846DD0}"/>
+                <a16:creationId xmlns:a16="http://schemas.microsoft.com/office/drawing/2014/main" xmlns="" id="{76943FEB-BF68-FE5E-DA68-8A36CC846DD0}"/>
               </a:ext>
             </a:extLst>
           </p:cNvPr>
@@ -396,7 +396,7 @@
           <p:cNvPr id="3" name="세로 텍스트 개체 틀 2">
             <a:extLst>
               <a:ext uri="{FF2B5EF4-FFF2-40B4-BE49-F238E27FC236}">
-                <a16:creationId xmlns:a16="http://schemas.microsoft.com/office/drawing/2014/main" id="{9956E0EA-36B8-AF96-ADC9-280BA540A11A}"/>
+                <a16:creationId xmlns:a16="http://schemas.microsoft.com/office/drawing/2014/main" xmlns="" id="{9956E0EA-36B8-AF96-ADC9-280BA540A11A}"/>
               </a:ext>
             </a:extLst>
           </p:cNvPr>
@@ -453,7 +453,7 @@
           <p:cNvPr id="4" name="날짜 개체 틀 3">
             <a:extLst>
               <a:ext uri="{FF2B5EF4-FFF2-40B4-BE49-F238E27FC236}">
-                <a16:creationId xmlns:a16="http://schemas.microsoft.com/office/drawing/2014/main" id="{C07C5F0F-10B9-11B7-D0EC-EBB3945E546E}"/>
+                <a16:creationId xmlns:a16="http://schemas.microsoft.com/office/drawing/2014/main" xmlns="" id="{C07C5F0F-10B9-11B7-D0EC-EBB3945E546E}"/>
               </a:ext>
             </a:extLst>
           </p:cNvPr>
@@ -482,7 +482,7 @@
           <p:cNvPr id="5" name="바닥글 개체 틀 4">
             <a:extLst>
               <a:ext uri="{FF2B5EF4-FFF2-40B4-BE49-F238E27FC236}">
-                <a16:creationId xmlns:a16="http://schemas.microsoft.com/office/drawing/2014/main" id="{F4A3DFC9-4AF4-EDF5-D004-4E8CC88122A9}"/>
+                <a16:creationId xmlns:a16="http://schemas.microsoft.com/office/drawing/2014/main" xmlns="" id="{F4A3DFC9-4AF4-EDF5-D004-4E8CC88122A9}"/>
               </a:ext>
             </a:extLst>
           </p:cNvPr>
@@ -507,7 +507,7 @@
           <p:cNvPr id="6" name="슬라이드 번호 개체 틀 5">
             <a:extLst>
               <a:ext uri="{FF2B5EF4-FFF2-40B4-BE49-F238E27FC236}">
-                <a16:creationId xmlns:a16="http://schemas.microsoft.com/office/drawing/2014/main" id="{EFD1E940-13A7-635C-7C8A-415D47A4528F}"/>
+                <a16:creationId xmlns:a16="http://schemas.microsoft.com/office/drawing/2014/main" xmlns="" id="{EFD1E940-13A7-635C-7C8A-415D47A4528F}"/>
               </a:ext>
             </a:extLst>
           </p:cNvPr>
@@ -566,7 +566,7 @@
           <p:cNvPr id="2" name="세로 제목 1">
             <a:extLst>
               <a:ext uri="{FF2B5EF4-FFF2-40B4-BE49-F238E27FC236}">
-                <a16:creationId xmlns:a16="http://schemas.microsoft.com/office/drawing/2014/main" id="{001209A9-6954-3889-C4B7-5F593D8BEE1A}"/>
+                <a16:creationId xmlns:a16="http://schemas.microsoft.com/office/drawing/2014/main" xmlns="" id="{001209A9-6954-3889-C4B7-5F593D8BEE1A}"/>
               </a:ext>
             </a:extLst>
           </p:cNvPr>
@@ -599,7 +599,7 @@
           <p:cNvPr id="3" name="세로 텍스트 개체 틀 2">
             <a:extLst>
               <a:ext uri="{FF2B5EF4-FFF2-40B4-BE49-F238E27FC236}">
-                <a16:creationId xmlns:a16="http://schemas.microsoft.com/office/drawing/2014/main" id="{4BDEDA3B-B871-71E6-6E56-9575F40B3EED}"/>
+                <a16:creationId xmlns:a16="http://schemas.microsoft.com/office/drawing/2014/main" xmlns="" id="{4BDEDA3B-B871-71E6-6E56-9575F40B3EED}"/>
               </a:ext>
             </a:extLst>
           </p:cNvPr>
@@ -661,7 +661,7 @@
           <p:cNvPr id="4" name="날짜 개체 틀 3">
             <a:extLst>
               <a:ext uri="{FF2B5EF4-FFF2-40B4-BE49-F238E27FC236}">
-                <a16:creationId xmlns:a16="http://schemas.microsoft.com/office/drawing/2014/main" id="{0E90FF3B-62F1-A8FF-AA92-57CE15F4B63E}"/>
+                <a16:creationId xmlns:a16="http://schemas.microsoft.com/office/drawing/2014/main" xmlns="" id="{0E90FF3B-62F1-A8FF-AA92-57CE15F4B63E}"/>
               </a:ext>
             </a:extLst>
           </p:cNvPr>
@@ -690,7 +690,7 @@
           <p:cNvPr id="5" name="바닥글 개체 틀 4">
             <a:extLst>
               <a:ext uri="{FF2B5EF4-FFF2-40B4-BE49-F238E27FC236}">
-                <a16:creationId xmlns:a16="http://schemas.microsoft.com/office/drawing/2014/main" id="{934EC74C-54A0-EB73-8D1E-44C64BC5A1B8}"/>
+                <a16:creationId xmlns:a16="http://schemas.microsoft.com/office/drawing/2014/main" xmlns="" id="{934EC74C-54A0-EB73-8D1E-44C64BC5A1B8}"/>
               </a:ext>
             </a:extLst>
           </p:cNvPr>
@@ -715,7 +715,7 @@
           <p:cNvPr id="6" name="슬라이드 번호 개체 틀 5">
             <a:extLst>
               <a:ext uri="{FF2B5EF4-FFF2-40B4-BE49-F238E27FC236}">
-                <a16:creationId xmlns:a16="http://schemas.microsoft.com/office/drawing/2014/main" id="{5222F15F-CC9E-90B2-7335-A6109D5F6120}"/>
+                <a16:creationId xmlns:a16="http://schemas.microsoft.com/office/drawing/2014/main" xmlns="" id="{5222F15F-CC9E-90B2-7335-A6109D5F6120}"/>
               </a:ext>
             </a:extLst>
           </p:cNvPr>
@@ -774,7 +774,7 @@
           <p:cNvPr id="2" name="제목 1">
             <a:extLst>
               <a:ext uri="{FF2B5EF4-FFF2-40B4-BE49-F238E27FC236}">
-                <a16:creationId xmlns:a16="http://schemas.microsoft.com/office/drawing/2014/main" id="{49B312F3-E34D-6A85-F732-9BC34950CAE6}"/>
+                <a16:creationId xmlns:a16="http://schemas.microsoft.com/office/drawing/2014/main" xmlns="" id="{49B312F3-E34D-6A85-F732-9BC34950CAE6}"/>
               </a:ext>
             </a:extLst>
           </p:cNvPr>
@@ -802,7 +802,7 @@
           <p:cNvPr id="3" name="내용 개체 틀 2">
             <a:extLst>
               <a:ext uri="{FF2B5EF4-FFF2-40B4-BE49-F238E27FC236}">
-                <a16:creationId xmlns:a16="http://schemas.microsoft.com/office/drawing/2014/main" id="{954323EE-5556-CF63-AF16-CAECCD042C53}"/>
+                <a16:creationId xmlns:a16="http://schemas.microsoft.com/office/drawing/2014/main" xmlns="" id="{954323EE-5556-CF63-AF16-CAECCD042C53}"/>
               </a:ext>
             </a:extLst>
           </p:cNvPr>
@@ -859,7 +859,7 @@
           <p:cNvPr id="4" name="날짜 개체 틀 3">
             <a:extLst>
               <a:ext uri="{FF2B5EF4-FFF2-40B4-BE49-F238E27FC236}">
-                <a16:creationId xmlns:a16="http://schemas.microsoft.com/office/drawing/2014/main" id="{E2E39536-1CC1-BE51-6E89-725238F03BE3}"/>
+                <a16:creationId xmlns:a16="http://schemas.microsoft.com/office/drawing/2014/main" xmlns="" id="{E2E39536-1CC1-BE51-6E89-725238F03BE3}"/>
               </a:ext>
             </a:extLst>
           </p:cNvPr>
@@ -888,7 +888,7 @@
           <p:cNvPr id="5" name="바닥글 개체 틀 4">
             <a:extLst>
               <a:ext uri="{FF2B5EF4-FFF2-40B4-BE49-F238E27FC236}">
-                <a16:creationId xmlns:a16="http://schemas.microsoft.com/office/drawing/2014/main" id="{F68499B6-FE6A-E903-2E98-D13506AB86E5}"/>
+                <a16:creationId xmlns:a16="http://schemas.microsoft.com/office/drawing/2014/main" xmlns="" id="{F68499B6-FE6A-E903-2E98-D13506AB86E5}"/>
               </a:ext>
             </a:extLst>
           </p:cNvPr>
@@ -913,7 +913,7 @@
           <p:cNvPr id="6" name="슬라이드 번호 개체 틀 5">
             <a:extLst>
               <a:ext uri="{FF2B5EF4-FFF2-40B4-BE49-F238E27FC236}">
-                <a16:creationId xmlns:a16="http://schemas.microsoft.com/office/drawing/2014/main" id="{AF6EDADC-BC8A-3A9A-7358-58268D5317D8}"/>
+                <a16:creationId xmlns:a16="http://schemas.microsoft.com/office/drawing/2014/main" xmlns="" id="{AF6EDADC-BC8A-3A9A-7358-58268D5317D8}"/>
               </a:ext>
             </a:extLst>
           </p:cNvPr>
@@ -972,7 +972,7 @@
           <p:cNvPr id="2" name="제목 1">
             <a:extLst>
               <a:ext uri="{FF2B5EF4-FFF2-40B4-BE49-F238E27FC236}">
-                <a16:creationId xmlns:a16="http://schemas.microsoft.com/office/drawing/2014/main" id="{EA44C892-2116-1018-C115-EE992396C822}"/>
+                <a16:creationId xmlns:a16="http://schemas.microsoft.com/office/drawing/2014/main" xmlns="" id="{EA44C892-2116-1018-C115-EE992396C822}"/>
               </a:ext>
             </a:extLst>
           </p:cNvPr>
@@ -1009,7 +1009,7 @@
           <p:cNvPr id="3" name="텍스트 개체 틀 2">
             <a:extLst>
               <a:ext uri="{FF2B5EF4-FFF2-40B4-BE49-F238E27FC236}">
-                <a16:creationId xmlns:a16="http://schemas.microsoft.com/office/drawing/2014/main" id="{704B9FAB-8134-63CE-DF61-86E23BCE248A}"/>
+                <a16:creationId xmlns:a16="http://schemas.microsoft.com/office/drawing/2014/main" xmlns="" id="{704B9FAB-8134-63CE-DF61-86E23BCE248A}"/>
               </a:ext>
             </a:extLst>
           </p:cNvPr>
@@ -1134,7 +1134,7 @@
           <p:cNvPr id="4" name="날짜 개체 틀 3">
             <a:extLst>
               <a:ext uri="{FF2B5EF4-FFF2-40B4-BE49-F238E27FC236}">
-                <a16:creationId xmlns:a16="http://schemas.microsoft.com/office/drawing/2014/main" id="{58282FD5-EDBF-075F-439E-34C9B3974017}"/>
+                <a16:creationId xmlns:a16="http://schemas.microsoft.com/office/drawing/2014/main" xmlns="" id="{58282FD5-EDBF-075F-439E-34C9B3974017}"/>
               </a:ext>
             </a:extLst>
           </p:cNvPr>
@@ -1163,7 +1163,7 @@
           <p:cNvPr id="5" name="바닥글 개체 틀 4">
             <a:extLst>
               <a:ext uri="{FF2B5EF4-FFF2-40B4-BE49-F238E27FC236}">
-                <a16:creationId xmlns:a16="http://schemas.microsoft.com/office/drawing/2014/main" id="{7FE66014-C71D-BDF1-E4FC-B98586386B3E}"/>
+                <a16:creationId xmlns:a16="http://schemas.microsoft.com/office/drawing/2014/main" xmlns="" id="{7FE66014-C71D-BDF1-E4FC-B98586386B3E}"/>
               </a:ext>
             </a:extLst>
           </p:cNvPr>
@@ -1188,7 +1188,7 @@
           <p:cNvPr id="6" name="슬라이드 번호 개체 틀 5">
             <a:extLst>
               <a:ext uri="{FF2B5EF4-FFF2-40B4-BE49-F238E27FC236}">
-                <a16:creationId xmlns:a16="http://schemas.microsoft.com/office/drawing/2014/main" id="{BA276FE0-F183-021F-FC2B-340B511BDAD4}"/>
+                <a16:creationId xmlns:a16="http://schemas.microsoft.com/office/drawing/2014/main" xmlns="" id="{BA276FE0-F183-021F-FC2B-340B511BDAD4}"/>
               </a:ext>
             </a:extLst>
           </p:cNvPr>
@@ -1247,7 +1247,7 @@
           <p:cNvPr id="2" name="제목 1">
             <a:extLst>
               <a:ext uri="{FF2B5EF4-FFF2-40B4-BE49-F238E27FC236}">
-                <a16:creationId xmlns:a16="http://schemas.microsoft.com/office/drawing/2014/main" id="{8918308B-EC0D-B19C-8E66-380693AE5934}"/>
+                <a16:creationId xmlns:a16="http://schemas.microsoft.com/office/drawing/2014/main" xmlns="" id="{8918308B-EC0D-B19C-8E66-380693AE5934}"/>
               </a:ext>
             </a:extLst>
           </p:cNvPr>
@@ -1275,7 +1275,7 @@
           <p:cNvPr id="3" name="내용 개체 틀 2">
             <a:extLst>
               <a:ext uri="{FF2B5EF4-FFF2-40B4-BE49-F238E27FC236}">
-                <a16:creationId xmlns:a16="http://schemas.microsoft.com/office/drawing/2014/main" id="{CC3BEBCB-271B-6F5C-3D18-EA5AFC99DC61}"/>
+                <a16:creationId xmlns:a16="http://schemas.microsoft.com/office/drawing/2014/main" xmlns="" id="{CC3BEBCB-271B-6F5C-3D18-EA5AFC99DC61}"/>
               </a:ext>
             </a:extLst>
           </p:cNvPr>
@@ -1337,7 +1337,7 @@
           <p:cNvPr id="4" name="내용 개체 틀 3">
             <a:extLst>
               <a:ext uri="{FF2B5EF4-FFF2-40B4-BE49-F238E27FC236}">
-                <a16:creationId xmlns:a16="http://schemas.microsoft.com/office/drawing/2014/main" id="{41779C09-842C-6DD8-6485-938F21F3D439}"/>
+                <a16:creationId xmlns:a16="http://schemas.microsoft.com/office/drawing/2014/main" xmlns="" id="{41779C09-842C-6DD8-6485-938F21F3D439}"/>
               </a:ext>
             </a:extLst>
           </p:cNvPr>
@@ -1399,7 +1399,7 @@
           <p:cNvPr id="5" name="날짜 개체 틀 4">
             <a:extLst>
               <a:ext uri="{FF2B5EF4-FFF2-40B4-BE49-F238E27FC236}">
-                <a16:creationId xmlns:a16="http://schemas.microsoft.com/office/drawing/2014/main" id="{281C3254-09FF-F69A-70E2-E9AE79159D69}"/>
+                <a16:creationId xmlns:a16="http://schemas.microsoft.com/office/drawing/2014/main" xmlns="" id="{281C3254-09FF-F69A-70E2-E9AE79159D69}"/>
               </a:ext>
             </a:extLst>
           </p:cNvPr>
@@ -1428,7 +1428,7 @@
           <p:cNvPr id="6" name="바닥글 개체 틀 5">
             <a:extLst>
               <a:ext uri="{FF2B5EF4-FFF2-40B4-BE49-F238E27FC236}">
-                <a16:creationId xmlns:a16="http://schemas.microsoft.com/office/drawing/2014/main" id="{01C5DDD4-FB4C-F4E5-0C2B-97BEEE6D4545}"/>
+                <a16:creationId xmlns:a16="http://schemas.microsoft.com/office/drawing/2014/main" xmlns="" id="{01C5DDD4-FB4C-F4E5-0C2B-97BEEE6D4545}"/>
               </a:ext>
             </a:extLst>
           </p:cNvPr>
@@ -1453,7 +1453,7 @@
           <p:cNvPr id="7" name="슬라이드 번호 개체 틀 6">
             <a:extLst>
               <a:ext uri="{FF2B5EF4-FFF2-40B4-BE49-F238E27FC236}">
-                <a16:creationId xmlns:a16="http://schemas.microsoft.com/office/drawing/2014/main" id="{3F0086E6-9AE0-611A-9519-82553FB8A333}"/>
+                <a16:creationId xmlns:a16="http://schemas.microsoft.com/office/drawing/2014/main" xmlns="" id="{3F0086E6-9AE0-611A-9519-82553FB8A333}"/>
               </a:ext>
             </a:extLst>
           </p:cNvPr>
@@ -1512,7 +1512,7 @@
           <p:cNvPr id="2" name="제목 1">
             <a:extLst>
               <a:ext uri="{FF2B5EF4-FFF2-40B4-BE49-F238E27FC236}">
-                <a16:creationId xmlns:a16="http://schemas.microsoft.com/office/drawing/2014/main" id="{058DB9ED-D16E-F7A0-B6BF-5E57ED49FA58}"/>
+                <a16:creationId xmlns:a16="http://schemas.microsoft.com/office/drawing/2014/main" xmlns="" id="{058DB9ED-D16E-F7A0-B6BF-5E57ED49FA58}"/>
               </a:ext>
             </a:extLst>
           </p:cNvPr>
@@ -1545,7 +1545,7 @@
           <p:cNvPr id="3" name="텍스트 개체 틀 2">
             <a:extLst>
               <a:ext uri="{FF2B5EF4-FFF2-40B4-BE49-F238E27FC236}">
-                <a16:creationId xmlns:a16="http://schemas.microsoft.com/office/drawing/2014/main" id="{A39845C9-551D-5146-15AC-91FDA7D71D40}"/>
+                <a16:creationId xmlns:a16="http://schemas.microsoft.com/office/drawing/2014/main" xmlns="" id="{A39845C9-551D-5146-15AC-91FDA7D71D40}"/>
               </a:ext>
             </a:extLst>
           </p:cNvPr>
@@ -1616,7 +1616,7 @@
           <p:cNvPr id="4" name="내용 개체 틀 3">
             <a:extLst>
               <a:ext uri="{FF2B5EF4-FFF2-40B4-BE49-F238E27FC236}">
-                <a16:creationId xmlns:a16="http://schemas.microsoft.com/office/drawing/2014/main" id="{D4E89458-9B38-5ECB-6A1B-AD24B7E0064C}"/>
+                <a16:creationId xmlns:a16="http://schemas.microsoft.com/office/drawing/2014/main" xmlns="" id="{D4E89458-9B38-5ECB-6A1B-AD24B7E0064C}"/>
               </a:ext>
             </a:extLst>
           </p:cNvPr>
@@ -1678,7 +1678,7 @@
           <p:cNvPr id="5" name="텍스트 개체 틀 4">
             <a:extLst>
               <a:ext uri="{FF2B5EF4-FFF2-40B4-BE49-F238E27FC236}">
-                <a16:creationId xmlns:a16="http://schemas.microsoft.com/office/drawing/2014/main" id="{CDA6C4DF-DA3D-E54D-9EF1-057A62997C4C}"/>
+                <a16:creationId xmlns:a16="http://schemas.microsoft.com/office/drawing/2014/main" xmlns="" id="{CDA6C4DF-DA3D-E54D-9EF1-057A62997C4C}"/>
               </a:ext>
             </a:extLst>
           </p:cNvPr>
@@ -1749,7 +1749,7 @@
           <p:cNvPr id="6" name="내용 개체 틀 5">
             <a:extLst>
               <a:ext uri="{FF2B5EF4-FFF2-40B4-BE49-F238E27FC236}">
-                <a16:creationId xmlns:a16="http://schemas.microsoft.com/office/drawing/2014/main" id="{2FD16F2C-B654-1AD9-6555-D8D4C809A99F}"/>
+                <a16:creationId xmlns:a16="http://schemas.microsoft.com/office/drawing/2014/main" xmlns="" id="{2FD16F2C-B654-1AD9-6555-D8D4C809A99F}"/>
               </a:ext>
             </a:extLst>
           </p:cNvPr>
@@ -1811,7 +1811,7 @@
           <p:cNvPr id="7" name="날짜 개체 틀 6">
             <a:extLst>
               <a:ext uri="{FF2B5EF4-FFF2-40B4-BE49-F238E27FC236}">
-                <a16:creationId xmlns:a16="http://schemas.microsoft.com/office/drawing/2014/main" id="{A08F603C-49D1-F336-2139-C6A2C89B3235}"/>
+                <a16:creationId xmlns:a16="http://schemas.microsoft.com/office/drawing/2014/main" xmlns="" id="{A08F603C-49D1-F336-2139-C6A2C89B3235}"/>
               </a:ext>
             </a:extLst>
           </p:cNvPr>
@@ -1840,7 +1840,7 @@
           <p:cNvPr id="8" name="바닥글 개체 틀 7">
             <a:extLst>
               <a:ext uri="{FF2B5EF4-FFF2-40B4-BE49-F238E27FC236}">
-                <a16:creationId xmlns:a16="http://schemas.microsoft.com/office/drawing/2014/main" id="{AE721869-B182-62D6-CCDD-B5F55B2386F9}"/>
+                <a16:creationId xmlns:a16="http://schemas.microsoft.com/office/drawing/2014/main" xmlns="" id="{AE721869-B182-62D6-CCDD-B5F55B2386F9}"/>
               </a:ext>
             </a:extLst>
           </p:cNvPr>
@@ -1865,7 +1865,7 @@
           <p:cNvPr id="9" name="슬라이드 번호 개체 틀 8">
             <a:extLst>
               <a:ext uri="{FF2B5EF4-FFF2-40B4-BE49-F238E27FC236}">
-                <a16:creationId xmlns:a16="http://schemas.microsoft.com/office/drawing/2014/main" id="{49DA3CBC-D6A5-DBE2-D966-3DA9F5B10175}"/>
+                <a16:creationId xmlns:a16="http://schemas.microsoft.com/office/drawing/2014/main" xmlns="" id="{49DA3CBC-D6A5-DBE2-D966-3DA9F5B10175}"/>
               </a:ext>
             </a:extLst>
           </p:cNvPr>
@@ -1924,7 +1924,7 @@
           <p:cNvPr id="2" name="제목 1">
             <a:extLst>
               <a:ext uri="{FF2B5EF4-FFF2-40B4-BE49-F238E27FC236}">
-                <a16:creationId xmlns:a16="http://schemas.microsoft.com/office/drawing/2014/main" id="{EAB93DEB-A41E-F4B9-5D5A-1FAC123E4E9B}"/>
+                <a16:creationId xmlns:a16="http://schemas.microsoft.com/office/drawing/2014/main" xmlns="" id="{EAB93DEB-A41E-F4B9-5D5A-1FAC123E4E9B}"/>
               </a:ext>
             </a:extLst>
           </p:cNvPr>
@@ -1952,7 +1952,7 @@
           <p:cNvPr id="3" name="날짜 개체 틀 2">
             <a:extLst>
               <a:ext uri="{FF2B5EF4-FFF2-40B4-BE49-F238E27FC236}">
-                <a16:creationId xmlns:a16="http://schemas.microsoft.com/office/drawing/2014/main" id="{CC804188-14D9-9038-2AEF-BA82D116A925}"/>
+                <a16:creationId xmlns:a16="http://schemas.microsoft.com/office/drawing/2014/main" xmlns="" id="{CC804188-14D9-9038-2AEF-BA82D116A925}"/>
               </a:ext>
             </a:extLst>
           </p:cNvPr>
@@ -1981,7 +1981,7 @@
           <p:cNvPr id="4" name="바닥글 개체 틀 3">
             <a:extLst>
               <a:ext uri="{FF2B5EF4-FFF2-40B4-BE49-F238E27FC236}">
-                <a16:creationId xmlns:a16="http://schemas.microsoft.com/office/drawing/2014/main" id="{2A889866-BE17-214C-B872-BB22BBB43220}"/>
+                <a16:creationId xmlns:a16="http://schemas.microsoft.com/office/drawing/2014/main" xmlns="" id="{2A889866-BE17-214C-B872-BB22BBB43220}"/>
               </a:ext>
             </a:extLst>
           </p:cNvPr>
@@ -2006,7 +2006,7 @@
           <p:cNvPr id="5" name="슬라이드 번호 개체 틀 4">
             <a:extLst>
               <a:ext uri="{FF2B5EF4-FFF2-40B4-BE49-F238E27FC236}">
-                <a16:creationId xmlns:a16="http://schemas.microsoft.com/office/drawing/2014/main" id="{A8C32DEA-EDE0-510A-F605-8FE98E033C79}"/>
+                <a16:creationId xmlns:a16="http://schemas.microsoft.com/office/drawing/2014/main" xmlns="" id="{A8C32DEA-EDE0-510A-F605-8FE98E033C79}"/>
               </a:ext>
             </a:extLst>
           </p:cNvPr>
@@ -2065,7 +2065,7 @@
           <p:cNvPr id="2" name="날짜 개체 틀 1">
             <a:extLst>
               <a:ext uri="{FF2B5EF4-FFF2-40B4-BE49-F238E27FC236}">
-                <a16:creationId xmlns:a16="http://schemas.microsoft.com/office/drawing/2014/main" id="{A0C7ECB9-EE4C-C96E-2000-32045EE202D6}"/>
+                <a16:creationId xmlns:a16="http://schemas.microsoft.com/office/drawing/2014/main" xmlns="" id="{A0C7ECB9-EE4C-C96E-2000-32045EE202D6}"/>
               </a:ext>
             </a:extLst>
           </p:cNvPr>
@@ -2094,7 +2094,7 @@
           <p:cNvPr id="3" name="바닥글 개체 틀 2">
             <a:extLst>
               <a:ext uri="{FF2B5EF4-FFF2-40B4-BE49-F238E27FC236}">
-                <a16:creationId xmlns:a16="http://schemas.microsoft.com/office/drawing/2014/main" id="{75E6A0CA-6204-AE8E-4CAD-D936C0ECCD6E}"/>
+                <a16:creationId xmlns:a16="http://schemas.microsoft.com/office/drawing/2014/main" xmlns="" id="{75E6A0CA-6204-AE8E-4CAD-D936C0ECCD6E}"/>
               </a:ext>
             </a:extLst>
           </p:cNvPr>
@@ -2119,7 +2119,7 @@
           <p:cNvPr id="4" name="슬라이드 번호 개체 틀 3">
             <a:extLst>
               <a:ext uri="{FF2B5EF4-FFF2-40B4-BE49-F238E27FC236}">
-                <a16:creationId xmlns:a16="http://schemas.microsoft.com/office/drawing/2014/main" id="{1FFB0D55-4AF2-0FF5-0FA4-26BA0D1DAB23}"/>
+                <a16:creationId xmlns:a16="http://schemas.microsoft.com/office/drawing/2014/main" xmlns="" id="{1FFB0D55-4AF2-0FF5-0FA4-26BA0D1DAB23}"/>
               </a:ext>
             </a:extLst>
           </p:cNvPr>
@@ -2178,7 +2178,7 @@
           <p:cNvPr id="2" name="제목 1">
             <a:extLst>
               <a:ext uri="{FF2B5EF4-FFF2-40B4-BE49-F238E27FC236}">
-                <a16:creationId xmlns:a16="http://schemas.microsoft.com/office/drawing/2014/main" id="{CA776706-79E8-C180-A0AE-E4DF74054E48}"/>
+                <a16:creationId xmlns:a16="http://schemas.microsoft.com/office/drawing/2014/main" xmlns="" id="{CA776706-79E8-C180-A0AE-E4DF74054E48}"/>
               </a:ext>
             </a:extLst>
           </p:cNvPr>
@@ -2215,7 +2215,7 @@
           <p:cNvPr id="3" name="내용 개체 틀 2">
             <a:extLst>
               <a:ext uri="{FF2B5EF4-FFF2-40B4-BE49-F238E27FC236}">
-                <a16:creationId xmlns:a16="http://schemas.microsoft.com/office/drawing/2014/main" id="{0096AEA8-E971-CAF5-262C-C26B6C59AC3E}"/>
+                <a16:creationId xmlns:a16="http://schemas.microsoft.com/office/drawing/2014/main" xmlns="" id="{0096AEA8-E971-CAF5-262C-C26B6C59AC3E}"/>
               </a:ext>
             </a:extLst>
           </p:cNvPr>
@@ -2305,7 +2305,7 @@
           <p:cNvPr id="4" name="텍스트 개체 틀 3">
             <a:extLst>
               <a:ext uri="{FF2B5EF4-FFF2-40B4-BE49-F238E27FC236}">
-                <a16:creationId xmlns:a16="http://schemas.microsoft.com/office/drawing/2014/main" id="{C6AF1AC9-B3C1-D113-CB27-CEE26F4F4174}"/>
+                <a16:creationId xmlns:a16="http://schemas.microsoft.com/office/drawing/2014/main" xmlns="" id="{C6AF1AC9-B3C1-D113-CB27-CEE26F4F4174}"/>
               </a:ext>
             </a:extLst>
           </p:cNvPr>
@@ -2376,7 +2376,7 @@
           <p:cNvPr id="5" name="날짜 개체 틀 4">
             <a:extLst>
               <a:ext uri="{FF2B5EF4-FFF2-40B4-BE49-F238E27FC236}">
-                <a16:creationId xmlns:a16="http://schemas.microsoft.com/office/drawing/2014/main" id="{D6C7D7DB-5709-2D73-3EFF-C75FB17CB1FF}"/>
+                <a16:creationId xmlns:a16="http://schemas.microsoft.com/office/drawing/2014/main" xmlns="" id="{D6C7D7DB-5709-2D73-3EFF-C75FB17CB1FF}"/>
               </a:ext>
             </a:extLst>
           </p:cNvPr>
@@ -2405,7 +2405,7 @@
           <p:cNvPr id="6" name="바닥글 개체 틀 5">
             <a:extLst>
               <a:ext uri="{FF2B5EF4-FFF2-40B4-BE49-F238E27FC236}">
-                <a16:creationId xmlns:a16="http://schemas.microsoft.com/office/drawing/2014/main" id="{0F59C37C-A409-771F-C376-94E69C22300C}"/>
+                <a16:creationId xmlns:a16="http://schemas.microsoft.com/office/drawing/2014/main" xmlns="" id="{0F59C37C-A409-771F-C376-94E69C22300C}"/>
               </a:ext>
             </a:extLst>
           </p:cNvPr>
@@ -2430,7 +2430,7 @@
           <p:cNvPr id="7" name="슬라이드 번호 개체 틀 6">
             <a:extLst>
               <a:ext uri="{FF2B5EF4-FFF2-40B4-BE49-F238E27FC236}">
-                <a16:creationId xmlns:a16="http://schemas.microsoft.com/office/drawing/2014/main" id="{B195116D-6638-C9BA-6F58-B91F30B28F4B}"/>
+                <a16:creationId xmlns:a16="http://schemas.microsoft.com/office/drawing/2014/main" xmlns="" id="{B195116D-6638-C9BA-6F58-B91F30B28F4B}"/>
               </a:ext>
             </a:extLst>
           </p:cNvPr>
@@ -2489,7 +2489,7 @@
           <p:cNvPr id="2" name="제목 1">
             <a:extLst>
               <a:ext uri="{FF2B5EF4-FFF2-40B4-BE49-F238E27FC236}">
-                <a16:creationId xmlns:a16="http://schemas.microsoft.com/office/drawing/2014/main" id="{B9713B68-552F-70FE-A402-1DEDEAF5A101}"/>
+                <a16:creationId xmlns:a16="http://schemas.microsoft.com/office/drawing/2014/main" xmlns="" id="{B9713B68-552F-70FE-A402-1DEDEAF5A101}"/>
               </a:ext>
             </a:extLst>
           </p:cNvPr>
@@ -2526,7 +2526,7 @@
           <p:cNvPr id="3" name="그림 개체 틀 2">
             <a:extLst>
               <a:ext uri="{FF2B5EF4-FFF2-40B4-BE49-F238E27FC236}">
-                <a16:creationId xmlns:a16="http://schemas.microsoft.com/office/drawing/2014/main" id="{634EA6CE-6FE3-C91B-B19D-F3FBF881CD26}"/>
+                <a16:creationId xmlns:a16="http://schemas.microsoft.com/office/drawing/2014/main" xmlns="" id="{634EA6CE-6FE3-C91B-B19D-F3FBF881CD26}"/>
               </a:ext>
             </a:extLst>
           </p:cNvPr>
@@ -2593,7 +2593,7 @@
           <p:cNvPr id="4" name="텍스트 개체 틀 3">
             <a:extLst>
               <a:ext uri="{FF2B5EF4-FFF2-40B4-BE49-F238E27FC236}">
-                <a16:creationId xmlns:a16="http://schemas.microsoft.com/office/drawing/2014/main" id="{D7C87CFE-EA44-7BB5-E0DA-A143B7F02360}"/>
+                <a16:creationId xmlns:a16="http://schemas.microsoft.com/office/drawing/2014/main" xmlns="" id="{D7C87CFE-EA44-7BB5-E0DA-A143B7F02360}"/>
               </a:ext>
             </a:extLst>
           </p:cNvPr>
@@ -2664,7 +2664,7 @@
           <p:cNvPr id="5" name="날짜 개체 틀 4">
             <a:extLst>
               <a:ext uri="{FF2B5EF4-FFF2-40B4-BE49-F238E27FC236}">
-                <a16:creationId xmlns:a16="http://schemas.microsoft.com/office/drawing/2014/main" id="{D940727B-66DC-1182-56A1-5702B47A819F}"/>
+                <a16:creationId xmlns:a16="http://schemas.microsoft.com/office/drawing/2014/main" xmlns="" id="{D940727B-66DC-1182-56A1-5702B47A819F}"/>
               </a:ext>
             </a:extLst>
           </p:cNvPr>
@@ -2693,7 +2693,7 @@
           <p:cNvPr id="6" name="바닥글 개체 틀 5">
             <a:extLst>
               <a:ext uri="{FF2B5EF4-FFF2-40B4-BE49-F238E27FC236}">
-                <a16:creationId xmlns:a16="http://schemas.microsoft.com/office/drawing/2014/main" id="{C557A9F0-44D4-5163-2364-ACDC7485734E}"/>
+                <a16:creationId xmlns:a16="http://schemas.microsoft.com/office/drawing/2014/main" xmlns="" id="{C557A9F0-44D4-5163-2364-ACDC7485734E}"/>
               </a:ext>
             </a:extLst>
           </p:cNvPr>
@@ -2718,7 +2718,7 @@
           <p:cNvPr id="7" name="슬라이드 번호 개체 틀 6">
             <a:extLst>
               <a:ext uri="{FF2B5EF4-FFF2-40B4-BE49-F238E27FC236}">
-                <a16:creationId xmlns:a16="http://schemas.microsoft.com/office/drawing/2014/main" id="{003706EA-71EE-EC48-B435-2AE8EAA92963}"/>
+                <a16:creationId xmlns:a16="http://schemas.microsoft.com/office/drawing/2014/main" xmlns="" id="{003706EA-71EE-EC48-B435-2AE8EAA92963}"/>
               </a:ext>
             </a:extLst>
           </p:cNvPr>
@@ -2782,7 +2782,7 @@
           <p:cNvPr id="2" name="제목 개체 틀 1">
             <a:extLst>
               <a:ext uri="{FF2B5EF4-FFF2-40B4-BE49-F238E27FC236}">
-                <a16:creationId xmlns:a16="http://schemas.microsoft.com/office/drawing/2014/main" id="{C6A49820-06E0-0EE0-7432-589E3CEAAC60}"/>
+                <a16:creationId xmlns:a16="http://schemas.microsoft.com/office/drawing/2014/main" xmlns="" id="{C6A49820-06E0-0EE0-7432-589E3CEAAC60}"/>
               </a:ext>
             </a:extLst>
           </p:cNvPr>
@@ -2820,7 +2820,7 @@
           <p:cNvPr id="3" name="텍스트 개체 틀 2">
             <a:extLst>
               <a:ext uri="{FF2B5EF4-FFF2-40B4-BE49-F238E27FC236}">
-                <a16:creationId xmlns:a16="http://schemas.microsoft.com/office/drawing/2014/main" id="{BBF8FFE9-36CB-DF2C-4C92-5CB5E09E12FF}"/>
+                <a16:creationId xmlns:a16="http://schemas.microsoft.com/office/drawing/2014/main" xmlns="" id="{BBF8FFE9-36CB-DF2C-4C92-5CB5E09E12FF}"/>
               </a:ext>
             </a:extLst>
           </p:cNvPr>
@@ -2887,7 +2887,7 @@
           <p:cNvPr id="4" name="날짜 개체 틀 3">
             <a:extLst>
               <a:ext uri="{FF2B5EF4-FFF2-40B4-BE49-F238E27FC236}">
-                <a16:creationId xmlns:a16="http://schemas.microsoft.com/office/drawing/2014/main" id="{3AD90A33-550D-1652-098A-7E442B22FBE2}"/>
+                <a16:creationId xmlns:a16="http://schemas.microsoft.com/office/drawing/2014/main" xmlns="" id="{3AD90A33-550D-1652-098A-7E442B22FBE2}"/>
               </a:ext>
             </a:extLst>
           </p:cNvPr>
@@ -2934,7 +2934,7 @@
           <p:cNvPr id="5" name="바닥글 개체 틀 4">
             <a:extLst>
               <a:ext uri="{FF2B5EF4-FFF2-40B4-BE49-F238E27FC236}">
-                <a16:creationId xmlns:a16="http://schemas.microsoft.com/office/drawing/2014/main" id="{8E508F11-9D8C-0AC1-2083-CA5DD789B763}"/>
+                <a16:creationId xmlns:a16="http://schemas.microsoft.com/office/drawing/2014/main" xmlns="" id="{8E508F11-9D8C-0AC1-2083-CA5DD789B763}"/>
               </a:ext>
             </a:extLst>
           </p:cNvPr>
@@ -2977,7 +2977,7 @@
           <p:cNvPr id="6" name="슬라이드 번호 개체 틀 5">
             <a:extLst>
               <a:ext uri="{FF2B5EF4-FFF2-40B4-BE49-F238E27FC236}">
-                <a16:creationId xmlns:a16="http://schemas.microsoft.com/office/drawing/2014/main" id="{4EE21389-1FB8-1810-A1B6-B43FF321EA75}"/>
+                <a16:creationId xmlns:a16="http://schemas.microsoft.com/office/drawing/2014/main" xmlns="" id="{4EE21389-1FB8-1810-A1B6-B43FF321EA75}"/>
               </a:ext>
             </a:extLst>
           </p:cNvPr>
@@ -3345,7 +3345,7 @@
           <p:cNvPr id="3" name="부제목 2">
             <a:extLst>
               <a:ext uri="{FF2B5EF4-FFF2-40B4-BE49-F238E27FC236}">
-                <a16:creationId xmlns:a16="http://schemas.microsoft.com/office/drawing/2014/main" id="{1B4B84B2-298E-18A6-0236-853C6E033D14}"/>
+                <a16:creationId xmlns:a16="http://schemas.microsoft.com/office/drawing/2014/main" xmlns="" id="{1B4B84B2-298E-18A6-0236-853C6E033D14}"/>
               </a:ext>
             </a:extLst>
           </p:cNvPr>
@@ -3395,7 +3395,7 @@
           <p:cNvPr id="5" name="부제목 2">
             <a:extLst>
               <a:ext uri="{FF2B5EF4-FFF2-40B4-BE49-F238E27FC236}">
-                <a16:creationId xmlns:a16="http://schemas.microsoft.com/office/drawing/2014/main" id="{18189769-F15F-AB93-E182-7000F1DF3F47}"/>
+                <a16:creationId xmlns:a16="http://schemas.microsoft.com/office/drawing/2014/main" xmlns="" id="{18189769-F15F-AB93-E182-7000F1DF3F47}"/>
               </a:ext>
             </a:extLst>
           </p:cNvPr>
@@ -3603,7 +3603,7 @@
           <p:cNvPr id="6" name="부제목 2">
             <a:extLst>
               <a:ext uri="{FF2B5EF4-FFF2-40B4-BE49-F238E27FC236}">
-                <a16:creationId xmlns:a16="http://schemas.microsoft.com/office/drawing/2014/main" id="{C39630F3-E8F8-61FF-8A24-BC2F9660607D}"/>
+                <a16:creationId xmlns:a16="http://schemas.microsoft.com/office/drawing/2014/main" xmlns="" id="{C39630F3-E8F8-61FF-8A24-BC2F9660607D}"/>
               </a:ext>
             </a:extLst>
           </p:cNvPr>
@@ -3812,7 +3812,7 @@
           <p:cNvPr id="7" name="부제목 2">
             <a:extLst>
               <a:ext uri="{FF2B5EF4-FFF2-40B4-BE49-F238E27FC236}">
-                <a16:creationId xmlns:a16="http://schemas.microsoft.com/office/drawing/2014/main" id="{311E09B8-473C-D1D2-2E32-70465D065733}"/>
+                <a16:creationId xmlns:a16="http://schemas.microsoft.com/office/drawing/2014/main" xmlns="" id="{311E09B8-473C-D1D2-2E32-70465D065733}"/>
               </a:ext>
             </a:extLst>
           </p:cNvPr>
@@ -4020,7 +4020,7 @@
           <p:cNvPr id="9" name="부제목 2">
             <a:extLst>
               <a:ext uri="{FF2B5EF4-FFF2-40B4-BE49-F238E27FC236}">
-                <a16:creationId xmlns:a16="http://schemas.microsoft.com/office/drawing/2014/main" id="{7261C2AB-E7EE-7819-5056-1CBBB00B1297}"/>
+                <a16:creationId xmlns:a16="http://schemas.microsoft.com/office/drawing/2014/main" xmlns="" id="{7261C2AB-E7EE-7819-5056-1CBBB00B1297}"/>
               </a:ext>
             </a:extLst>
           </p:cNvPr>
@@ -4235,7 +4235,7 @@
           <p:cNvPr id="10" name="부제목 2">
             <a:extLst>
               <a:ext uri="{FF2B5EF4-FFF2-40B4-BE49-F238E27FC236}">
-                <a16:creationId xmlns:a16="http://schemas.microsoft.com/office/drawing/2014/main" id="{E4F44EBF-7A6B-333D-321A-6DAD8A5F086D}"/>
+                <a16:creationId xmlns:a16="http://schemas.microsoft.com/office/drawing/2014/main" xmlns="" id="{E4F44EBF-7A6B-333D-321A-6DAD8A5F086D}"/>
               </a:ext>
             </a:extLst>
           </p:cNvPr>
@@ -4443,7 +4443,7 @@
           <p:cNvPr id="2" name="부제목 2">
             <a:extLst>
               <a:ext uri="{FF2B5EF4-FFF2-40B4-BE49-F238E27FC236}">
-                <a16:creationId xmlns:a16="http://schemas.microsoft.com/office/drawing/2014/main" id="{740D3A25-F033-A21F-470C-1ABB56DA0D77}"/>
+                <a16:creationId xmlns:a16="http://schemas.microsoft.com/office/drawing/2014/main" xmlns="" id="{740D3A25-F033-A21F-470C-1ABB56DA0D77}"/>
               </a:ext>
             </a:extLst>
           </p:cNvPr>
@@ -4721,7 +4721,7 @@
           <p:cNvPr id="2" name="부제목 2">
             <a:extLst>
               <a:ext uri="{FF2B5EF4-FFF2-40B4-BE49-F238E27FC236}">
-                <a16:creationId xmlns:a16="http://schemas.microsoft.com/office/drawing/2014/main" id="{740D3A25-F033-A21F-470C-1ABB56DA0D77}"/>
+                <a16:creationId xmlns:a16="http://schemas.microsoft.com/office/drawing/2014/main" xmlns="" id="{740D3A25-F033-A21F-470C-1ABB56DA0D77}"/>
               </a:ext>
             </a:extLst>
           </p:cNvPr>
@@ -4732,8 +4732,8 @@
         </p:nvSpPr>
         <p:spPr>
           <a:xfrm>
-            <a:off x="721897" y="3352803"/>
-            <a:ext cx="1764632" cy="732360"/>
+            <a:off x="2513843" y="3352803"/>
+            <a:ext cx="1702734" cy="732360"/>
           </a:xfrm>
           <a:prstGeom prst="rect">
             <a:avLst/>
@@ -4915,7 +4915,7 @@
           <a:p>
             <a:pPr lvl="1" algn="l"/>
             <a:r>
-              <a:rPr lang="ko-KR" altLang="en-US" sz="3600">
+              <a:rPr lang="ko-KR" altLang="en-US" sz="3600" dirty="0">
                 <a:latin typeface="HY엽서L" panose="02030600000101010101" pitchFamily="18" charset="-127"/>
                 <a:ea typeface="HY엽서L" panose="02030600000101010101" pitchFamily="18" charset="-127"/>
                 <a:cs typeface="ADLaM Display" panose="02010000000000000000" pitchFamily="2" charset="0"/>
@@ -4930,7 +4930,7 @@
           <p:cNvPr id="11" name="부제목 2">
             <a:extLst>
               <a:ext uri="{FF2B5EF4-FFF2-40B4-BE49-F238E27FC236}">
-                <a16:creationId xmlns:a16="http://schemas.microsoft.com/office/drawing/2014/main" id="{DA3877B8-7501-C01E-269E-27B0365DEED7}"/>
+                <a16:creationId xmlns:a16="http://schemas.microsoft.com/office/drawing/2014/main" xmlns="" id="{DA3877B8-7501-C01E-269E-27B0365DEED7}"/>
               </a:ext>
             </a:extLst>
           </p:cNvPr>
@@ -4941,8 +4941,8 @@
         </p:nvSpPr>
         <p:spPr>
           <a:xfrm>
-            <a:off x="2783309" y="3352803"/>
-            <a:ext cx="1764632" cy="732360"/>
+            <a:off x="4466079" y="3352803"/>
+            <a:ext cx="1702734" cy="732360"/>
           </a:xfrm>
           <a:prstGeom prst="rect">
             <a:avLst/>
@@ -5139,7 +5139,7 @@
           <p:cNvPr id="12" name="부제목 2">
             <a:extLst>
               <a:ext uri="{FF2B5EF4-FFF2-40B4-BE49-F238E27FC236}">
-                <a16:creationId xmlns:a16="http://schemas.microsoft.com/office/drawing/2014/main" id="{B6830E7F-0CE7-B5F2-9515-DABD35A79A47}"/>
+                <a16:creationId xmlns:a16="http://schemas.microsoft.com/office/drawing/2014/main" xmlns="" id="{B6830E7F-0CE7-B5F2-9515-DABD35A79A47}"/>
               </a:ext>
             </a:extLst>
           </p:cNvPr>
@@ -5150,8 +5150,8 @@
         </p:nvSpPr>
         <p:spPr>
           <a:xfrm>
-            <a:off x="4932955" y="3352803"/>
-            <a:ext cx="1764632" cy="732360"/>
+            <a:off x="6615725" y="3352803"/>
+            <a:ext cx="1501254" cy="732360"/>
           </a:xfrm>
           <a:prstGeom prst="rect">
             <a:avLst/>
@@ -5348,7 +5348,7 @@
           <p:cNvPr id="13" name="부제목 2">
             <a:extLst>
               <a:ext uri="{FF2B5EF4-FFF2-40B4-BE49-F238E27FC236}">
-                <a16:creationId xmlns:a16="http://schemas.microsoft.com/office/drawing/2014/main" id="{D503A716-2C96-25D3-FADA-1363590FAB26}"/>
+                <a16:creationId xmlns:a16="http://schemas.microsoft.com/office/drawing/2014/main" xmlns="" id="{D503A716-2C96-25D3-FADA-1363590FAB26}"/>
               </a:ext>
             </a:extLst>
           </p:cNvPr>
@@ -5359,8 +5359,8 @@
         </p:nvSpPr>
         <p:spPr>
           <a:xfrm>
-            <a:off x="7058535" y="3352803"/>
-            <a:ext cx="1764632" cy="732360"/>
+            <a:off x="8400105" y="3352803"/>
+            <a:ext cx="1501254" cy="732360"/>
           </a:xfrm>
           <a:prstGeom prst="rect">
             <a:avLst/>
@@ -5542,7 +5542,7 @@
           <a:p>
             <a:pPr lvl="1" algn="l"/>
             <a:r>
-              <a:rPr lang="ko-KR" altLang="en-US" sz="3600">
+              <a:rPr lang="ko-KR" altLang="en-US" sz="3600" dirty="0">
                 <a:latin typeface="HY엽서L" panose="02030600000101010101" pitchFamily="18" charset="-127"/>
                 <a:ea typeface="HY엽서L" panose="02030600000101010101" pitchFamily="18" charset="-127"/>
                 <a:cs typeface="ADLaM Display" panose="02010000000000000000" pitchFamily="2" charset="0"/>
@@ -5557,7 +5557,7 @@
           <p:cNvPr id="14" name="부제목 2">
             <a:extLst>
               <a:ext uri="{FF2B5EF4-FFF2-40B4-BE49-F238E27FC236}">
-                <a16:creationId xmlns:a16="http://schemas.microsoft.com/office/drawing/2014/main" id="{375069B2-9FAD-2A2D-DB88-7810F95E4F55}"/>
+                <a16:creationId xmlns:a16="http://schemas.microsoft.com/office/drawing/2014/main" xmlns="" id="{375069B2-9FAD-2A2D-DB88-7810F95E4F55}"/>
               </a:ext>
             </a:extLst>
           </p:cNvPr>
@@ -5808,7 +5808,7 @@
           <p:cNvPr id="19" name="부제목 2">
             <a:extLst>
               <a:ext uri="{FF2B5EF4-FFF2-40B4-BE49-F238E27FC236}">
-                <a16:creationId xmlns:a16="http://schemas.microsoft.com/office/drawing/2014/main" id="{C280EBE1-2E99-7216-5D6D-475851CABA8B}"/>
+                <a16:creationId xmlns:a16="http://schemas.microsoft.com/office/drawing/2014/main" xmlns="" id="{C280EBE1-2E99-7216-5D6D-475851CABA8B}"/>
               </a:ext>
             </a:extLst>
           </p:cNvPr>
@@ -5819,8 +5819,8 @@
         </p:nvSpPr>
         <p:spPr>
           <a:xfrm>
-            <a:off x="8999621" y="3352803"/>
-            <a:ext cx="2887579" cy="732360"/>
+            <a:off x="9990161" y="3352803"/>
+            <a:ext cx="1897039" cy="732360"/>
           </a:xfrm>
           <a:prstGeom prst="rect">
             <a:avLst/>
@@ -6002,13 +6002,18 @@
           <a:p>
             <a:pPr lvl="1" algn="l"/>
             <a:r>
-              <a:rPr lang="ko-KR" altLang="en-US" sz="3600">
+              <a:rPr lang="ko-KR" altLang="en-US" sz="3600" dirty="0" smtClean="0">
                 <a:latin typeface="HY엽서L" panose="02030600000101010101" pitchFamily="18" charset="-127"/>
                 <a:ea typeface="HY엽서L" panose="02030600000101010101" pitchFamily="18" charset="-127"/>
                 <a:cs typeface="ADLaM Display" panose="02010000000000000000" pitchFamily="2" charset="0"/>
               </a:rPr>
-              <a:t>그 외 기타</a:t>
-            </a:r>
+              <a:t>기타</a:t>
+            </a:r>
+            <a:endParaRPr lang="ko-KR" altLang="en-US" sz="3600" dirty="0">
+              <a:latin typeface="HY엽서L" panose="02030600000101010101" pitchFamily="18" charset="-127"/>
+              <a:ea typeface="HY엽서L" panose="02030600000101010101" pitchFamily="18" charset="-127"/>
+              <a:cs typeface="ADLaM Display" panose="02010000000000000000" pitchFamily="2" charset="0"/>
+            </a:endParaRPr>
           </a:p>
         </p:txBody>
       </p:sp>
@@ -6017,7 +6022,7 @@
           <p:cNvPr id="21" name="부제목 2">
             <a:extLst>
               <a:ext uri="{FF2B5EF4-FFF2-40B4-BE49-F238E27FC236}">
-                <a16:creationId xmlns:a16="http://schemas.microsoft.com/office/drawing/2014/main" id="{3529AC75-80CD-962D-C845-ADFF1036101A}"/>
+                <a16:creationId xmlns:a16="http://schemas.microsoft.com/office/drawing/2014/main" xmlns="" id="{3529AC75-80CD-962D-C845-ADFF1036101A}"/>
               </a:ext>
             </a:extLst>
           </p:cNvPr>
@@ -6211,18 +6216,241 @@
           <a:p>
             <a:pPr lvl="1" algn="l"/>
             <a:r>
-              <a:rPr lang="ko-KR" altLang="en-US" sz="2400">
+              <a:rPr lang="ko-KR" altLang="en-US" sz="2400" dirty="0" err="1" smtClean="0">
                 <a:latin typeface="HY동녘M" panose="02030600000101010101" pitchFamily="18" charset="-127"/>
                 <a:ea typeface="HY동녘M" panose="02030600000101010101" pitchFamily="18" charset="-127"/>
                 <a:cs typeface="ADLaM Display" panose="020F0502020204030204" pitchFamily="2" charset="0"/>
                 <a:sym typeface="Wingdings" panose="05000000000000000000" pitchFamily="2" charset="2"/>
               </a:rPr>
-              <a:t>나가기</a:t>
-            </a:r>
-            <a:endParaRPr lang="ko-KR" altLang="en-US" sz="2400">
+              <a:t>뒤로</a:t>
+            </a:r>
+            <a:r>
+              <a:rPr lang="ko-KR" altLang="en-US" sz="2400" dirty="0" err="1" smtClean="0">
+                <a:latin typeface="HY동녘M" panose="02030600000101010101" pitchFamily="18" charset="-127"/>
+                <a:ea typeface="HY동녘M" panose="02030600000101010101" pitchFamily="18" charset="-127"/>
+                <a:cs typeface="ADLaM Display" panose="020F0502020204030204" pitchFamily="2" charset="0"/>
+                <a:sym typeface="Wingdings" panose="05000000000000000000" pitchFamily="2" charset="2"/>
+              </a:rPr>
+              <a:t>가기</a:t>
+            </a:r>
+            <a:endParaRPr lang="ko-KR" altLang="en-US" sz="2400" dirty="0">
               <a:latin typeface="HY동녘M" panose="02030600000101010101" pitchFamily="18" charset="-127"/>
               <a:ea typeface="HY동녘M" panose="02030600000101010101" pitchFamily="18" charset="-127"/>
               <a:cs typeface="ADLaM Display" panose="020F0502020204030204" pitchFamily="2" charset="0"/>
+            </a:endParaRPr>
+          </a:p>
+        </p:txBody>
+      </p:sp>
+      <p:sp>
+        <p:nvSpPr>
+          <p:cNvPr id="9" name="부제목 2">
+            <a:extLst>
+              <a:ext uri="{FF2B5EF4-FFF2-40B4-BE49-F238E27FC236}">
+                <a16:creationId xmlns:a16="http://schemas.microsoft.com/office/drawing/2014/main" xmlns="" id="{740D3A25-F033-A21F-470C-1ABB56DA0D77}"/>
+              </a:ext>
+            </a:extLst>
+          </p:cNvPr>
+          <p:cNvSpPr txBox="1">
+            <a:spLocks/>
+          </p:cNvSpPr>
+          <p:nvPr/>
+        </p:nvSpPr>
+        <p:spPr>
+          <a:xfrm>
+            <a:off x="109174" y="3352803"/>
+            <a:ext cx="2292825" cy="732360"/>
+          </a:xfrm>
+          <a:prstGeom prst="rect">
+            <a:avLst/>
+          </a:prstGeom>
+          <a:ln>
+            <a:solidFill>
+              <a:schemeClr val="accent1"/>
+            </a:solidFill>
+          </a:ln>
+        </p:spPr>
+        <p:txBody>
+          <a:bodyPr vert="horz" lIns="91440" tIns="45720" rIns="91440" bIns="45720" rtlCol="0" anchor="ctr">
+            <a:noAutofit/>
+          </a:bodyPr>
+          <a:lstStyle>
+            <a:lvl1pPr marL="0" indent="0" algn="ctr" defTabSz="914400" rtl="0" eaLnBrk="1" latinLnBrk="1" hangingPunct="1">
+              <a:lnSpc>
+                <a:spcPct val="90000"/>
+              </a:lnSpc>
+              <a:spcBef>
+                <a:spcPts val="1000"/>
+              </a:spcBef>
+              <a:buFont typeface="Arial" panose="020B0604020202020204" pitchFamily="34" charset="0"/>
+              <a:buNone/>
+              <a:defRPr sz="2400" kern="1200">
+                <a:solidFill>
+                  <a:schemeClr val="tx1"/>
+                </a:solidFill>
+                <a:latin typeface="+mn-lt"/>
+                <a:ea typeface="+mn-ea"/>
+                <a:cs typeface="+mn-cs"/>
+              </a:defRPr>
+            </a:lvl1pPr>
+            <a:lvl2pPr marL="457200" indent="0" algn="ctr" defTabSz="914400" rtl="0" eaLnBrk="1" latinLnBrk="1" hangingPunct="1">
+              <a:lnSpc>
+                <a:spcPct val="90000"/>
+              </a:lnSpc>
+              <a:spcBef>
+                <a:spcPts val="500"/>
+              </a:spcBef>
+              <a:buFont typeface="Arial" panose="020B0604020202020204" pitchFamily="34" charset="0"/>
+              <a:buNone/>
+              <a:defRPr sz="2000" kern="1200">
+                <a:solidFill>
+                  <a:schemeClr val="tx1"/>
+                </a:solidFill>
+                <a:latin typeface="+mn-lt"/>
+                <a:ea typeface="+mn-ea"/>
+                <a:cs typeface="+mn-cs"/>
+              </a:defRPr>
+            </a:lvl2pPr>
+            <a:lvl3pPr marL="914400" indent="0" algn="ctr" defTabSz="914400" rtl="0" eaLnBrk="1" latinLnBrk="1" hangingPunct="1">
+              <a:lnSpc>
+                <a:spcPct val="90000"/>
+              </a:lnSpc>
+              <a:spcBef>
+                <a:spcPts val="500"/>
+              </a:spcBef>
+              <a:buFont typeface="Arial" panose="020B0604020202020204" pitchFamily="34" charset="0"/>
+              <a:buNone/>
+              <a:defRPr sz="1800" kern="1200">
+                <a:solidFill>
+                  <a:schemeClr val="tx1"/>
+                </a:solidFill>
+                <a:latin typeface="+mn-lt"/>
+                <a:ea typeface="+mn-ea"/>
+                <a:cs typeface="+mn-cs"/>
+              </a:defRPr>
+            </a:lvl3pPr>
+            <a:lvl4pPr marL="1371600" indent="0" algn="ctr" defTabSz="914400" rtl="0" eaLnBrk="1" latinLnBrk="1" hangingPunct="1">
+              <a:lnSpc>
+                <a:spcPct val="90000"/>
+              </a:lnSpc>
+              <a:spcBef>
+                <a:spcPts val="500"/>
+              </a:spcBef>
+              <a:buFont typeface="Arial" panose="020B0604020202020204" pitchFamily="34" charset="0"/>
+              <a:buNone/>
+              <a:defRPr sz="1600" kern="1200">
+                <a:solidFill>
+                  <a:schemeClr val="tx1"/>
+                </a:solidFill>
+                <a:latin typeface="+mn-lt"/>
+                <a:ea typeface="+mn-ea"/>
+                <a:cs typeface="+mn-cs"/>
+              </a:defRPr>
+            </a:lvl4pPr>
+            <a:lvl5pPr marL="1828800" indent="0" algn="ctr" defTabSz="914400" rtl="0" eaLnBrk="1" latinLnBrk="1" hangingPunct="1">
+              <a:lnSpc>
+                <a:spcPct val="90000"/>
+              </a:lnSpc>
+              <a:spcBef>
+                <a:spcPts val="500"/>
+              </a:spcBef>
+              <a:buFont typeface="Arial" panose="020B0604020202020204" pitchFamily="34" charset="0"/>
+              <a:buNone/>
+              <a:defRPr sz="1600" kern="1200">
+                <a:solidFill>
+                  <a:schemeClr val="tx1"/>
+                </a:solidFill>
+                <a:latin typeface="+mn-lt"/>
+                <a:ea typeface="+mn-ea"/>
+                <a:cs typeface="+mn-cs"/>
+              </a:defRPr>
+            </a:lvl5pPr>
+            <a:lvl6pPr marL="2286000" indent="0" algn="ctr" defTabSz="914400" rtl="0" eaLnBrk="1" latinLnBrk="1" hangingPunct="1">
+              <a:lnSpc>
+                <a:spcPct val="90000"/>
+              </a:lnSpc>
+              <a:spcBef>
+                <a:spcPts val="500"/>
+              </a:spcBef>
+              <a:buFont typeface="Arial" panose="020B0604020202020204" pitchFamily="34" charset="0"/>
+              <a:buNone/>
+              <a:defRPr sz="1600" kern="1200">
+                <a:solidFill>
+                  <a:schemeClr val="tx1"/>
+                </a:solidFill>
+                <a:latin typeface="+mn-lt"/>
+                <a:ea typeface="+mn-ea"/>
+                <a:cs typeface="+mn-cs"/>
+              </a:defRPr>
+            </a:lvl6pPr>
+            <a:lvl7pPr marL="2743200" indent="0" algn="ctr" defTabSz="914400" rtl="0" eaLnBrk="1" latinLnBrk="1" hangingPunct="1">
+              <a:lnSpc>
+                <a:spcPct val="90000"/>
+              </a:lnSpc>
+              <a:spcBef>
+                <a:spcPts val="500"/>
+              </a:spcBef>
+              <a:buFont typeface="Arial" panose="020B0604020202020204" pitchFamily="34" charset="0"/>
+              <a:buNone/>
+              <a:defRPr sz="1600" kern="1200">
+                <a:solidFill>
+                  <a:schemeClr val="tx1"/>
+                </a:solidFill>
+                <a:latin typeface="+mn-lt"/>
+                <a:ea typeface="+mn-ea"/>
+                <a:cs typeface="+mn-cs"/>
+              </a:defRPr>
+            </a:lvl7pPr>
+            <a:lvl8pPr marL="3200400" indent="0" algn="ctr" defTabSz="914400" rtl="0" eaLnBrk="1" latinLnBrk="1" hangingPunct="1">
+              <a:lnSpc>
+                <a:spcPct val="90000"/>
+              </a:lnSpc>
+              <a:spcBef>
+                <a:spcPts val="500"/>
+              </a:spcBef>
+              <a:buFont typeface="Arial" panose="020B0604020202020204" pitchFamily="34" charset="0"/>
+              <a:buNone/>
+              <a:defRPr sz="1600" kern="1200">
+                <a:solidFill>
+                  <a:schemeClr val="tx1"/>
+                </a:solidFill>
+                <a:latin typeface="+mn-lt"/>
+                <a:ea typeface="+mn-ea"/>
+                <a:cs typeface="+mn-cs"/>
+              </a:defRPr>
+            </a:lvl8pPr>
+            <a:lvl9pPr marL="3657600" indent="0" algn="ctr" defTabSz="914400" rtl="0" eaLnBrk="1" latinLnBrk="1" hangingPunct="1">
+              <a:lnSpc>
+                <a:spcPct val="90000"/>
+              </a:lnSpc>
+              <a:spcBef>
+                <a:spcPts val="500"/>
+              </a:spcBef>
+              <a:buFont typeface="Arial" panose="020B0604020202020204" pitchFamily="34" charset="0"/>
+              <a:buNone/>
+              <a:defRPr sz="1600" kern="1200">
+                <a:solidFill>
+                  <a:schemeClr val="tx1"/>
+                </a:solidFill>
+                <a:latin typeface="+mn-lt"/>
+                <a:ea typeface="+mn-ea"/>
+                <a:cs typeface="+mn-cs"/>
+              </a:defRPr>
+            </a:lvl9pPr>
+          </a:lstStyle>
+          <a:p>
+            <a:pPr lvl="1"/>
+            <a:r>
+              <a:rPr lang="ko-KR" altLang="en-US" sz="2800" dirty="0" smtClean="0">
+                <a:latin typeface="HY엽서L" panose="02030600000101010101" pitchFamily="18" charset="-127"/>
+                <a:ea typeface="HY엽서L" panose="02030600000101010101" pitchFamily="18" charset="-127"/>
+                <a:cs typeface="ADLaM Display" panose="02010000000000000000" pitchFamily="2" charset="0"/>
+              </a:rPr>
+              <a:t>최근 공정</a:t>
+            </a:r>
+            <a:endParaRPr lang="ko-KR" altLang="en-US" sz="3600" dirty="0">
+              <a:latin typeface="HY엽서L" panose="02030600000101010101" pitchFamily="18" charset="-127"/>
+              <a:ea typeface="HY엽서L" panose="02030600000101010101" pitchFamily="18" charset="-127"/>
+              <a:cs typeface="ADLaM Display" panose="02010000000000000000" pitchFamily="2" charset="0"/>
             </a:endParaRPr>
           </a:p>
         </p:txBody>
@@ -6262,7 +6490,7 @@
           <p:cNvPr id="3" name="부제목 2">
             <a:extLst>
               <a:ext uri="{FF2B5EF4-FFF2-40B4-BE49-F238E27FC236}">
-                <a16:creationId xmlns:a16="http://schemas.microsoft.com/office/drawing/2014/main" id="{27A9C847-0734-9A46-A077-6F29EAF03C2F}"/>
+                <a16:creationId xmlns:a16="http://schemas.microsoft.com/office/drawing/2014/main" xmlns="" id="{27A9C847-0734-9A46-A077-6F29EAF03C2F}"/>
               </a:ext>
             </a:extLst>
           </p:cNvPr>
@@ -6471,7 +6699,7 @@
           <p:cNvPr id="4" name="부제목 2">
             <a:extLst>
               <a:ext uri="{FF2B5EF4-FFF2-40B4-BE49-F238E27FC236}">
-                <a16:creationId xmlns:a16="http://schemas.microsoft.com/office/drawing/2014/main" id="{17BEB560-40BA-2BC5-0E15-7C6C493A5AE7}"/>
+                <a16:creationId xmlns:a16="http://schemas.microsoft.com/office/drawing/2014/main" xmlns="" id="{17BEB560-40BA-2BC5-0E15-7C6C493A5AE7}"/>
               </a:ext>
             </a:extLst>
           </p:cNvPr>
@@ -6680,7 +6908,7 @@
           <p:cNvPr id="6" name="부제목 2">
             <a:extLst>
               <a:ext uri="{FF2B5EF4-FFF2-40B4-BE49-F238E27FC236}">
-                <a16:creationId xmlns:a16="http://schemas.microsoft.com/office/drawing/2014/main" id="{F761BBFA-4B9A-5763-6188-0E2642F9456E}"/>
+                <a16:creationId xmlns:a16="http://schemas.microsoft.com/office/drawing/2014/main" xmlns="" id="{F761BBFA-4B9A-5763-6188-0E2642F9456E}"/>
               </a:ext>
             </a:extLst>
           </p:cNvPr>
@@ -6913,7 +7141,7 @@
           <p:cNvPr id="7" name="부제목 2">
             <a:extLst>
               <a:ext uri="{FF2B5EF4-FFF2-40B4-BE49-F238E27FC236}">
-                <a16:creationId xmlns:a16="http://schemas.microsoft.com/office/drawing/2014/main" id="{64AB3825-8970-0BB1-47E0-633C349F0498}"/>
+                <a16:creationId xmlns:a16="http://schemas.microsoft.com/office/drawing/2014/main" xmlns="" id="{64AB3825-8970-0BB1-47E0-633C349F0498}"/>
               </a:ext>
             </a:extLst>
           </p:cNvPr>
@@ -7107,15 +7335,33 @@
           <a:p>
             <a:pPr lvl="1" algn="l"/>
             <a:r>
-              <a:rPr lang="ko-KR" altLang="en-US" sz="2400">
+              <a:rPr lang="ko-KR" altLang="en-US" sz="2400" dirty="0" err="1" smtClean="0">
                 <a:latin typeface="HY동녘M" panose="02030600000101010101" pitchFamily="18" charset="-127"/>
                 <a:ea typeface="HY동녘M" panose="02030600000101010101" pitchFamily="18" charset="-127"/>
                 <a:cs typeface="ADLaM Display" panose="020F0502020204030204" pitchFamily="2" charset="0"/>
                 <a:sym typeface="Wingdings" panose="05000000000000000000" pitchFamily="2" charset="2"/>
               </a:rPr>
-              <a:t>나가기</a:t>
-            </a:r>
-            <a:endParaRPr lang="ko-KR" altLang="en-US" sz="2400">
+              <a:t>뒤</a:t>
+            </a:r>
+            <a:r>
+              <a:rPr lang="ko-KR" altLang="en-US" sz="2400" dirty="0" err="1">
+                <a:latin typeface="HY동녘M" panose="02030600000101010101" pitchFamily="18" charset="-127"/>
+                <a:ea typeface="HY동녘M" panose="02030600000101010101" pitchFamily="18" charset="-127"/>
+                <a:cs typeface="ADLaM Display" panose="020F0502020204030204" pitchFamily="2" charset="0"/>
+                <a:sym typeface="Wingdings" panose="05000000000000000000" pitchFamily="2" charset="2"/>
+              </a:rPr>
+              <a:t>로</a:t>
+            </a:r>
+            <a:r>
+              <a:rPr lang="ko-KR" altLang="en-US" sz="2400" dirty="0" err="1" smtClean="0">
+                <a:latin typeface="HY동녘M" panose="02030600000101010101" pitchFamily="18" charset="-127"/>
+                <a:ea typeface="HY동녘M" panose="02030600000101010101" pitchFamily="18" charset="-127"/>
+                <a:cs typeface="ADLaM Display" panose="020F0502020204030204" pitchFamily="2" charset="0"/>
+                <a:sym typeface="Wingdings" panose="05000000000000000000" pitchFamily="2" charset="2"/>
+              </a:rPr>
+              <a:t>가기</a:t>
+            </a:r>
+            <a:endParaRPr lang="ko-KR" altLang="en-US" sz="2400" dirty="0">
               <a:latin typeface="HY동녘M" panose="02030600000101010101" pitchFamily="18" charset="-127"/>
               <a:ea typeface="HY동녘M" panose="02030600000101010101" pitchFamily="18" charset="-127"/>
               <a:cs typeface="ADLaM Display" panose="020F0502020204030204" pitchFamily="2" charset="0"/>
@@ -7158,7 +7404,7 @@
           <p:cNvPr id="6" name="부제목 2">
             <a:extLst>
               <a:ext uri="{FF2B5EF4-FFF2-40B4-BE49-F238E27FC236}">
-                <a16:creationId xmlns:a16="http://schemas.microsoft.com/office/drawing/2014/main" id="{83B0A5AE-FD52-811E-DC92-5BAFBAF49D17}"/>
+                <a16:creationId xmlns:a16="http://schemas.microsoft.com/office/drawing/2014/main" xmlns="" id="{83B0A5AE-FD52-811E-DC92-5BAFBAF49D17}"/>
               </a:ext>
             </a:extLst>
           </p:cNvPr>
@@ -7352,15 +7598,33 @@
           <a:p>
             <a:pPr lvl="1" algn="l"/>
             <a:r>
-              <a:rPr lang="ko-KR" altLang="en-US" sz="2400">
+              <a:rPr lang="ko-KR" altLang="en-US" sz="2400" dirty="0" err="1" smtClean="0">
                 <a:latin typeface="HY동녘M" panose="02030600000101010101" pitchFamily="18" charset="-127"/>
                 <a:ea typeface="HY동녘M" panose="02030600000101010101" pitchFamily="18" charset="-127"/>
                 <a:cs typeface="ADLaM Display" panose="020F0502020204030204" pitchFamily="2" charset="0"/>
                 <a:sym typeface="Wingdings" panose="05000000000000000000" pitchFamily="2" charset="2"/>
               </a:rPr>
-              <a:t>나가기</a:t>
-            </a:r>
-            <a:endParaRPr lang="ko-KR" altLang="en-US" sz="2400">
+              <a:t>뒤</a:t>
+            </a:r>
+            <a:r>
+              <a:rPr lang="ko-KR" altLang="en-US" sz="2400" dirty="0" err="1">
+                <a:latin typeface="HY동녘M" panose="02030600000101010101" pitchFamily="18" charset="-127"/>
+                <a:ea typeface="HY동녘M" panose="02030600000101010101" pitchFamily="18" charset="-127"/>
+                <a:cs typeface="ADLaM Display" panose="020F0502020204030204" pitchFamily="2" charset="0"/>
+                <a:sym typeface="Wingdings" panose="05000000000000000000" pitchFamily="2" charset="2"/>
+              </a:rPr>
+              <a:t>로</a:t>
+            </a:r>
+            <a:r>
+              <a:rPr lang="ko-KR" altLang="en-US" sz="2400" dirty="0" err="1" smtClean="0">
+                <a:latin typeface="HY동녘M" panose="02030600000101010101" pitchFamily="18" charset="-127"/>
+                <a:ea typeface="HY동녘M" panose="02030600000101010101" pitchFamily="18" charset="-127"/>
+                <a:cs typeface="ADLaM Display" panose="020F0502020204030204" pitchFamily="2" charset="0"/>
+                <a:sym typeface="Wingdings" panose="05000000000000000000" pitchFamily="2" charset="2"/>
+              </a:rPr>
+              <a:t>가기</a:t>
+            </a:r>
+            <a:endParaRPr lang="ko-KR" altLang="en-US" sz="2400" dirty="0">
               <a:latin typeface="HY동녘M" panose="02030600000101010101" pitchFamily="18" charset="-127"/>
               <a:ea typeface="HY동녘M" panose="02030600000101010101" pitchFamily="18" charset="-127"/>
               <a:cs typeface="ADLaM Display" panose="020F0502020204030204" pitchFamily="2" charset="0"/>
@@ -7373,7 +7637,7 @@
           <p:cNvPr id="7" name="부제목 2">
             <a:extLst>
               <a:ext uri="{FF2B5EF4-FFF2-40B4-BE49-F238E27FC236}">
-                <a16:creationId xmlns:a16="http://schemas.microsoft.com/office/drawing/2014/main" id="{DECF06CE-6749-BF5D-4A28-2B5B3AAF906F}"/>
+                <a16:creationId xmlns:a16="http://schemas.microsoft.com/office/drawing/2014/main" xmlns="" id="{DECF06CE-6749-BF5D-4A28-2B5B3AAF906F}"/>
               </a:ext>
             </a:extLst>
           </p:cNvPr>
@@ -7606,7 +7870,7 @@
           <p:cNvPr id="8" name="부제목 2">
             <a:extLst>
               <a:ext uri="{FF2B5EF4-FFF2-40B4-BE49-F238E27FC236}">
-                <a16:creationId xmlns:a16="http://schemas.microsoft.com/office/drawing/2014/main" id="{26AFC039-CF40-D491-ADF0-76503911D8C5}"/>
+                <a16:creationId xmlns:a16="http://schemas.microsoft.com/office/drawing/2014/main" xmlns="" id="{26AFC039-CF40-D491-ADF0-76503911D8C5}"/>
               </a:ext>
             </a:extLst>
           </p:cNvPr>
@@ -7815,7 +8079,7 @@
           <p:cNvPr id="9" name="부제목 2">
             <a:extLst>
               <a:ext uri="{FF2B5EF4-FFF2-40B4-BE49-F238E27FC236}">
-                <a16:creationId xmlns:a16="http://schemas.microsoft.com/office/drawing/2014/main" id="{D63D7CD7-8430-A3E3-D873-AFB8E0B7332E}"/>
+                <a16:creationId xmlns:a16="http://schemas.microsoft.com/office/drawing/2014/main" xmlns="" id="{D63D7CD7-8430-A3E3-D873-AFB8E0B7332E}"/>
               </a:ext>
             </a:extLst>
           </p:cNvPr>
@@ -8054,7 +8318,7 @@
           <p:cNvPr id="6" name="부제목 2">
             <a:extLst>
               <a:ext uri="{FF2B5EF4-FFF2-40B4-BE49-F238E27FC236}">
-                <a16:creationId xmlns:a16="http://schemas.microsoft.com/office/drawing/2014/main" id="{CD2D4FA8-F630-09AF-E665-9033B1AC8CCA}"/>
+                <a16:creationId xmlns:a16="http://schemas.microsoft.com/office/drawing/2014/main" xmlns="" id="{CD2D4FA8-F630-09AF-E665-9033B1AC8CCA}"/>
               </a:ext>
             </a:extLst>
           </p:cNvPr>
@@ -8269,7 +8533,7 @@
           <p:cNvPr id="7" name="부제목 2">
             <a:extLst>
               <a:ext uri="{FF2B5EF4-FFF2-40B4-BE49-F238E27FC236}">
-                <a16:creationId xmlns:a16="http://schemas.microsoft.com/office/drawing/2014/main" id="{A917CE82-18CF-AC53-3825-FB38DD8D2DA5}"/>
+                <a16:creationId xmlns:a16="http://schemas.microsoft.com/office/drawing/2014/main" xmlns="" id="{A917CE82-18CF-AC53-3825-FB38DD8D2DA5}"/>
               </a:ext>
             </a:extLst>
           </p:cNvPr>
@@ -8502,7 +8766,7 @@
           <p:cNvPr id="8" name="부제목 2">
             <a:extLst>
               <a:ext uri="{FF2B5EF4-FFF2-40B4-BE49-F238E27FC236}">
-                <a16:creationId xmlns:a16="http://schemas.microsoft.com/office/drawing/2014/main" id="{25EBE601-4DD4-44E2-B1A5-885E7080A8E5}"/>
+                <a16:creationId xmlns:a16="http://schemas.microsoft.com/office/drawing/2014/main" xmlns="" id="{25EBE601-4DD4-44E2-B1A5-885E7080A8E5}"/>
               </a:ext>
             </a:extLst>
           </p:cNvPr>
@@ -8711,7 +8975,7 @@
           <p:cNvPr id="9" name="부제목 2">
             <a:extLst>
               <a:ext uri="{FF2B5EF4-FFF2-40B4-BE49-F238E27FC236}">
-                <a16:creationId xmlns:a16="http://schemas.microsoft.com/office/drawing/2014/main" id="{1A2594C2-A39A-4B7A-9FE9-7B0E81835CD9}"/>
+                <a16:creationId xmlns:a16="http://schemas.microsoft.com/office/drawing/2014/main" xmlns="" id="{1A2594C2-A39A-4B7A-9FE9-7B0E81835CD9}"/>
               </a:ext>
             </a:extLst>
           </p:cNvPr>
@@ -8950,7 +9214,7 @@
           <p:cNvPr id="6" name="부제목 2">
             <a:extLst>
               <a:ext uri="{FF2B5EF4-FFF2-40B4-BE49-F238E27FC236}">
-                <a16:creationId xmlns:a16="http://schemas.microsoft.com/office/drawing/2014/main" id="{1285B292-2D5C-9A44-38CC-30CD5A98021F}"/>
+                <a16:creationId xmlns:a16="http://schemas.microsoft.com/office/drawing/2014/main" xmlns="" id="{1285B292-2D5C-9A44-38CC-30CD5A98021F}"/>
               </a:ext>
             </a:extLst>
           </p:cNvPr>
@@ -9165,7 +9429,7 @@
           <p:cNvPr id="7" name="부제목 2">
             <a:extLst>
               <a:ext uri="{FF2B5EF4-FFF2-40B4-BE49-F238E27FC236}">
-                <a16:creationId xmlns:a16="http://schemas.microsoft.com/office/drawing/2014/main" id="{E0E06DD7-B18B-02DE-89C9-FA1F8BA8EC33}"/>
+                <a16:creationId xmlns:a16="http://schemas.microsoft.com/office/drawing/2014/main" xmlns="" id="{E0E06DD7-B18B-02DE-89C9-FA1F8BA8EC33}"/>
               </a:ext>
             </a:extLst>
           </p:cNvPr>
@@ -9398,7 +9662,7 @@
           <p:cNvPr id="8" name="부제목 2">
             <a:extLst>
               <a:ext uri="{FF2B5EF4-FFF2-40B4-BE49-F238E27FC236}">
-                <a16:creationId xmlns:a16="http://schemas.microsoft.com/office/drawing/2014/main" id="{0B1C2173-65A2-DFE9-9453-4A5FDC7013B3}"/>
+                <a16:creationId xmlns:a16="http://schemas.microsoft.com/office/drawing/2014/main" xmlns="" id="{0B1C2173-65A2-DFE9-9453-4A5FDC7013B3}"/>
               </a:ext>
             </a:extLst>
           </p:cNvPr>
@@ -9607,7 +9871,7 @@
           <p:cNvPr id="9" name="부제목 2">
             <a:extLst>
               <a:ext uri="{FF2B5EF4-FFF2-40B4-BE49-F238E27FC236}">
-                <a16:creationId xmlns:a16="http://schemas.microsoft.com/office/drawing/2014/main" id="{BFE3E443-FF4A-4370-D904-9DCF15C33312}"/>
+                <a16:creationId xmlns:a16="http://schemas.microsoft.com/office/drawing/2014/main" xmlns="" id="{BFE3E443-FF4A-4370-D904-9DCF15C33312}"/>
               </a:ext>
             </a:extLst>
           </p:cNvPr>
@@ -9846,7 +10110,7 @@
           <p:cNvPr id="3" name="부제목 2">
             <a:extLst>
               <a:ext uri="{FF2B5EF4-FFF2-40B4-BE49-F238E27FC236}">
-                <a16:creationId xmlns:a16="http://schemas.microsoft.com/office/drawing/2014/main" id="{27A9C847-0734-9A46-A077-6F29EAF03C2F}"/>
+                <a16:creationId xmlns:a16="http://schemas.microsoft.com/office/drawing/2014/main" xmlns="" id="{27A9C847-0734-9A46-A077-6F29EAF03C2F}"/>
               </a:ext>
             </a:extLst>
           </p:cNvPr>
@@ -10055,7 +10319,7 @@
           <p:cNvPr id="4" name="부제목 2">
             <a:extLst>
               <a:ext uri="{FF2B5EF4-FFF2-40B4-BE49-F238E27FC236}">
-                <a16:creationId xmlns:a16="http://schemas.microsoft.com/office/drawing/2014/main" id="{17BEB560-40BA-2BC5-0E15-7C6C493A5AE7}"/>
+                <a16:creationId xmlns:a16="http://schemas.microsoft.com/office/drawing/2014/main" xmlns="" id="{17BEB560-40BA-2BC5-0E15-7C6C493A5AE7}"/>
               </a:ext>
             </a:extLst>
           </p:cNvPr>
@@ -10264,7 +10528,7 @@
           <p:cNvPr id="5" name="부제목 2">
             <a:extLst>
               <a:ext uri="{FF2B5EF4-FFF2-40B4-BE49-F238E27FC236}">
-                <a16:creationId xmlns:a16="http://schemas.microsoft.com/office/drawing/2014/main" id="{FB3BA6ED-6878-F6D4-F3AA-C46F3FA0FE8A}"/>
+                <a16:creationId xmlns:a16="http://schemas.microsoft.com/office/drawing/2014/main" xmlns="" id="{FB3BA6ED-6878-F6D4-F3AA-C46F3FA0FE8A}"/>
               </a:ext>
             </a:extLst>
           </p:cNvPr>
@@ -10473,7 +10737,7 @@
           <p:cNvPr id="2" name="부제목 2">
             <a:extLst>
               <a:ext uri="{FF2B5EF4-FFF2-40B4-BE49-F238E27FC236}">
-                <a16:creationId xmlns:a16="http://schemas.microsoft.com/office/drawing/2014/main" id="{8D26F26D-9C13-51E8-DD18-2680F2D89B37}"/>
+                <a16:creationId xmlns:a16="http://schemas.microsoft.com/office/drawing/2014/main" xmlns="" id="{8D26F26D-9C13-51E8-DD18-2680F2D89B37}"/>
               </a:ext>
             </a:extLst>
           </p:cNvPr>
@@ -10682,7 +10946,7 @@
           <p:cNvPr id="6" name="부제목 2">
             <a:extLst>
               <a:ext uri="{FF2B5EF4-FFF2-40B4-BE49-F238E27FC236}">
-                <a16:creationId xmlns:a16="http://schemas.microsoft.com/office/drawing/2014/main" id="{25307F70-180B-5016-7111-75F211E2E20C}"/>
+                <a16:creationId xmlns:a16="http://schemas.microsoft.com/office/drawing/2014/main" xmlns="" id="{25307F70-180B-5016-7111-75F211E2E20C}"/>
               </a:ext>
             </a:extLst>
           </p:cNvPr>
@@ -10951,7 +11215,7 @@
           <p:cNvPr id="7" name="부제목 2">
             <a:extLst>
               <a:ext uri="{FF2B5EF4-FFF2-40B4-BE49-F238E27FC236}">
-                <a16:creationId xmlns:a16="http://schemas.microsoft.com/office/drawing/2014/main" id="{30B1B64E-E058-0778-DE07-48E9D17A20D7}"/>
+                <a16:creationId xmlns:a16="http://schemas.microsoft.com/office/drawing/2014/main" xmlns="" id="{30B1B64E-E058-0778-DE07-48E9D17A20D7}"/>
               </a:ext>
             </a:extLst>
           </p:cNvPr>
@@ -11145,15 +11409,33 @@
           <a:p>
             <a:pPr lvl="1" algn="l"/>
             <a:r>
-              <a:rPr lang="ko-KR" altLang="en-US" sz="2400">
+              <a:rPr lang="ko-KR" altLang="en-US" sz="2400" dirty="0" err="1" smtClean="0">
                 <a:latin typeface="HY동녘M" panose="02030600000101010101" pitchFamily="18" charset="-127"/>
                 <a:ea typeface="HY동녘M" panose="02030600000101010101" pitchFamily="18" charset="-127"/>
                 <a:cs typeface="ADLaM Display" panose="020F0502020204030204" pitchFamily="2" charset="0"/>
                 <a:sym typeface="Wingdings" panose="05000000000000000000" pitchFamily="2" charset="2"/>
               </a:rPr>
-              <a:t>나가기</a:t>
-            </a:r>
-            <a:endParaRPr lang="ko-KR" altLang="en-US" sz="2400">
+              <a:t>뒤</a:t>
+            </a:r>
+            <a:r>
+              <a:rPr lang="ko-KR" altLang="en-US" sz="2400" dirty="0" err="1">
+                <a:latin typeface="HY동녘M" panose="02030600000101010101" pitchFamily="18" charset="-127"/>
+                <a:ea typeface="HY동녘M" panose="02030600000101010101" pitchFamily="18" charset="-127"/>
+                <a:cs typeface="ADLaM Display" panose="020F0502020204030204" pitchFamily="2" charset="0"/>
+                <a:sym typeface="Wingdings" panose="05000000000000000000" pitchFamily="2" charset="2"/>
+              </a:rPr>
+              <a:t>로</a:t>
+            </a:r>
+            <a:r>
+              <a:rPr lang="ko-KR" altLang="en-US" sz="2400" dirty="0" err="1" smtClean="0">
+                <a:latin typeface="HY동녘M" panose="02030600000101010101" pitchFamily="18" charset="-127"/>
+                <a:ea typeface="HY동녘M" panose="02030600000101010101" pitchFamily="18" charset="-127"/>
+                <a:cs typeface="ADLaM Display" panose="020F0502020204030204" pitchFamily="2" charset="0"/>
+                <a:sym typeface="Wingdings" panose="05000000000000000000" pitchFamily="2" charset="2"/>
+              </a:rPr>
+              <a:t>가기</a:t>
+            </a:r>
+            <a:endParaRPr lang="ko-KR" altLang="en-US" sz="2400" dirty="0">
               <a:latin typeface="HY동녘M" panose="02030600000101010101" pitchFamily="18" charset="-127"/>
               <a:ea typeface="HY동녘M" panose="02030600000101010101" pitchFamily="18" charset="-127"/>
               <a:cs typeface="ADLaM Display" panose="020F0502020204030204" pitchFamily="2" charset="0"/>
@@ -11217,7 +11499,7 @@
     </a:clrScheme>
     <a:fontScheme name="Office">
       <a:majorFont>
-        <a:latin typeface="맑은 고딕" panose="02110004020202020204"/>
+        <a:latin typeface="맑은 고딕"/>
         <a:ea typeface=""/>
         <a:cs typeface=""/>
         <a:font script="Jpan" typeface="游ゴシック Light"/>
@@ -11269,7 +11551,7 @@
         <a:font script="Tfng" typeface="Ebrima"/>
       </a:majorFont>
       <a:minorFont>
-        <a:latin typeface="맑은 고딕" panose="02110004020202020204"/>
+        <a:latin typeface="맑은 고딕"/>
         <a:ea typeface=""/>
         <a:cs typeface=""/>
         <a:font script="Jpan" typeface="游ゴシック"/>
@@ -11483,7 +11765,7 @@
   <a:extraClrSchemeLst/>
   <a:extLst>
     <a:ext uri="{05A4C25C-085E-4340-85A3-A5531E510DB2}">
-      <thm15:themeFamily xmlns:thm15="http://schemas.microsoft.com/office/thememl/2012/main" name="Office Theme" id="{2E142A2C-CD16-42D6-873A-C26D2A0506FA}" vid="{1BDDFF52-6CD6-40A5-AB3C-68EB2F1E4D0A}"/>
+      <thm15:themeFamily xmlns:thm15="http://schemas.microsoft.com/office/thememl/2012/main" xmlns="" name="Office Theme" id="{2E142A2C-CD16-42D6-873A-C26D2A0506FA}" vid="{1BDDFF52-6CD6-40A5-AB3C-68EB2F1E4D0A}"/>
     </a:ext>
   </a:extLst>
 </a:theme>

--- a/00_문서/화면설계_UI/사용자화면.pptx
+++ b/00_문서/화면설계_UI/사용자화면.pptx
@@ -12,6 +12,7 @@
     <p:sldId id="261" r:id="rId6"/>
     <p:sldId id="262" r:id="rId7"/>
     <p:sldId id="263" r:id="rId8"/>
+    <p:sldId id="264" r:id="rId9"/>
   </p:sldIdLst>
   <p:sldSz cx="12192000" cy="6858000"/>
   <p:notesSz cx="6858000" cy="9144000"/>
@@ -112,7 +113,18 @@
   </p:defaultTextStyle>
   <p:extLst>
     <p:ext uri="{EFAFB233-063F-42B5-8137-9DF3F51BA10A}">
-      <p15:sldGuideLst xmlns:p15="http://schemas.microsoft.com/office/powerpoint/2012/main" xmlns=""/>
+      <p15:sldGuideLst xmlns:p15="http://schemas.microsoft.com/office/powerpoint/2012/main">
+        <p15:guide id="1" orient="horz" pos="2160">
+          <p15:clr>
+            <a:srgbClr val="A4A3A4"/>
+          </p15:clr>
+        </p15:guide>
+        <p15:guide id="2" pos="3840">
+          <p15:clr>
+            <a:srgbClr val="A4A3A4"/>
+          </p15:clr>
+        </p15:guide>
+      </p15:sldGuideLst>
     </p:ext>
   </p:extLst>
 </p:presentation>
@@ -148,7 +160,7 @@
           <p:cNvPr id="2" name="제목 1">
             <a:extLst>
               <a:ext uri="{FF2B5EF4-FFF2-40B4-BE49-F238E27FC236}">
-                <a16:creationId xmlns:a16="http://schemas.microsoft.com/office/drawing/2014/main" xmlns="" id="{3C762E2F-2F65-FA05-05D5-96C9F6939E4B}"/>
+                <a16:creationId xmlns:a16="http://schemas.microsoft.com/office/drawing/2014/main" id="{3C762E2F-2F65-FA05-05D5-96C9F6939E4B}"/>
               </a:ext>
             </a:extLst>
           </p:cNvPr>
@@ -185,7 +197,7 @@
           <p:cNvPr id="3" name="부제목 2">
             <a:extLst>
               <a:ext uri="{FF2B5EF4-FFF2-40B4-BE49-F238E27FC236}">
-                <a16:creationId xmlns:a16="http://schemas.microsoft.com/office/drawing/2014/main" xmlns="" id="{FD70A288-4DEF-F682-725F-E5773D4E9530}"/>
+                <a16:creationId xmlns:a16="http://schemas.microsoft.com/office/drawing/2014/main" id="{FD70A288-4DEF-F682-725F-E5773D4E9530}"/>
               </a:ext>
             </a:extLst>
           </p:cNvPr>
@@ -255,7 +267,7 @@
           <p:cNvPr id="4" name="날짜 개체 틀 3">
             <a:extLst>
               <a:ext uri="{FF2B5EF4-FFF2-40B4-BE49-F238E27FC236}">
-                <a16:creationId xmlns:a16="http://schemas.microsoft.com/office/drawing/2014/main" xmlns="" id="{1CB44744-EE72-67B7-E8D8-30F97AC83D11}"/>
+                <a16:creationId xmlns:a16="http://schemas.microsoft.com/office/drawing/2014/main" id="{1CB44744-EE72-67B7-E8D8-30F97AC83D11}"/>
               </a:ext>
             </a:extLst>
           </p:cNvPr>
@@ -273,7 +285,7 @@
           <a:p>
             <a:fld id="{0798170F-27EE-4B28-A84F-3CCAB42D8429}" type="datetimeFigureOut">
               <a:rPr lang="ko-KR" altLang="en-US" smtClean="0"/>
-              <a:t>2024-09-12</a:t>
+              <a:t>2024-09-24</a:t>
             </a:fld>
             <a:endParaRPr lang="ko-KR" altLang="en-US"/>
           </a:p>
@@ -284,7 +296,7 @@
           <p:cNvPr id="5" name="바닥글 개체 틀 4">
             <a:extLst>
               <a:ext uri="{FF2B5EF4-FFF2-40B4-BE49-F238E27FC236}">
-                <a16:creationId xmlns:a16="http://schemas.microsoft.com/office/drawing/2014/main" xmlns="" id="{18A338D4-D337-92BE-AC23-BC019FE5A05C}"/>
+                <a16:creationId xmlns:a16="http://schemas.microsoft.com/office/drawing/2014/main" id="{18A338D4-D337-92BE-AC23-BC019FE5A05C}"/>
               </a:ext>
             </a:extLst>
           </p:cNvPr>
@@ -309,7 +321,7 @@
           <p:cNvPr id="6" name="슬라이드 번호 개체 틀 5">
             <a:extLst>
               <a:ext uri="{FF2B5EF4-FFF2-40B4-BE49-F238E27FC236}">
-                <a16:creationId xmlns:a16="http://schemas.microsoft.com/office/drawing/2014/main" xmlns="" id="{8E372C25-C82F-2515-A857-73920BD1107D}"/>
+                <a16:creationId xmlns:a16="http://schemas.microsoft.com/office/drawing/2014/main" id="{8E372C25-C82F-2515-A857-73920BD1107D}"/>
               </a:ext>
             </a:extLst>
           </p:cNvPr>
@@ -368,7 +380,7 @@
           <p:cNvPr id="2" name="제목 1">
             <a:extLst>
               <a:ext uri="{FF2B5EF4-FFF2-40B4-BE49-F238E27FC236}">
-                <a16:creationId xmlns:a16="http://schemas.microsoft.com/office/drawing/2014/main" xmlns="" id="{76943FEB-BF68-FE5E-DA68-8A36CC846DD0}"/>
+                <a16:creationId xmlns:a16="http://schemas.microsoft.com/office/drawing/2014/main" id="{76943FEB-BF68-FE5E-DA68-8A36CC846DD0}"/>
               </a:ext>
             </a:extLst>
           </p:cNvPr>
@@ -396,7 +408,7 @@
           <p:cNvPr id="3" name="세로 텍스트 개체 틀 2">
             <a:extLst>
               <a:ext uri="{FF2B5EF4-FFF2-40B4-BE49-F238E27FC236}">
-                <a16:creationId xmlns:a16="http://schemas.microsoft.com/office/drawing/2014/main" xmlns="" id="{9956E0EA-36B8-AF96-ADC9-280BA540A11A}"/>
+                <a16:creationId xmlns:a16="http://schemas.microsoft.com/office/drawing/2014/main" id="{9956E0EA-36B8-AF96-ADC9-280BA540A11A}"/>
               </a:ext>
             </a:extLst>
           </p:cNvPr>
@@ -453,7 +465,7 @@
           <p:cNvPr id="4" name="날짜 개체 틀 3">
             <a:extLst>
               <a:ext uri="{FF2B5EF4-FFF2-40B4-BE49-F238E27FC236}">
-                <a16:creationId xmlns:a16="http://schemas.microsoft.com/office/drawing/2014/main" xmlns="" id="{C07C5F0F-10B9-11B7-D0EC-EBB3945E546E}"/>
+                <a16:creationId xmlns:a16="http://schemas.microsoft.com/office/drawing/2014/main" id="{C07C5F0F-10B9-11B7-D0EC-EBB3945E546E}"/>
               </a:ext>
             </a:extLst>
           </p:cNvPr>
@@ -471,7 +483,7 @@
           <a:p>
             <a:fld id="{0798170F-27EE-4B28-A84F-3CCAB42D8429}" type="datetimeFigureOut">
               <a:rPr lang="ko-KR" altLang="en-US" smtClean="0"/>
-              <a:t>2024-09-12</a:t>
+              <a:t>2024-09-24</a:t>
             </a:fld>
             <a:endParaRPr lang="ko-KR" altLang="en-US"/>
           </a:p>
@@ -482,7 +494,7 @@
           <p:cNvPr id="5" name="바닥글 개체 틀 4">
             <a:extLst>
               <a:ext uri="{FF2B5EF4-FFF2-40B4-BE49-F238E27FC236}">
-                <a16:creationId xmlns:a16="http://schemas.microsoft.com/office/drawing/2014/main" xmlns="" id="{F4A3DFC9-4AF4-EDF5-D004-4E8CC88122A9}"/>
+                <a16:creationId xmlns:a16="http://schemas.microsoft.com/office/drawing/2014/main" id="{F4A3DFC9-4AF4-EDF5-D004-4E8CC88122A9}"/>
               </a:ext>
             </a:extLst>
           </p:cNvPr>
@@ -507,7 +519,7 @@
           <p:cNvPr id="6" name="슬라이드 번호 개체 틀 5">
             <a:extLst>
               <a:ext uri="{FF2B5EF4-FFF2-40B4-BE49-F238E27FC236}">
-                <a16:creationId xmlns:a16="http://schemas.microsoft.com/office/drawing/2014/main" xmlns="" id="{EFD1E940-13A7-635C-7C8A-415D47A4528F}"/>
+                <a16:creationId xmlns:a16="http://schemas.microsoft.com/office/drawing/2014/main" id="{EFD1E940-13A7-635C-7C8A-415D47A4528F}"/>
               </a:ext>
             </a:extLst>
           </p:cNvPr>
@@ -566,7 +578,7 @@
           <p:cNvPr id="2" name="세로 제목 1">
             <a:extLst>
               <a:ext uri="{FF2B5EF4-FFF2-40B4-BE49-F238E27FC236}">
-                <a16:creationId xmlns:a16="http://schemas.microsoft.com/office/drawing/2014/main" xmlns="" id="{001209A9-6954-3889-C4B7-5F593D8BEE1A}"/>
+                <a16:creationId xmlns:a16="http://schemas.microsoft.com/office/drawing/2014/main" id="{001209A9-6954-3889-C4B7-5F593D8BEE1A}"/>
               </a:ext>
             </a:extLst>
           </p:cNvPr>
@@ -599,7 +611,7 @@
           <p:cNvPr id="3" name="세로 텍스트 개체 틀 2">
             <a:extLst>
               <a:ext uri="{FF2B5EF4-FFF2-40B4-BE49-F238E27FC236}">
-                <a16:creationId xmlns:a16="http://schemas.microsoft.com/office/drawing/2014/main" xmlns="" id="{4BDEDA3B-B871-71E6-6E56-9575F40B3EED}"/>
+                <a16:creationId xmlns:a16="http://schemas.microsoft.com/office/drawing/2014/main" id="{4BDEDA3B-B871-71E6-6E56-9575F40B3EED}"/>
               </a:ext>
             </a:extLst>
           </p:cNvPr>
@@ -661,7 +673,7 @@
           <p:cNvPr id="4" name="날짜 개체 틀 3">
             <a:extLst>
               <a:ext uri="{FF2B5EF4-FFF2-40B4-BE49-F238E27FC236}">
-                <a16:creationId xmlns:a16="http://schemas.microsoft.com/office/drawing/2014/main" xmlns="" id="{0E90FF3B-62F1-A8FF-AA92-57CE15F4B63E}"/>
+                <a16:creationId xmlns:a16="http://schemas.microsoft.com/office/drawing/2014/main" id="{0E90FF3B-62F1-A8FF-AA92-57CE15F4B63E}"/>
               </a:ext>
             </a:extLst>
           </p:cNvPr>
@@ -679,7 +691,7 @@
           <a:p>
             <a:fld id="{0798170F-27EE-4B28-A84F-3CCAB42D8429}" type="datetimeFigureOut">
               <a:rPr lang="ko-KR" altLang="en-US" smtClean="0"/>
-              <a:t>2024-09-12</a:t>
+              <a:t>2024-09-24</a:t>
             </a:fld>
             <a:endParaRPr lang="ko-KR" altLang="en-US"/>
           </a:p>
@@ -690,7 +702,7 @@
           <p:cNvPr id="5" name="바닥글 개체 틀 4">
             <a:extLst>
               <a:ext uri="{FF2B5EF4-FFF2-40B4-BE49-F238E27FC236}">
-                <a16:creationId xmlns:a16="http://schemas.microsoft.com/office/drawing/2014/main" xmlns="" id="{934EC74C-54A0-EB73-8D1E-44C64BC5A1B8}"/>
+                <a16:creationId xmlns:a16="http://schemas.microsoft.com/office/drawing/2014/main" id="{934EC74C-54A0-EB73-8D1E-44C64BC5A1B8}"/>
               </a:ext>
             </a:extLst>
           </p:cNvPr>
@@ -715,7 +727,7 @@
           <p:cNvPr id="6" name="슬라이드 번호 개체 틀 5">
             <a:extLst>
               <a:ext uri="{FF2B5EF4-FFF2-40B4-BE49-F238E27FC236}">
-                <a16:creationId xmlns:a16="http://schemas.microsoft.com/office/drawing/2014/main" xmlns="" id="{5222F15F-CC9E-90B2-7335-A6109D5F6120}"/>
+                <a16:creationId xmlns:a16="http://schemas.microsoft.com/office/drawing/2014/main" id="{5222F15F-CC9E-90B2-7335-A6109D5F6120}"/>
               </a:ext>
             </a:extLst>
           </p:cNvPr>
@@ -774,7 +786,7 @@
           <p:cNvPr id="2" name="제목 1">
             <a:extLst>
               <a:ext uri="{FF2B5EF4-FFF2-40B4-BE49-F238E27FC236}">
-                <a16:creationId xmlns:a16="http://schemas.microsoft.com/office/drawing/2014/main" xmlns="" id="{49B312F3-E34D-6A85-F732-9BC34950CAE6}"/>
+                <a16:creationId xmlns:a16="http://schemas.microsoft.com/office/drawing/2014/main" id="{49B312F3-E34D-6A85-F732-9BC34950CAE6}"/>
               </a:ext>
             </a:extLst>
           </p:cNvPr>
@@ -802,7 +814,7 @@
           <p:cNvPr id="3" name="내용 개체 틀 2">
             <a:extLst>
               <a:ext uri="{FF2B5EF4-FFF2-40B4-BE49-F238E27FC236}">
-                <a16:creationId xmlns:a16="http://schemas.microsoft.com/office/drawing/2014/main" xmlns="" id="{954323EE-5556-CF63-AF16-CAECCD042C53}"/>
+                <a16:creationId xmlns:a16="http://schemas.microsoft.com/office/drawing/2014/main" id="{954323EE-5556-CF63-AF16-CAECCD042C53}"/>
               </a:ext>
             </a:extLst>
           </p:cNvPr>
@@ -859,7 +871,7 @@
           <p:cNvPr id="4" name="날짜 개체 틀 3">
             <a:extLst>
               <a:ext uri="{FF2B5EF4-FFF2-40B4-BE49-F238E27FC236}">
-                <a16:creationId xmlns:a16="http://schemas.microsoft.com/office/drawing/2014/main" xmlns="" id="{E2E39536-1CC1-BE51-6E89-725238F03BE3}"/>
+                <a16:creationId xmlns:a16="http://schemas.microsoft.com/office/drawing/2014/main" id="{E2E39536-1CC1-BE51-6E89-725238F03BE3}"/>
               </a:ext>
             </a:extLst>
           </p:cNvPr>
@@ -877,7 +889,7 @@
           <a:p>
             <a:fld id="{0798170F-27EE-4B28-A84F-3CCAB42D8429}" type="datetimeFigureOut">
               <a:rPr lang="ko-KR" altLang="en-US" smtClean="0"/>
-              <a:t>2024-09-12</a:t>
+              <a:t>2024-09-24</a:t>
             </a:fld>
             <a:endParaRPr lang="ko-KR" altLang="en-US"/>
           </a:p>
@@ -888,7 +900,7 @@
           <p:cNvPr id="5" name="바닥글 개체 틀 4">
             <a:extLst>
               <a:ext uri="{FF2B5EF4-FFF2-40B4-BE49-F238E27FC236}">
-                <a16:creationId xmlns:a16="http://schemas.microsoft.com/office/drawing/2014/main" xmlns="" id="{F68499B6-FE6A-E903-2E98-D13506AB86E5}"/>
+                <a16:creationId xmlns:a16="http://schemas.microsoft.com/office/drawing/2014/main" id="{F68499B6-FE6A-E903-2E98-D13506AB86E5}"/>
               </a:ext>
             </a:extLst>
           </p:cNvPr>
@@ -913,7 +925,7 @@
           <p:cNvPr id="6" name="슬라이드 번호 개체 틀 5">
             <a:extLst>
               <a:ext uri="{FF2B5EF4-FFF2-40B4-BE49-F238E27FC236}">
-                <a16:creationId xmlns:a16="http://schemas.microsoft.com/office/drawing/2014/main" xmlns="" id="{AF6EDADC-BC8A-3A9A-7358-58268D5317D8}"/>
+                <a16:creationId xmlns:a16="http://schemas.microsoft.com/office/drawing/2014/main" id="{AF6EDADC-BC8A-3A9A-7358-58268D5317D8}"/>
               </a:ext>
             </a:extLst>
           </p:cNvPr>
@@ -972,7 +984,7 @@
           <p:cNvPr id="2" name="제목 1">
             <a:extLst>
               <a:ext uri="{FF2B5EF4-FFF2-40B4-BE49-F238E27FC236}">
-                <a16:creationId xmlns:a16="http://schemas.microsoft.com/office/drawing/2014/main" xmlns="" id="{EA44C892-2116-1018-C115-EE992396C822}"/>
+                <a16:creationId xmlns:a16="http://schemas.microsoft.com/office/drawing/2014/main" id="{EA44C892-2116-1018-C115-EE992396C822}"/>
               </a:ext>
             </a:extLst>
           </p:cNvPr>
@@ -1009,7 +1021,7 @@
           <p:cNvPr id="3" name="텍스트 개체 틀 2">
             <a:extLst>
               <a:ext uri="{FF2B5EF4-FFF2-40B4-BE49-F238E27FC236}">
-                <a16:creationId xmlns:a16="http://schemas.microsoft.com/office/drawing/2014/main" xmlns="" id="{704B9FAB-8134-63CE-DF61-86E23BCE248A}"/>
+                <a16:creationId xmlns:a16="http://schemas.microsoft.com/office/drawing/2014/main" id="{704B9FAB-8134-63CE-DF61-86E23BCE248A}"/>
               </a:ext>
             </a:extLst>
           </p:cNvPr>
@@ -1134,7 +1146,7 @@
           <p:cNvPr id="4" name="날짜 개체 틀 3">
             <a:extLst>
               <a:ext uri="{FF2B5EF4-FFF2-40B4-BE49-F238E27FC236}">
-                <a16:creationId xmlns:a16="http://schemas.microsoft.com/office/drawing/2014/main" xmlns="" id="{58282FD5-EDBF-075F-439E-34C9B3974017}"/>
+                <a16:creationId xmlns:a16="http://schemas.microsoft.com/office/drawing/2014/main" id="{58282FD5-EDBF-075F-439E-34C9B3974017}"/>
               </a:ext>
             </a:extLst>
           </p:cNvPr>
@@ -1152,7 +1164,7 @@
           <a:p>
             <a:fld id="{0798170F-27EE-4B28-A84F-3CCAB42D8429}" type="datetimeFigureOut">
               <a:rPr lang="ko-KR" altLang="en-US" smtClean="0"/>
-              <a:t>2024-09-12</a:t>
+              <a:t>2024-09-24</a:t>
             </a:fld>
             <a:endParaRPr lang="ko-KR" altLang="en-US"/>
           </a:p>
@@ -1163,7 +1175,7 @@
           <p:cNvPr id="5" name="바닥글 개체 틀 4">
             <a:extLst>
               <a:ext uri="{FF2B5EF4-FFF2-40B4-BE49-F238E27FC236}">
-                <a16:creationId xmlns:a16="http://schemas.microsoft.com/office/drawing/2014/main" xmlns="" id="{7FE66014-C71D-BDF1-E4FC-B98586386B3E}"/>
+                <a16:creationId xmlns:a16="http://schemas.microsoft.com/office/drawing/2014/main" id="{7FE66014-C71D-BDF1-E4FC-B98586386B3E}"/>
               </a:ext>
             </a:extLst>
           </p:cNvPr>
@@ -1188,7 +1200,7 @@
           <p:cNvPr id="6" name="슬라이드 번호 개체 틀 5">
             <a:extLst>
               <a:ext uri="{FF2B5EF4-FFF2-40B4-BE49-F238E27FC236}">
-                <a16:creationId xmlns:a16="http://schemas.microsoft.com/office/drawing/2014/main" xmlns="" id="{BA276FE0-F183-021F-FC2B-340B511BDAD4}"/>
+                <a16:creationId xmlns:a16="http://schemas.microsoft.com/office/drawing/2014/main" id="{BA276FE0-F183-021F-FC2B-340B511BDAD4}"/>
               </a:ext>
             </a:extLst>
           </p:cNvPr>
@@ -1247,7 +1259,7 @@
           <p:cNvPr id="2" name="제목 1">
             <a:extLst>
               <a:ext uri="{FF2B5EF4-FFF2-40B4-BE49-F238E27FC236}">
-                <a16:creationId xmlns:a16="http://schemas.microsoft.com/office/drawing/2014/main" xmlns="" id="{8918308B-EC0D-B19C-8E66-380693AE5934}"/>
+                <a16:creationId xmlns:a16="http://schemas.microsoft.com/office/drawing/2014/main" id="{8918308B-EC0D-B19C-8E66-380693AE5934}"/>
               </a:ext>
             </a:extLst>
           </p:cNvPr>
@@ -1275,7 +1287,7 @@
           <p:cNvPr id="3" name="내용 개체 틀 2">
             <a:extLst>
               <a:ext uri="{FF2B5EF4-FFF2-40B4-BE49-F238E27FC236}">
-                <a16:creationId xmlns:a16="http://schemas.microsoft.com/office/drawing/2014/main" xmlns="" id="{CC3BEBCB-271B-6F5C-3D18-EA5AFC99DC61}"/>
+                <a16:creationId xmlns:a16="http://schemas.microsoft.com/office/drawing/2014/main" id="{CC3BEBCB-271B-6F5C-3D18-EA5AFC99DC61}"/>
               </a:ext>
             </a:extLst>
           </p:cNvPr>
@@ -1337,7 +1349,7 @@
           <p:cNvPr id="4" name="내용 개체 틀 3">
             <a:extLst>
               <a:ext uri="{FF2B5EF4-FFF2-40B4-BE49-F238E27FC236}">
-                <a16:creationId xmlns:a16="http://schemas.microsoft.com/office/drawing/2014/main" xmlns="" id="{41779C09-842C-6DD8-6485-938F21F3D439}"/>
+                <a16:creationId xmlns:a16="http://schemas.microsoft.com/office/drawing/2014/main" id="{41779C09-842C-6DD8-6485-938F21F3D439}"/>
               </a:ext>
             </a:extLst>
           </p:cNvPr>
@@ -1399,7 +1411,7 @@
           <p:cNvPr id="5" name="날짜 개체 틀 4">
             <a:extLst>
               <a:ext uri="{FF2B5EF4-FFF2-40B4-BE49-F238E27FC236}">
-                <a16:creationId xmlns:a16="http://schemas.microsoft.com/office/drawing/2014/main" xmlns="" id="{281C3254-09FF-F69A-70E2-E9AE79159D69}"/>
+                <a16:creationId xmlns:a16="http://schemas.microsoft.com/office/drawing/2014/main" id="{281C3254-09FF-F69A-70E2-E9AE79159D69}"/>
               </a:ext>
             </a:extLst>
           </p:cNvPr>
@@ -1417,7 +1429,7 @@
           <a:p>
             <a:fld id="{0798170F-27EE-4B28-A84F-3CCAB42D8429}" type="datetimeFigureOut">
               <a:rPr lang="ko-KR" altLang="en-US" smtClean="0"/>
-              <a:t>2024-09-12</a:t>
+              <a:t>2024-09-24</a:t>
             </a:fld>
             <a:endParaRPr lang="ko-KR" altLang="en-US"/>
           </a:p>
@@ -1428,7 +1440,7 @@
           <p:cNvPr id="6" name="바닥글 개체 틀 5">
             <a:extLst>
               <a:ext uri="{FF2B5EF4-FFF2-40B4-BE49-F238E27FC236}">
-                <a16:creationId xmlns:a16="http://schemas.microsoft.com/office/drawing/2014/main" xmlns="" id="{01C5DDD4-FB4C-F4E5-0C2B-97BEEE6D4545}"/>
+                <a16:creationId xmlns:a16="http://schemas.microsoft.com/office/drawing/2014/main" id="{01C5DDD4-FB4C-F4E5-0C2B-97BEEE6D4545}"/>
               </a:ext>
             </a:extLst>
           </p:cNvPr>
@@ -1453,7 +1465,7 @@
           <p:cNvPr id="7" name="슬라이드 번호 개체 틀 6">
             <a:extLst>
               <a:ext uri="{FF2B5EF4-FFF2-40B4-BE49-F238E27FC236}">
-                <a16:creationId xmlns:a16="http://schemas.microsoft.com/office/drawing/2014/main" xmlns="" id="{3F0086E6-9AE0-611A-9519-82553FB8A333}"/>
+                <a16:creationId xmlns:a16="http://schemas.microsoft.com/office/drawing/2014/main" id="{3F0086E6-9AE0-611A-9519-82553FB8A333}"/>
               </a:ext>
             </a:extLst>
           </p:cNvPr>
@@ -1512,7 +1524,7 @@
           <p:cNvPr id="2" name="제목 1">
             <a:extLst>
               <a:ext uri="{FF2B5EF4-FFF2-40B4-BE49-F238E27FC236}">
-                <a16:creationId xmlns:a16="http://schemas.microsoft.com/office/drawing/2014/main" xmlns="" id="{058DB9ED-D16E-F7A0-B6BF-5E57ED49FA58}"/>
+                <a16:creationId xmlns:a16="http://schemas.microsoft.com/office/drawing/2014/main" id="{058DB9ED-D16E-F7A0-B6BF-5E57ED49FA58}"/>
               </a:ext>
             </a:extLst>
           </p:cNvPr>
@@ -1545,7 +1557,7 @@
           <p:cNvPr id="3" name="텍스트 개체 틀 2">
             <a:extLst>
               <a:ext uri="{FF2B5EF4-FFF2-40B4-BE49-F238E27FC236}">
-                <a16:creationId xmlns:a16="http://schemas.microsoft.com/office/drawing/2014/main" xmlns="" id="{A39845C9-551D-5146-15AC-91FDA7D71D40}"/>
+                <a16:creationId xmlns:a16="http://schemas.microsoft.com/office/drawing/2014/main" id="{A39845C9-551D-5146-15AC-91FDA7D71D40}"/>
               </a:ext>
             </a:extLst>
           </p:cNvPr>
@@ -1616,7 +1628,7 @@
           <p:cNvPr id="4" name="내용 개체 틀 3">
             <a:extLst>
               <a:ext uri="{FF2B5EF4-FFF2-40B4-BE49-F238E27FC236}">
-                <a16:creationId xmlns:a16="http://schemas.microsoft.com/office/drawing/2014/main" xmlns="" id="{D4E89458-9B38-5ECB-6A1B-AD24B7E0064C}"/>
+                <a16:creationId xmlns:a16="http://schemas.microsoft.com/office/drawing/2014/main" id="{D4E89458-9B38-5ECB-6A1B-AD24B7E0064C}"/>
               </a:ext>
             </a:extLst>
           </p:cNvPr>
@@ -1678,7 +1690,7 @@
           <p:cNvPr id="5" name="텍스트 개체 틀 4">
             <a:extLst>
               <a:ext uri="{FF2B5EF4-FFF2-40B4-BE49-F238E27FC236}">
-                <a16:creationId xmlns:a16="http://schemas.microsoft.com/office/drawing/2014/main" xmlns="" id="{CDA6C4DF-DA3D-E54D-9EF1-057A62997C4C}"/>
+                <a16:creationId xmlns:a16="http://schemas.microsoft.com/office/drawing/2014/main" id="{CDA6C4DF-DA3D-E54D-9EF1-057A62997C4C}"/>
               </a:ext>
             </a:extLst>
           </p:cNvPr>
@@ -1749,7 +1761,7 @@
           <p:cNvPr id="6" name="내용 개체 틀 5">
             <a:extLst>
               <a:ext uri="{FF2B5EF4-FFF2-40B4-BE49-F238E27FC236}">
-                <a16:creationId xmlns:a16="http://schemas.microsoft.com/office/drawing/2014/main" xmlns="" id="{2FD16F2C-B654-1AD9-6555-D8D4C809A99F}"/>
+                <a16:creationId xmlns:a16="http://schemas.microsoft.com/office/drawing/2014/main" id="{2FD16F2C-B654-1AD9-6555-D8D4C809A99F}"/>
               </a:ext>
             </a:extLst>
           </p:cNvPr>
@@ -1811,7 +1823,7 @@
           <p:cNvPr id="7" name="날짜 개체 틀 6">
             <a:extLst>
               <a:ext uri="{FF2B5EF4-FFF2-40B4-BE49-F238E27FC236}">
-                <a16:creationId xmlns:a16="http://schemas.microsoft.com/office/drawing/2014/main" xmlns="" id="{A08F603C-49D1-F336-2139-C6A2C89B3235}"/>
+                <a16:creationId xmlns:a16="http://schemas.microsoft.com/office/drawing/2014/main" id="{A08F603C-49D1-F336-2139-C6A2C89B3235}"/>
               </a:ext>
             </a:extLst>
           </p:cNvPr>
@@ -1829,7 +1841,7 @@
           <a:p>
             <a:fld id="{0798170F-27EE-4B28-A84F-3CCAB42D8429}" type="datetimeFigureOut">
               <a:rPr lang="ko-KR" altLang="en-US" smtClean="0"/>
-              <a:t>2024-09-12</a:t>
+              <a:t>2024-09-24</a:t>
             </a:fld>
             <a:endParaRPr lang="ko-KR" altLang="en-US"/>
           </a:p>
@@ -1840,7 +1852,7 @@
           <p:cNvPr id="8" name="바닥글 개체 틀 7">
             <a:extLst>
               <a:ext uri="{FF2B5EF4-FFF2-40B4-BE49-F238E27FC236}">
-                <a16:creationId xmlns:a16="http://schemas.microsoft.com/office/drawing/2014/main" xmlns="" id="{AE721869-B182-62D6-CCDD-B5F55B2386F9}"/>
+                <a16:creationId xmlns:a16="http://schemas.microsoft.com/office/drawing/2014/main" id="{AE721869-B182-62D6-CCDD-B5F55B2386F9}"/>
               </a:ext>
             </a:extLst>
           </p:cNvPr>
@@ -1865,7 +1877,7 @@
           <p:cNvPr id="9" name="슬라이드 번호 개체 틀 8">
             <a:extLst>
               <a:ext uri="{FF2B5EF4-FFF2-40B4-BE49-F238E27FC236}">
-                <a16:creationId xmlns:a16="http://schemas.microsoft.com/office/drawing/2014/main" xmlns="" id="{49DA3CBC-D6A5-DBE2-D966-3DA9F5B10175}"/>
+                <a16:creationId xmlns:a16="http://schemas.microsoft.com/office/drawing/2014/main" id="{49DA3CBC-D6A5-DBE2-D966-3DA9F5B10175}"/>
               </a:ext>
             </a:extLst>
           </p:cNvPr>
@@ -1924,7 +1936,7 @@
           <p:cNvPr id="2" name="제목 1">
             <a:extLst>
               <a:ext uri="{FF2B5EF4-FFF2-40B4-BE49-F238E27FC236}">
-                <a16:creationId xmlns:a16="http://schemas.microsoft.com/office/drawing/2014/main" xmlns="" id="{EAB93DEB-A41E-F4B9-5D5A-1FAC123E4E9B}"/>
+                <a16:creationId xmlns:a16="http://schemas.microsoft.com/office/drawing/2014/main" id="{EAB93DEB-A41E-F4B9-5D5A-1FAC123E4E9B}"/>
               </a:ext>
             </a:extLst>
           </p:cNvPr>
@@ -1952,7 +1964,7 @@
           <p:cNvPr id="3" name="날짜 개체 틀 2">
             <a:extLst>
               <a:ext uri="{FF2B5EF4-FFF2-40B4-BE49-F238E27FC236}">
-                <a16:creationId xmlns:a16="http://schemas.microsoft.com/office/drawing/2014/main" xmlns="" id="{CC804188-14D9-9038-2AEF-BA82D116A925}"/>
+                <a16:creationId xmlns:a16="http://schemas.microsoft.com/office/drawing/2014/main" id="{CC804188-14D9-9038-2AEF-BA82D116A925}"/>
               </a:ext>
             </a:extLst>
           </p:cNvPr>
@@ -1970,7 +1982,7 @@
           <a:p>
             <a:fld id="{0798170F-27EE-4B28-A84F-3CCAB42D8429}" type="datetimeFigureOut">
               <a:rPr lang="ko-KR" altLang="en-US" smtClean="0"/>
-              <a:t>2024-09-12</a:t>
+              <a:t>2024-09-24</a:t>
             </a:fld>
             <a:endParaRPr lang="ko-KR" altLang="en-US"/>
           </a:p>
@@ -1981,7 +1993,7 @@
           <p:cNvPr id="4" name="바닥글 개체 틀 3">
             <a:extLst>
               <a:ext uri="{FF2B5EF4-FFF2-40B4-BE49-F238E27FC236}">
-                <a16:creationId xmlns:a16="http://schemas.microsoft.com/office/drawing/2014/main" xmlns="" id="{2A889866-BE17-214C-B872-BB22BBB43220}"/>
+                <a16:creationId xmlns:a16="http://schemas.microsoft.com/office/drawing/2014/main" id="{2A889866-BE17-214C-B872-BB22BBB43220}"/>
               </a:ext>
             </a:extLst>
           </p:cNvPr>
@@ -2006,7 +2018,7 @@
           <p:cNvPr id="5" name="슬라이드 번호 개체 틀 4">
             <a:extLst>
               <a:ext uri="{FF2B5EF4-FFF2-40B4-BE49-F238E27FC236}">
-                <a16:creationId xmlns:a16="http://schemas.microsoft.com/office/drawing/2014/main" xmlns="" id="{A8C32DEA-EDE0-510A-F605-8FE98E033C79}"/>
+                <a16:creationId xmlns:a16="http://schemas.microsoft.com/office/drawing/2014/main" id="{A8C32DEA-EDE0-510A-F605-8FE98E033C79}"/>
               </a:ext>
             </a:extLst>
           </p:cNvPr>
@@ -2065,7 +2077,7 @@
           <p:cNvPr id="2" name="날짜 개체 틀 1">
             <a:extLst>
               <a:ext uri="{FF2B5EF4-FFF2-40B4-BE49-F238E27FC236}">
-                <a16:creationId xmlns:a16="http://schemas.microsoft.com/office/drawing/2014/main" xmlns="" id="{A0C7ECB9-EE4C-C96E-2000-32045EE202D6}"/>
+                <a16:creationId xmlns:a16="http://schemas.microsoft.com/office/drawing/2014/main" id="{A0C7ECB9-EE4C-C96E-2000-32045EE202D6}"/>
               </a:ext>
             </a:extLst>
           </p:cNvPr>
@@ -2083,7 +2095,7 @@
           <a:p>
             <a:fld id="{0798170F-27EE-4B28-A84F-3CCAB42D8429}" type="datetimeFigureOut">
               <a:rPr lang="ko-KR" altLang="en-US" smtClean="0"/>
-              <a:t>2024-09-12</a:t>
+              <a:t>2024-09-24</a:t>
             </a:fld>
             <a:endParaRPr lang="ko-KR" altLang="en-US"/>
           </a:p>
@@ -2094,7 +2106,7 @@
           <p:cNvPr id="3" name="바닥글 개체 틀 2">
             <a:extLst>
               <a:ext uri="{FF2B5EF4-FFF2-40B4-BE49-F238E27FC236}">
-                <a16:creationId xmlns:a16="http://schemas.microsoft.com/office/drawing/2014/main" xmlns="" id="{75E6A0CA-6204-AE8E-4CAD-D936C0ECCD6E}"/>
+                <a16:creationId xmlns:a16="http://schemas.microsoft.com/office/drawing/2014/main" id="{75E6A0CA-6204-AE8E-4CAD-D936C0ECCD6E}"/>
               </a:ext>
             </a:extLst>
           </p:cNvPr>
@@ -2119,7 +2131,7 @@
           <p:cNvPr id="4" name="슬라이드 번호 개체 틀 3">
             <a:extLst>
               <a:ext uri="{FF2B5EF4-FFF2-40B4-BE49-F238E27FC236}">
-                <a16:creationId xmlns:a16="http://schemas.microsoft.com/office/drawing/2014/main" xmlns="" id="{1FFB0D55-4AF2-0FF5-0FA4-26BA0D1DAB23}"/>
+                <a16:creationId xmlns:a16="http://schemas.microsoft.com/office/drawing/2014/main" id="{1FFB0D55-4AF2-0FF5-0FA4-26BA0D1DAB23}"/>
               </a:ext>
             </a:extLst>
           </p:cNvPr>
@@ -2178,7 +2190,7 @@
           <p:cNvPr id="2" name="제목 1">
             <a:extLst>
               <a:ext uri="{FF2B5EF4-FFF2-40B4-BE49-F238E27FC236}">
-                <a16:creationId xmlns:a16="http://schemas.microsoft.com/office/drawing/2014/main" xmlns="" id="{CA776706-79E8-C180-A0AE-E4DF74054E48}"/>
+                <a16:creationId xmlns:a16="http://schemas.microsoft.com/office/drawing/2014/main" id="{CA776706-79E8-C180-A0AE-E4DF74054E48}"/>
               </a:ext>
             </a:extLst>
           </p:cNvPr>
@@ -2215,7 +2227,7 @@
           <p:cNvPr id="3" name="내용 개체 틀 2">
             <a:extLst>
               <a:ext uri="{FF2B5EF4-FFF2-40B4-BE49-F238E27FC236}">
-                <a16:creationId xmlns:a16="http://schemas.microsoft.com/office/drawing/2014/main" xmlns="" id="{0096AEA8-E971-CAF5-262C-C26B6C59AC3E}"/>
+                <a16:creationId xmlns:a16="http://schemas.microsoft.com/office/drawing/2014/main" id="{0096AEA8-E971-CAF5-262C-C26B6C59AC3E}"/>
               </a:ext>
             </a:extLst>
           </p:cNvPr>
@@ -2305,7 +2317,7 @@
           <p:cNvPr id="4" name="텍스트 개체 틀 3">
             <a:extLst>
               <a:ext uri="{FF2B5EF4-FFF2-40B4-BE49-F238E27FC236}">
-                <a16:creationId xmlns:a16="http://schemas.microsoft.com/office/drawing/2014/main" xmlns="" id="{C6AF1AC9-B3C1-D113-CB27-CEE26F4F4174}"/>
+                <a16:creationId xmlns:a16="http://schemas.microsoft.com/office/drawing/2014/main" id="{C6AF1AC9-B3C1-D113-CB27-CEE26F4F4174}"/>
               </a:ext>
             </a:extLst>
           </p:cNvPr>
@@ -2376,7 +2388,7 @@
           <p:cNvPr id="5" name="날짜 개체 틀 4">
             <a:extLst>
               <a:ext uri="{FF2B5EF4-FFF2-40B4-BE49-F238E27FC236}">
-                <a16:creationId xmlns:a16="http://schemas.microsoft.com/office/drawing/2014/main" xmlns="" id="{D6C7D7DB-5709-2D73-3EFF-C75FB17CB1FF}"/>
+                <a16:creationId xmlns:a16="http://schemas.microsoft.com/office/drawing/2014/main" id="{D6C7D7DB-5709-2D73-3EFF-C75FB17CB1FF}"/>
               </a:ext>
             </a:extLst>
           </p:cNvPr>
@@ -2394,7 +2406,7 @@
           <a:p>
             <a:fld id="{0798170F-27EE-4B28-A84F-3CCAB42D8429}" type="datetimeFigureOut">
               <a:rPr lang="ko-KR" altLang="en-US" smtClean="0"/>
-              <a:t>2024-09-12</a:t>
+              <a:t>2024-09-24</a:t>
             </a:fld>
             <a:endParaRPr lang="ko-KR" altLang="en-US"/>
           </a:p>
@@ -2405,7 +2417,7 @@
           <p:cNvPr id="6" name="바닥글 개체 틀 5">
             <a:extLst>
               <a:ext uri="{FF2B5EF4-FFF2-40B4-BE49-F238E27FC236}">
-                <a16:creationId xmlns:a16="http://schemas.microsoft.com/office/drawing/2014/main" xmlns="" id="{0F59C37C-A409-771F-C376-94E69C22300C}"/>
+                <a16:creationId xmlns:a16="http://schemas.microsoft.com/office/drawing/2014/main" id="{0F59C37C-A409-771F-C376-94E69C22300C}"/>
               </a:ext>
             </a:extLst>
           </p:cNvPr>
@@ -2430,7 +2442,7 @@
           <p:cNvPr id="7" name="슬라이드 번호 개체 틀 6">
             <a:extLst>
               <a:ext uri="{FF2B5EF4-FFF2-40B4-BE49-F238E27FC236}">
-                <a16:creationId xmlns:a16="http://schemas.microsoft.com/office/drawing/2014/main" xmlns="" id="{B195116D-6638-C9BA-6F58-B91F30B28F4B}"/>
+                <a16:creationId xmlns:a16="http://schemas.microsoft.com/office/drawing/2014/main" id="{B195116D-6638-C9BA-6F58-B91F30B28F4B}"/>
               </a:ext>
             </a:extLst>
           </p:cNvPr>
@@ -2489,7 +2501,7 @@
           <p:cNvPr id="2" name="제목 1">
             <a:extLst>
               <a:ext uri="{FF2B5EF4-FFF2-40B4-BE49-F238E27FC236}">
-                <a16:creationId xmlns:a16="http://schemas.microsoft.com/office/drawing/2014/main" xmlns="" id="{B9713B68-552F-70FE-A402-1DEDEAF5A101}"/>
+                <a16:creationId xmlns:a16="http://schemas.microsoft.com/office/drawing/2014/main" id="{B9713B68-552F-70FE-A402-1DEDEAF5A101}"/>
               </a:ext>
             </a:extLst>
           </p:cNvPr>
@@ -2526,7 +2538,7 @@
           <p:cNvPr id="3" name="그림 개체 틀 2">
             <a:extLst>
               <a:ext uri="{FF2B5EF4-FFF2-40B4-BE49-F238E27FC236}">
-                <a16:creationId xmlns:a16="http://schemas.microsoft.com/office/drawing/2014/main" xmlns="" id="{634EA6CE-6FE3-C91B-B19D-F3FBF881CD26}"/>
+                <a16:creationId xmlns:a16="http://schemas.microsoft.com/office/drawing/2014/main" id="{634EA6CE-6FE3-C91B-B19D-F3FBF881CD26}"/>
               </a:ext>
             </a:extLst>
           </p:cNvPr>
@@ -2593,7 +2605,7 @@
           <p:cNvPr id="4" name="텍스트 개체 틀 3">
             <a:extLst>
               <a:ext uri="{FF2B5EF4-FFF2-40B4-BE49-F238E27FC236}">
-                <a16:creationId xmlns:a16="http://schemas.microsoft.com/office/drawing/2014/main" xmlns="" id="{D7C87CFE-EA44-7BB5-E0DA-A143B7F02360}"/>
+                <a16:creationId xmlns:a16="http://schemas.microsoft.com/office/drawing/2014/main" id="{D7C87CFE-EA44-7BB5-E0DA-A143B7F02360}"/>
               </a:ext>
             </a:extLst>
           </p:cNvPr>
@@ -2664,7 +2676,7 @@
           <p:cNvPr id="5" name="날짜 개체 틀 4">
             <a:extLst>
               <a:ext uri="{FF2B5EF4-FFF2-40B4-BE49-F238E27FC236}">
-                <a16:creationId xmlns:a16="http://schemas.microsoft.com/office/drawing/2014/main" xmlns="" id="{D940727B-66DC-1182-56A1-5702B47A819F}"/>
+                <a16:creationId xmlns:a16="http://schemas.microsoft.com/office/drawing/2014/main" id="{D940727B-66DC-1182-56A1-5702B47A819F}"/>
               </a:ext>
             </a:extLst>
           </p:cNvPr>
@@ -2682,7 +2694,7 @@
           <a:p>
             <a:fld id="{0798170F-27EE-4B28-A84F-3CCAB42D8429}" type="datetimeFigureOut">
               <a:rPr lang="ko-KR" altLang="en-US" smtClean="0"/>
-              <a:t>2024-09-12</a:t>
+              <a:t>2024-09-24</a:t>
             </a:fld>
             <a:endParaRPr lang="ko-KR" altLang="en-US"/>
           </a:p>
@@ -2693,7 +2705,7 @@
           <p:cNvPr id="6" name="바닥글 개체 틀 5">
             <a:extLst>
               <a:ext uri="{FF2B5EF4-FFF2-40B4-BE49-F238E27FC236}">
-                <a16:creationId xmlns:a16="http://schemas.microsoft.com/office/drawing/2014/main" xmlns="" id="{C557A9F0-44D4-5163-2364-ACDC7485734E}"/>
+                <a16:creationId xmlns:a16="http://schemas.microsoft.com/office/drawing/2014/main" id="{C557A9F0-44D4-5163-2364-ACDC7485734E}"/>
               </a:ext>
             </a:extLst>
           </p:cNvPr>
@@ -2718,7 +2730,7 @@
           <p:cNvPr id="7" name="슬라이드 번호 개체 틀 6">
             <a:extLst>
               <a:ext uri="{FF2B5EF4-FFF2-40B4-BE49-F238E27FC236}">
-                <a16:creationId xmlns:a16="http://schemas.microsoft.com/office/drawing/2014/main" xmlns="" id="{003706EA-71EE-EC48-B435-2AE8EAA92963}"/>
+                <a16:creationId xmlns:a16="http://schemas.microsoft.com/office/drawing/2014/main" id="{003706EA-71EE-EC48-B435-2AE8EAA92963}"/>
               </a:ext>
             </a:extLst>
           </p:cNvPr>
@@ -2782,7 +2794,7 @@
           <p:cNvPr id="2" name="제목 개체 틀 1">
             <a:extLst>
               <a:ext uri="{FF2B5EF4-FFF2-40B4-BE49-F238E27FC236}">
-                <a16:creationId xmlns:a16="http://schemas.microsoft.com/office/drawing/2014/main" xmlns="" id="{C6A49820-06E0-0EE0-7432-589E3CEAAC60}"/>
+                <a16:creationId xmlns:a16="http://schemas.microsoft.com/office/drawing/2014/main" id="{C6A49820-06E0-0EE0-7432-589E3CEAAC60}"/>
               </a:ext>
             </a:extLst>
           </p:cNvPr>
@@ -2820,7 +2832,7 @@
           <p:cNvPr id="3" name="텍스트 개체 틀 2">
             <a:extLst>
               <a:ext uri="{FF2B5EF4-FFF2-40B4-BE49-F238E27FC236}">
-                <a16:creationId xmlns:a16="http://schemas.microsoft.com/office/drawing/2014/main" xmlns="" id="{BBF8FFE9-36CB-DF2C-4C92-5CB5E09E12FF}"/>
+                <a16:creationId xmlns:a16="http://schemas.microsoft.com/office/drawing/2014/main" id="{BBF8FFE9-36CB-DF2C-4C92-5CB5E09E12FF}"/>
               </a:ext>
             </a:extLst>
           </p:cNvPr>
@@ -2887,7 +2899,7 @@
           <p:cNvPr id="4" name="날짜 개체 틀 3">
             <a:extLst>
               <a:ext uri="{FF2B5EF4-FFF2-40B4-BE49-F238E27FC236}">
-                <a16:creationId xmlns:a16="http://schemas.microsoft.com/office/drawing/2014/main" xmlns="" id="{3AD90A33-550D-1652-098A-7E442B22FBE2}"/>
+                <a16:creationId xmlns:a16="http://schemas.microsoft.com/office/drawing/2014/main" id="{3AD90A33-550D-1652-098A-7E442B22FBE2}"/>
               </a:ext>
             </a:extLst>
           </p:cNvPr>
@@ -2923,7 +2935,7 @@
           <a:p>
             <a:fld id="{0798170F-27EE-4B28-A84F-3CCAB42D8429}" type="datetimeFigureOut">
               <a:rPr lang="ko-KR" altLang="en-US" smtClean="0"/>
-              <a:t>2024-09-12</a:t>
+              <a:t>2024-09-24</a:t>
             </a:fld>
             <a:endParaRPr lang="ko-KR" altLang="en-US"/>
           </a:p>
@@ -2934,7 +2946,7 @@
           <p:cNvPr id="5" name="바닥글 개체 틀 4">
             <a:extLst>
               <a:ext uri="{FF2B5EF4-FFF2-40B4-BE49-F238E27FC236}">
-                <a16:creationId xmlns:a16="http://schemas.microsoft.com/office/drawing/2014/main" xmlns="" id="{8E508F11-9D8C-0AC1-2083-CA5DD789B763}"/>
+                <a16:creationId xmlns:a16="http://schemas.microsoft.com/office/drawing/2014/main" id="{8E508F11-9D8C-0AC1-2083-CA5DD789B763}"/>
               </a:ext>
             </a:extLst>
           </p:cNvPr>
@@ -2977,7 +2989,7 @@
           <p:cNvPr id="6" name="슬라이드 번호 개체 틀 5">
             <a:extLst>
               <a:ext uri="{FF2B5EF4-FFF2-40B4-BE49-F238E27FC236}">
-                <a16:creationId xmlns:a16="http://schemas.microsoft.com/office/drawing/2014/main" xmlns="" id="{4EE21389-1FB8-1810-A1B6-B43FF321EA75}"/>
+                <a16:creationId xmlns:a16="http://schemas.microsoft.com/office/drawing/2014/main" id="{4EE21389-1FB8-1810-A1B6-B43FF321EA75}"/>
               </a:ext>
             </a:extLst>
           </p:cNvPr>
@@ -3345,7 +3357,7 @@
           <p:cNvPr id="3" name="부제목 2">
             <a:extLst>
               <a:ext uri="{FF2B5EF4-FFF2-40B4-BE49-F238E27FC236}">
-                <a16:creationId xmlns:a16="http://schemas.microsoft.com/office/drawing/2014/main" xmlns="" id="{1B4B84B2-298E-18A6-0236-853C6E033D14}"/>
+                <a16:creationId xmlns:a16="http://schemas.microsoft.com/office/drawing/2014/main" id="{1B4B84B2-298E-18A6-0236-853C6E033D14}"/>
               </a:ext>
             </a:extLst>
           </p:cNvPr>
@@ -3395,7 +3407,7 @@
           <p:cNvPr id="5" name="부제목 2">
             <a:extLst>
               <a:ext uri="{FF2B5EF4-FFF2-40B4-BE49-F238E27FC236}">
-                <a16:creationId xmlns:a16="http://schemas.microsoft.com/office/drawing/2014/main" xmlns="" id="{18189769-F15F-AB93-E182-7000F1DF3F47}"/>
+                <a16:creationId xmlns:a16="http://schemas.microsoft.com/office/drawing/2014/main" id="{18189769-F15F-AB93-E182-7000F1DF3F47}"/>
               </a:ext>
             </a:extLst>
           </p:cNvPr>
@@ -3603,7 +3615,7 @@
           <p:cNvPr id="6" name="부제목 2">
             <a:extLst>
               <a:ext uri="{FF2B5EF4-FFF2-40B4-BE49-F238E27FC236}">
-                <a16:creationId xmlns:a16="http://schemas.microsoft.com/office/drawing/2014/main" xmlns="" id="{C39630F3-E8F8-61FF-8A24-BC2F9660607D}"/>
+                <a16:creationId xmlns:a16="http://schemas.microsoft.com/office/drawing/2014/main" id="{C39630F3-E8F8-61FF-8A24-BC2F9660607D}"/>
               </a:ext>
             </a:extLst>
           </p:cNvPr>
@@ -3812,7 +3824,7 @@
           <p:cNvPr id="7" name="부제목 2">
             <a:extLst>
               <a:ext uri="{FF2B5EF4-FFF2-40B4-BE49-F238E27FC236}">
-                <a16:creationId xmlns:a16="http://schemas.microsoft.com/office/drawing/2014/main" xmlns="" id="{311E09B8-473C-D1D2-2E32-70465D065733}"/>
+                <a16:creationId xmlns:a16="http://schemas.microsoft.com/office/drawing/2014/main" id="{311E09B8-473C-D1D2-2E32-70465D065733}"/>
               </a:ext>
             </a:extLst>
           </p:cNvPr>
@@ -4020,7 +4032,7 @@
           <p:cNvPr id="9" name="부제목 2">
             <a:extLst>
               <a:ext uri="{FF2B5EF4-FFF2-40B4-BE49-F238E27FC236}">
-                <a16:creationId xmlns:a16="http://schemas.microsoft.com/office/drawing/2014/main" xmlns="" id="{7261C2AB-E7EE-7819-5056-1CBBB00B1297}"/>
+                <a16:creationId xmlns:a16="http://schemas.microsoft.com/office/drawing/2014/main" id="{7261C2AB-E7EE-7819-5056-1CBBB00B1297}"/>
               </a:ext>
             </a:extLst>
           </p:cNvPr>
@@ -4235,7 +4247,7 @@
           <p:cNvPr id="10" name="부제목 2">
             <a:extLst>
               <a:ext uri="{FF2B5EF4-FFF2-40B4-BE49-F238E27FC236}">
-                <a16:creationId xmlns:a16="http://schemas.microsoft.com/office/drawing/2014/main" xmlns="" id="{E4F44EBF-7A6B-333D-321A-6DAD8A5F086D}"/>
+                <a16:creationId xmlns:a16="http://schemas.microsoft.com/office/drawing/2014/main" id="{E4F44EBF-7A6B-333D-321A-6DAD8A5F086D}"/>
               </a:ext>
             </a:extLst>
           </p:cNvPr>
@@ -4443,7 +4455,7 @@
           <p:cNvPr id="2" name="부제목 2">
             <a:extLst>
               <a:ext uri="{FF2B5EF4-FFF2-40B4-BE49-F238E27FC236}">
-                <a16:creationId xmlns:a16="http://schemas.microsoft.com/office/drawing/2014/main" xmlns="" id="{740D3A25-F033-A21F-470C-1ABB56DA0D77}"/>
+                <a16:creationId xmlns:a16="http://schemas.microsoft.com/office/drawing/2014/main" id="{740D3A25-F033-A21F-470C-1ABB56DA0D77}"/>
               </a:ext>
             </a:extLst>
           </p:cNvPr>
@@ -4721,7 +4733,7 @@
           <p:cNvPr id="2" name="부제목 2">
             <a:extLst>
               <a:ext uri="{FF2B5EF4-FFF2-40B4-BE49-F238E27FC236}">
-                <a16:creationId xmlns:a16="http://schemas.microsoft.com/office/drawing/2014/main" xmlns="" id="{740D3A25-F033-A21F-470C-1ABB56DA0D77}"/>
+                <a16:creationId xmlns:a16="http://schemas.microsoft.com/office/drawing/2014/main" id="{740D3A25-F033-A21F-470C-1ABB56DA0D77}"/>
               </a:ext>
             </a:extLst>
           </p:cNvPr>
@@ -4930,7 +4942,7 @@
           <p:cNvPr id="11" name="부제목 2">
             <a:extLst>
               <a:ext uri="{FF2B5EF4-FFF2-40B4-BE49-F238E27FC236}">
-                <a16:creationId xmlns:a16="http://schemas.microsoft.com/office/drawing/2014/main" xmlns="" id="{DA3877B8-7501-C01E-269E-27B0365DEED7}"/>
+                <a16:creationId xmlns:a16="http://schemas.microsoft.com/office/drawing/2014/main" id="{DA3877B8-7501-C01E-269E-27B0365DEED7}"/>
               </a:ext>
             </a:extLst>
           </p:cNvPr>
@@ -5139,7 +5151,7 @@
           <p:cNvPr id="12" name="부제목 2">
             <a:extLst>
               <a:ext uri="{FF2B5EF4-FFF2-40B4-BE49-F238E27FC236}">
-                <a16:creationId xmlns:a16="http://schemas.microsoft.com/office/drawing/2014/main" xmlns="" id="{B6830E7F-0CE7-B5F2-9515-DABD35A79A47}"/>
+                <a16:creationId xmlns:a16="http://schemas.microsoft.com/office/drawing/2014/main" id="{B6830E7F-0CE7-B5F2-9515-DABD35A79A47}"/>
               </a:ext>
             </a:extLst>
           </p:cNvPr>
@@ -5348,7 +5360,7 @@
           <p:cNvPr id="13" name="부제목 2">
             <a:extLst>
               <a:ext uri="{FF2B5EF4-FFF2-40B4-BE49-F238E27FC236}">
-                <a16:creationId xmlns:a16="http://schemas.microsoft.com/office/drawing/2014/main" xmlns="" id="{D503A716-2C96-25D3-FADA-1363590FAB26}"/>
+                <a16:creationId xmlns:a16="http://schemas.microsoft.com/office/drawing/2014/main" id="{D503A716-2C96-25D3-FADA-1363590FAB26}"/>
               </a:ext>
             </a:extLst>
           </p:cNvPr>
@@ -5557,7 +5569,7 @@
           <p:cNvPr id="14" name="부제목 2">
             <a:extLst>
               <a:ext uri="{FF2B5EF4-FFF2-40B4-BE49-F238E27FC236}">
-                <a16:creationId xmlns:a16="http://schemas.microsoft.com/office/drawing/2014/main" xmlns="" id="{375069B2-9FAD-2A2D-DB88-7810F95E4F55}"/>
+                <a16:creationId xmlns:a16="http://schemas.microsoft.com/office/drawing/2014/main" id="{375069B2-9FAD-2A2D-DB88-7810F95E4F55}"/>
               </a:ext>
             </a:extLst>
           </p:cNvPr>
@@ -5808,7 +5820,7 @@
           <p:cNvPr id="19" name="부제목 2">
             <a:extLst>
               <a:ext uri="{FF2B5EF4-FFF2-40B4-BE49-F238E27FC236}">
-                <a16:creationId xmlns:a16="http://schemas.microsoft.com/office/drawing/2014/main" xmlns="" id="{C280EBE1-2E99-7216-5D6D-475851CABA8B}"/>
+                <a16:creationId xmlns:a16="http://schemas.microsoft.com/office/drawing/2014/main" id="{C280EBE1-2E99-7216-5D6D-475851CABA8B}"/>
               </a:ext>
             </a:extLst>
           </p:cNvPr>
@@ -6002,18 +6014,13 @@
           <a:p>
             <a:pPr lvl="1" algn="l"/>
             <a:r>
-              <a:rPr lang="ko-KR" altLang="en-US" sz="3600" dirty="0" smtClean="0">
+              <a:rPr lang="ko-KR" altLang="en-US" sz="3600" dirty="0">
                 <a:latin typeface="HY엽서L" panose="02030600000101010101" pitchFamily="18" charset="-127"/>
                 <a:ea typeface="HY엽서L" panose="02030600000101010101" pitchFamily="18" charset="-127"/>
                 <a:cs typeface="ADLaM Display" panose="02010000000000000000" pitchFamily="2" charset="0"/>
               </a:rPr>
               <a:t>기타</a:t>
             </a:r>
-            <a:endParaRPr lang="ko-KR" altLang="en-US" sz="3600" dirty="0">
-              <a:latin typeface="HY엽서L" panose="02030600000101010101" pitchFamily="18" charset="-127"/>
-              <a:ea typeface="HY엽서L" panose="02030600000101010101" pitchFamily="18" charset="-127"/>
-              <a:cs typeface="ADLaM Display" panose="02010000000000000000" pitchFamily="2" charset="0"/>
-            </a:endParaRPr>
           </a:p>
         </p:txBody>
       </p:sp>
@@ -6022,7 +6029,7 @@
           <p:cNvPr id="21" name="부제목 2">
             <a:extLst>
               <a:ext uri="{FF2B5EF4-FFF2-40B4-BE49-F238E27FC236}">
-                <a16:creationId xmlns:a16="http://schemas.microsoft.com/office/drawing/2014/main" xmlns="" id="{3529AC75-80CD-962D-C845-ADFF1036101A}"/>
+                <a16:creationId xmlns:a16="http://schemas.microsoft.com/office/drawing/2014/main" id="{3529AC75-80CD-962D-C845-ADFF1036101A}"/>
               </a:ext>
             </a:extLst>
           </p:cNvPr>
@@ -6216,22 +6223,13 @@
           <a:p>
             <a:pPr lvl="1" algn="l"/>
             <a:r>
-              <a:rPr lang="ko-KR" altLang="en-US" sz="2400" dirty="0" err="1" smtClean="0">
+              <a:rPr lang="ko-KR" altLang="en-US" sz="2400" dirty="0" err="1">
                 <a:latin typeface="HY동녘M" panose="02030600000101010101" pitchFamily="18" charset="-127"/>
                 <a:ea typeface="HY동녘M" panose="02030600000101010101" pitchFamily="18" charset="-127"/>
                 <a:cs typeface="ADLaM Display" panose="020F0502020204030204" pitchFamily="2" charset="0"/>
                 <a:sym typeface="Wingdings" panose="05000000000000000000" pitchFamily="2" charset="2"/>
               </a:rPr>
-              <a:t>뒤로</a:t>
-            </a:r>
-            <a:r>
-              <a:rPr lang="ko-KR" altLang="en-US" sz="2400" dirty="0" err="1" smtClean="0">
-                <a:latin typeface="HY동녘M" panose="02030600000101010101" pitchFamily="18" charset="-127"/>
-                <a:ea typeface="HY동녘M" panose="02030600000101010101" pitchFamily="18" charset="-127"/>
-                <a:cs typeface="ADLaM Display" panose="020F0502020204030204" pitchFamily="2" charset="0"/>
-                <a:sym typeface="Wingdings" panose="05000000000000000000" pitchFamily="2" charset="2"/>
-              </a:rPr>
-              <a:t>가기</a:t>
+              <a:t>뒤로가기</a:t>
             </a:r>
             <a:endParaRPr lang="ko-KR" altLang="en-US" sz="2400" dirty="0">
               <a:latin typeface="HY동녘M" panose="02030600000101010101" pitchFamily="18" charset="-127"/>
@@ -6246,7 +6244,7 @@
           <p:cNvPr id="9" name="부제목 2">
             <a:extLst>
               <a:ext uri="{FF2B5EF4-FFF2-40B4-BE49-F238E27FC236}">
-                <a16:creationId xmlns:a16="http://schemas.microsoft.com/office/drawing/2014/main" xmlns="" id="{740D3A25-F033-A21F-470C-1ABB56DA0D77}"/>
+                <a16:creationId xmlns:a16="http://schemas.microsoft.com/office/drawing/2014/main" id="{740D3A25-F033-A21F-470C-1ABB56DA0D77}"/>
               </a:ext>
             </a:extLst>
           </p:cNvPr>
@@ -6440,7 +6438,7 @@
           <a:p>
             <a:pPr lvl="1"/>
             <a:r>
-              <a:rPr lang="ko-KR" altLang="en-US" sz="2800" dirty="0" smtClean="0">
+              <a:rPr lang="ko-KR" altLang="en-US" sz="2800" dirty="0">
                 <a:latin typeface="HY엽서L" panose="02030600000101010101" pitchFamily="18" charset="-127"/>
                 <a:ea typeface="HY엽서L" panose="02030600000101010101" pitchFamily="18" charset="-127"/>
                 <a:cs typeface="ADLaM Display" panose="02010000000000000000" pitchFamily="2" charset="0"/>
@@ -6490,7 +6488,7 @@
           <p:cNvPr id="3" name="부제목 2">
             <a:extLst>
               <a:ext uri="{FF2B5EF4-FFF2-40B4-BE49-F238E27FC236}">
-                <a16:creationId xmlns:a16="http://schemas.microsoft.com/office/drawing/2014/main" xmlns="" id="{27A9C847-0734-9A46-A077-6F29EAF03C2F}"/>
+                <a16:creationId xmlns:a16="http://schemas.microsoft.com/office/drawing/2014/main" id="{27A9C847-0734-9A46-A077-6F29EAF03C2F}"/>
               </a:ext>
             </a:extLst>
           </p:cNvPr>
@@ -6699,7 +6697,7 @@
           <p:cNvPr id="4" name="부제목 2">
             <a:extLst>
               <a:ext uri="{FF2B5EF4-FFF2-40B4-BE49-F238E27FC236}">
-                <a16:creationId xmlns:a16="http://schemas.microsoft.com/office/drawing/2014/main" xmlns="" id="{17BEB560-40BA-2BC5-0E15-7C6C493A5AE7}"/>
+                <a16:creationId xmlns:a16="http://schemas.microsoft.com/office/drawing/2014/main" id="{17BEB560-40BA-2BC5-0E15-7C6C493A5AE7}"/>
               </a:ext>
             </a:extLst>
           </p:cNvPr>
@@ -6908,7 +6906,7 @@
           <p:cNvPr id="6" name="부제목 2">
             <a:extLst>
               <a:ext uri="{FF2B5EF4-FFF2-40B4-BE49-F238E27FC236}">
-                <a16:creationId xmlns:a16="http://schemas.microsoft.com/office/drawing/2014/main" xmlns="" id="{F761BBFA-4B9A-5763-6188-0E2642F9456E}"/>
+                <a16:creationId xmlns:a16="http://schemas.microsoft.com/office/drawing/2014/main" id="{F761BBFA-4B9A-5763-6188-0E2642F9456E}"/>
               </a:ext>
             </a:extLst>
           </p:cNvPr>
@@ -7141,7 +7139,7 @@
           <p:cNvPr id="7" name="부제목 2">
             <a:extLst>
               <a:ext uri="{FF2B5EF4-FFF2-40B4-BE49-F238E27FC236}">
-                <a16:creationId xmlns:a16="http://schemas.microsoft.com/office/drawing/2014/main" xmlns="" id="{64AB3825-8970-0BB1-47E0-633C349F0498}"/>
+                <a16:creationId xmlns:a16="http://schemas.microsoft.com/office/drawing/2014/main" id="{64AB3825-8970-0BB1-47E0-633C349F0498}"/>
               </a:ext>
             </a:extLst>
           </p:cNvPr>
@@ -7335,31 +7333,13 @@
           <a:p>
             <a:pPr lvl="1" algn="l"/>
             <a:r>
-              <a:rPr lang="ko-KR" altLang="en-US" sz="2400" dirty="0" err="1" smtClean="0">
-                <a:latin typeface="HY동녘M" panose="02030600000101010101" pitchFamily="18" charset="-127"/>
-                <a:ea typeface="HY동녘M" panose="02030600000101010101" pitchFamily="18" charset="-127"/>
-                <a:cs typeface="ADLaM Display" panose="020F0502020204030204" pitchFamily="2" charset="0"/>
-                <a:sym typeface="Wingdings" panose="05000000000000000000" pitchFamily="2" charset="2"/>
-              </a:rPr>
-              <a:t>뒤</a:t>
-            </a:r>
-            <a:r>
               <a:rPr lang="ko-KR" altLang="en-US" sz="2400" dirty="0" err="1">
                 <a:latin typeface="HY동녘M" panose="02030600000101010101" pitchFamily="18" charset="-127"/>
                 <a:ea typeface="HY동녘M" panose="02030600000101010101" pitchFamily="18" charset="-127"/>
                 <a:cs typeface="ADLaM Display" panose="020F0502020204030204" pitchFamily="2" charset="0"/>
                 <a:sym typeface="Wingdings" panose="05000000000000000000" pitchFamily="2" charset="2"/>
               </a:rPr>
-              <a:t>로</a:t>
-            </a:r>
-            <a:r>
-              <a:rPr lang="ko-KR" altLang="en-US" sz="2400" dirty="0" err="1" smtClean="0">
-                <a:latin typeface="HY동녘M" panose="02030600000101010101" pitchFamily="18" charset="-127"/>
-                <a:ea typeface="HY동녘M" panose="02030600000101010101" pitchFamily="18" charset="-127"/>
-                <a:cs typeface="ADLaM Display" panose="020F0502020204030204" pitchFamily="2" charset="0"/>
-                <a:sym typeface="Wingdings" panose="05000000000000000000" pitchFamily="2" charset="2"/>
-              </a:rPr>
-              <a:t>가기</a:t>
+              <a:t>뒤로가기</a:t>
             </a:r>
             <a:endParaRPr lang="ko-KR" altLang="en-US" sz="2400" dirty="0">
               <a:latin typeface="HY동녘M" panose="02030600000101010101" pitchFamily="18" charset="-127"/>
@@ -7404,7 +7384,7 @@
           <p:cNvPr id="6" name="부제목 2">
             <a:extLst>
               <a:ext uri="{FF2B5EF4-FFF2-40B4-BE49-F238E27FC236}">
-                <a16:creationId xmlns:a16="http://schemas.microsoft.com/office/drawing/2014/main" xmlns="" id="{83B0A5AE-FD52-811E-DC92-5BAFBAF49D17}"/>
+                <a16:creationId xmlns:a16="http://schemas.microsoft.com/office/drawing/2014/main" id="{83B0A5AE-FD52-811E-DC92-5BAFBAF49D17}"/>
               </a:ext>
             </a:extLst>
           </p:cNvPr>
@@ -7598,31 +7578,13 @@
           <a:p>
             <a:pPr lvl="1" algn="l"/>
             <a:r>
-              <a:rPr lang="ko-KR" altLang="en-US" sz="2400" dirty="0" err="1" smtClean="0">
-                <a:latin typeface="HY동녘M" panose="02030600000101010101" pitchFamily="18" charset="-127"/>
-                <a:ea typeface="HY동녘M" panose="02030600000101010101" pitchFamily="18" charset="-127"/>
-                <a:cs typeface="ADLaM Display" panose="020F0502020204030204" pitchFamily="2" charset="0"/>
-                <a:sym typeface="Wingdings" panose="05000000000000000000" pitchFamily="2" charset="2"/>
-              </a:rPr>
-              <a:t>뒤</a:t>
-            </a:r>
-            <a:r>
               <a:rPr lang="ko-KR" altLang="en-US" sz="2400" dirty="0" err="1">
                 <a:latin typeface="HY동녘M" panose="02030600000101010101" pitchFamily="18" charset="-127"/>
                 <a:ea typeface="HY동녘M" panose="02030600000101010101" pitchFamily="18" charset="-127"/>
                 <a:cs typeface="ADLaM Display" panose="020F0502020204030204" pitchFamily="2" charset="0"/>
                 <a:sym typeface="Wingdings" panose="05000000000000000000" pitchFamily="2" charset="2"/>
               </a:rPr>
-              <a:t>로</a:t>
-            </a:r>
-            <a:r>
-              <a:rPr lang="ko-KR" altLang="en-US" sz="2400" dirty="0" err="1" smtClean="0">
-                <a:latin typeface="HY동녘M" panose="02030600000101010101" pitchFamily="18" charset="-127"/>
-                <a:ea typeface="HY동녘M" panose="02030600000101010101" pitchFamily="18" charset="-127"/>
-                <a:cs typeface="ADLaM Display" panose="020F0502020204030204" pitchFamily="2" charset="0"/>
-                <a:sym typeface="Wingdings" panose="05000000000000000000" pitchFamily="2" charset="2"/>
-              </a:rPr>
-              <a:t>가기</a:t>
+              <a:t>뒤로가기</a:t>
             </a:r>
             <a:endParaRPr lang="ko-KR" altLang="en-US" sz="2400" dirty="0">
               <a:latin typeface="HY동녘M" panose="02030600000101010101" pitchFamily="18" charset="-127"/>
@@ -7637,7 +7599,7 @@
           <p:cNvPr id="7" name="부제목 2">
             <a:extLst>
               <a:ext uri="{FF2B5EF4-FFF2-40B4-BE49-F238E27FC236}">
-                <a16:creationId xmlns:a16="http://schemas.microsoft.com/office/drawing/2014/main" xmlns="" id="{DECF06CE-6749-BF5D-4A28-2B5B3AAF906F}"/>
+                <a16:creationId xmlns:a16="http://schemas.microsoft.com/office/drawing/2014/main" id="{DECF06CE-6749-BF5D-4A28-2B5B3AAF906F}"/>
               </a:ext>
             </a:extLst>
           </p:cNvPr>
@@ -7870,7 +7832,7 @@
           <p:cNvPr id="8" name="부제목 2">
             <a:extLst>
               <a:ext uri="{FF2B5EF4-FFF2-40B4-BE49-F238E27FC236}">
-                <a16:creationId xmlns:a16="http://schemas.microsoft.com/office/drawing/2014/main" xmlns="" id="{26AFC039-CF40-D491-ADF0-76503911D8C5}"/>
+                <a16:creationId xmlns:a16="http://schemas.microsoft.com/office/drawing/2014/main" id="{26AFC039-CF40-D491-ADF0-76503911D8C5}"/>
               </a:ext>
             </a:extLst>
           </p:cNvPr>
@@ -8079,7 +8041,7 @@
           <p:cNvPr id="9" name="부제목 2">
             <a:extLst>
               <a:ext uri="{FF2B5EF4-FFF2-40B4-BE49-F238E27FC236}">
-                <a16:creationId xmlns:a16="http://schemas.microsoft.com/office/drawing/2014/main" xmlns="" id="{D63D7CD7-8430-A3E3-D873-AFB8E0B7332E}"/>
+                <a16:creationId xmlns:a16="http://schemas.microsoft.com/office/drawing/2014/main" id="{D63D7CD7-8430-A3E3-D873-AFB8E0B7332E}"/>
               </a:ext>
             </a:extLst>
           </p:cNvPr>
@@ -8318,7 +8280,7 @@
           <p:cNvPr id="6" name="부제목 2">
             <a:extLst>
               <a:ext uri="{FF2B5EF4-FFF2-40B4-BE49-F238E27FC236}">
-                <a16:creationId xmlns:a16="http://schemas.microsoft.com/office/drawing/2014/main" xmlns="" id="{CD2D4FA8-F630-09AF-E665-9033B1AC8CCA}"/>
+                <a16:creationId xmlns:a16="http://schemas.microsoft.com/office/drawing/2014/main" id="{CD2D4FA8-F630-09AF-E665-9033B1AC8CCA}"/>
               </a:ext>
             </a:extLst>
           </p:cNvPr>
@@ -8533,7 +8495,7 @@
           <p:cNvPr id="7" name="부제목 2">
             <a:extLst>
               <a:ext uri="{FF2B5EF4-FFF2-40B4-BE49-F238E27FC236}">
-                <a16:creationId xmlns:a16="http://schemas.microsoft.com/office/drawing/2014/main" xmlns="" id="{A917CE82-18CF-AC53-3825-FB38DD8D2DA5}"/>
+                <a16:creationId xmlns:a16="http://schemas.microsoft.com/office/drawing/2014/main" id="{A917CE82-18CF-AC53-3825-FB38DD8D2DA5}"/>
               </a:ext>
             </a:extLst>
           </p:cNvPr>
@@ -8766,7 +8728,7 @@
           <p:cNvPr id="8" name="부제목 2">
             <a:extLst>
               <a:ext uri="{FF2B5EF4-FFF2-40B4-BE49-F238E27FC236}">
-                <a16:creationId xmlns:a16="http://schemas.microsoft.com/office/drawing/2014/main" xmlns="" id="{25EBE601-4DD4-44E2-B1A5-885E7080A8E5}"/>
+                <a16:creationId xmlns:a16="http://schemas.microsoft.com/office/drawing/2014/main" id="{25EBE601-4DD4-44E2-B1A5-885E7080A8E5}"/>
               </a:ext>
             </a:extLst>
           </p:cNvPr>
@@ -8975,7 +8937,7 @@
           <p:cNvPr id="9" name="부제목 2">
             <a:extLst>
               <a:ext uri="{FF2B5EF4-FFF2-40B4-BE49-F238E27FC236}">
-                <a16:creationId xmlns:a16="http://schemas.microsoft.com/office/drawing/2014/main" xmlns="" id="{1A2594C2-A39A-4B7A-9FE9-7B0E81835CD9}"/>
+                <a16:creationId xmlns:a16="http://schemas.microsoft.com/office/drawing/2014/main" id="{1A2594C2-A39A-4B7A-9FE9-7B0E81835CD9}"/>
               </a:ext>
             </a:extLst>
           </p:cNvPr>
@@ -9214,7 +9176,7 @@
           <p:cNvPr id="6" name="부제목 2">
             <a:extLst>
               <a:ext uri="{FF2B5EF4-FFF2-40B4-BE49-F238E27FC236}">
-                <a16:creationId xmlns:a16="http://schemas.microsoft.com/office/drawing/2014/main" xmlns="" id="{1285B292-2D5C-9A44-38CC-30CD5A98021F}"/>
+                <a16:creationId xmlns:a16="http://schemas.microsoft.com/office/drawing/2014/main" id="{1285B292-2D5C-9A44-38CC-30CD5A98021F}"/>
               </a:ext>
             </a:extLst>
           </p:cNvPr>
@@ -9429,7 +9391,7 @@
           <p:cNvPr id="7" name="부제목 2">
             <a:extLst>
               <a:ext uri="{FF2B5EF4-FFF2-40B4-BE49-F238E27FC236}">
-                <a16:creationId xmlns:a16="http://schemas.microsoft.com/office/drawing/2014/main" xmlns="" id="{E0E06DD7-B18B-02DE-89C9-FA1F8BA8EC33}"/>
+                <a16:creationId xmlns:a16="http://schemas.microsoft.com/office/drawing/2014/main" id="{E0E06DD7-B18B-02DE-89C9-FA1F8BA8EC33}"/>
               </a:ext>
             </a:extLst>
           </p:cNvPr>
@@ -9662,7 +9624,7 @@
           <p:cNvPr id="8" name="부제목 2">
             <a:extLst>
               <a:ext uri="{FF2B5EF4-FFF2-40B4-BE49-F238E27FC236}">
-                <a16:creationId xmlns:a16="http://schemas.microsoft.com/office/drawing/2014/main" xmlns="" id="{0B1C2173-65A2-DFE9-9453-4A5FDC7013B3}"/>
+                <a16:creationId xmlns:a16="http://schemas.microsoft.com/office/drawing/2014/main" id="{0B1C2173-65A2-DFE9-9453-4A5FDC7013B3}"/>
               </a:ext>
             </a:extLst>
           </p:cNvPr>
@@ -9871,7 +9833,7 @@
           <p:cNvPr id="9" name="부제목 2">
             <a:extLst>
               <a:ext uri="{FF2B5EF4-FFF2-40B4-BE49-F238E27FC236}">
-                <a16:creationId xmlns:a16="http://schemas.microsoft.com/office/drawing/2014/main" xmlns="" id="{BFE3E443-FF4A-4370-D904-9DCF15C33312}"/>
+                <a16:creationId xmlns:a16="http://schemas.microsoft.com/office/drawing/2014/main" id="{BFE3E443-FF4A-4370-D904-9DCF15C33312}"/>
               </a:ext>
             </a:extLst>
           </p:cNvPr>
@@ -10110,7 +10072,7 @@
           <p:cNvPr id="3" name="부제목 2">
             <a:extLst>
               <a:ext uri="{FF2B5EF4-FFF2-40B4-BE49-F238E27FC236}">
-                <a16:creationId xmlns:a16="http://schemas.microsoft.com/office/drawing/2014/main" xmlns="" id="{27A9C847-0734-9A46-A077-6F29EAF03C2F}"/>
+                <a16:creationId xmlns:a16="http://schemas.microsoft.com/office/drawing/2014/main" id="{27A9C847-0734-9A46-A077-6F29EAF03C2F}"/>
               </a:ext>
             </a:extLst>
           </p:cNvPr>
@@ -10319,7 +10281,7 @@
           <p:cNvPr id="4" name="부제목 2">
             <a:extLst>
               <a:ext uri="{FF2B5EF4-FFF2-40B4-BE49-F238E27FC236}">
-                <a16:creationId xmlns:a16="http://schemas.microsoft.com/office/drawing/2014/main" xmlns="" id="{17BEB560-40BA-2BC5-0E15-7C6C493A5AE7}"/>
+                <a16:creationId xmlns:a16="http://schemas.microsoft.com/office/drawing/2014/main" id="{17BEB560-40BA-2BC5-0E15-7C6C493A5AE7}"/>
               </a:ext>
             </a:extLst>
           </p:cNvPr>
@@ -10513,7 +10475,7 @@
           <a:p>
             <a:pPr lvl="1" algn="l"/>
             <a:r>
-              <a:rPr lang="ko-KR" altLang="en-US" sz="3600">
+              <a:rPr lang="ko-KR" altLang="en-US" sz="3600" dirty="0">
                 <a:latin typeface="HY엽서L" panose="02030600000101010101" pitchFamily="18" charset="-127"/>
                 <a:ea typeface="HY엽서L" panose="02030600000101010101" pitchFamily="18" charset="-127"/>
                 <a:cs typeface="ADLaM Display" panose="02010000000000000000" pitchFamily="2" charset="0"/>
@@ -10528,7 +10490,7 @@
           <p:cNvPr id="5" name="부제목 2">
             <a:extLst>
               <a:ext uri="{FF2B5EF4-FFF2-40B4-BE49-F238E27FC236}">
-                <a16:creationId xmlns:a16="http://schemas.microsoft.com/office/drawing/2014/main" xmlns="" id="{FB3BA6ED-6878-F6D4-F3AA-C46F3FA0FE8A}"/>
+                <a16:creationId xmlns:a16="http://schemas.microsoft.com/office/drawing/2014/main" id="{FB3BA6ED-6878-F6D4-F3AA-C46F3FA0FE8A}"/>
               </a:ext>
             </a:extLst>
           </p:cNvPr>
@@ -10737,7 +10699,7 @@
           <p:cNvPr id="2" name="부제목 2">
             <a:extLst>
               <a:ext uri="{FF2B5EF4-FFF2-40B4-BE49-F238E27FC236}">
-                <a16:creationId xmlns:a16="http://schemas.microsoft.com/office/drawing/2014/main" xmlns="" id="{8D26F26D-9C13-51E8-DD18-2680F2D89B37}"/>
+                <a16:creationId xmlns:a16="http://schemas.microsoft.com/office/drawing/2014/main" id="{8D26F26D-9C13-51E8-DD18-2680F2D89B37}"/>
               </a:ext>
             </a:extLst>
           </p:cNvPr>
@@ -10946,7 +10908,7 @@
           <p:cNvPr id="6" name="부제목 2">
             <a:extLst>
               <a:ext uri="{FF2B5EF4-FFF2-40B4-BE49-F238E27FC236}">
-                <a16:creationId xmlns:a16="http://schemas.microsoft.com/office/drawing/2014/main" xmlns="" id="{25307F70-180B-5016-7111-75F211E2E20C}"/>
+                <a16:creationId xmlns:a16="http://schemas.microsoft.com/office/drawing/2014/main" id="{25307F70-180B-5016-7111-75F211E2E20C}"/>
               </a:ext>
             </a:extLst>
           </p:cNvPr>
@@ -11215,7 +11177,7 @@
           <p:cNvPr id="7" name="부제목 2">
             <a:extLst>
               <a:ext uri="{FF2B5EF4-FFF2-40B4-BE49-F238E27FC236}">
-                <a16:creationId xmlns:a16="http://schemas.microsoft.com/office/drawing/2014/main" xmlns="" id="{30B1B64E-E058-0778-DE07-48E9D17A20D7}"/>
+                <a16:creationId xmlns:a16="http://schemas.microsoft.com/office/drawing/2014/main" id="{30B1B64E-E058-0778-DE07-48E9D17A20D7}"/>
               </a:ext>
             </a:extLst>
           </p:cNvPr>
@@ -11409,31 +11371,13 @@
           <a:p>
             <a:pPr lvl="1" algn="l"/>
             <a:r>
-              <a:rPr lang="ko-KR" altLang="en-US" sz="2400" dirty="0" err="1" smtClean="0">
-                <a:latin typeface="HY동녘M" panose="02030600000101010101" pitchFamily="18" charset="-127"/>
-                <a:ea typeface="HY동녘M" panose="02030600000101010101" pitchFamily="18" charset="-127"/>
-                <a:cs typeface="ADLaM Display" panose="020F0502020204030204" pitchFamily="2" charset="0"/>
-                <a:sym typeface="Wingdings" panose="05000000000000000000" pitchFamily="2" charset="2"/>
-              </a:rPr>
-              <a:t>뒤</a:t>
-            </a:r>
-            <a:r>
               <a:rPr lang="ko-KR" altLang="en-US" sz="2400" dirty="0" err="1">
                 <a:latin typeface="HY동녘M" panose="02030600000101010101" pitchFamily="18" charset="-127"/>
                 <a:ea typeface="HY동녘M" panose="02030600000101010101" pitchFamily="18" charset="-127"/>
                 <a:cs typeface="ADLaM Display" panose="020F0502020204030204" pitchFamily="2" charset="0"/>
                 <a:sym typeface="Wingdings" panose="05000000000000000000" pitchFamily="2" charset="2"/>
               </a:rPr>
-              <a:t>로</a:t>
-            </a:r>
-            <a:r>
-              <a:rPr lang="ko-KR" altLang="en-US" sz="2400" dirty="0" err="1" smtClean="0">
-                <a:latin typeface="HY동녘M" panose="02030600000101010101" pitchFamily="18" charset="-127"/>
-                <a:ea typeface="HY동녘M" panose="02030600000101010101" pitchFamily="18" charset="-127"/>
-                <a:cs typeface="ADLaM Display" panose="020F0502020204030204" pitchFamily="2" charset="0"/>
-                <a:sym typeface="Wingdings" panose="05000000000000000000" pitchFamily="2" charset="2"/>
-              </a:rPr>
-              <a:t>가기</a:t>
+              <a:t>뒤로가기</a:t>
             </a:r>
             <a:endParaRPr lang="ko-KR" altLang="en-US" sz="2400" dirty="0">
               <a:latin typeface="HY동녘M" panose="02030600000101010101" pitchFamily="18" charset="-127"/>
@@ -11447,6 +11391,1114 @@
     <p:extLst>
       <p:ext uri="{BB962C8B-B14F-4D97-AF65-F5344CB8AC3E}">
         <p14:creationId xmlns:p14="http://schemas.microsoft.com/office/powerpoint/2010/main" val="2285607383"/>
+      </p:ext>
+    </p:extLst>
+  </p:cSld>
+  <p:clrMapOvr>
+    <a:masterClrMapping/>
+  </p:clrMapOvr>
+</p:sld>
+</file>
+
+<file path=ppt/slides/slide8.xml><?xml version="1.0" encoding="utf-8"?>
+<p:sld xmlns:a="http://schemas.openxmlformats.org/drawingml/2006/main" xmlns:r="http://schemas.openxmlformats.org/officeDocument/2006/relationships" xmlns:p="http://schemas.openxmlformats.org/presentationml/2006/main">
+  <p:cSld>
+    <p:spTree>
+      <p:nvGrpSpPr>
+        <p:cNvPr id="1" name=""/>
+        <p:cNvGrpSpPr/>
+        <p:nvPr/>
+      </p:nvGrpSpPr>
+      <p:grpSpPr>
+        <a:xfrm>
+          <a:off x="0" y="0"/>
+          <a:ext cx="0" cy="0"/>
+          <a:chOff x="0" y="0"/>
+          <a:chExt cx="0" cy="0"/>
+        </a:xfrm>
+      </p:grpSpPr>
+      <p:sp>
+        <p:nvSpPr>
+          <p:cNvPr id="6" name="부제목 2">
+            <a:extLst>
+              <a:ext uri="{FF2B5EF4-FFF2-40B4-BE49-F238E27FC236}">
+                <a16:creationId xmlns:a16="http://schemas.microsoft.com/office/drawing/2014/main" id="{1285B292-2D5C-9A44-38CC-30CD5A98021F}"/>
+              </a:ext>
+            </a:extLst>
+          </p:cNvPr>
+          <p:cNvSpPr txBox="1">
+            <a:spLocks/>
+          </p:cNvSpPr>
+          <p:nvPr/>
+        </p:nvSpPr>
+        <p:spPr>
+          <a:xfrm>
+            <a:off x="9994231" y="553453"/>
+            <a:ext cx="1925053" cy="1427747"/>
+          </a:xfrm>
+          <a:prstGeom prst="rect">
+            <a:avLst/>
+          </a:prstGeom>
+          <a:ln>
+            <a:solidFill>
+              <a:schemeClr val="accent1"/>
+            </a:solidFill>
+          </a:ln>
+        </p:spPr>
+        <p:txBody>
+          <a:bodyPr vert="horz" lIns="91440" tIns="45720" rIns="91440" bIns="45720" rtlCol="0" anchor="ctr">
+            <a:noAutofit/>
+          </a:bodyPr>
+          <a:lstStyle>
+            <a:lvl1pPr marL="0" indent="0" algn="ctr" defTabSz="914400" rtl="0" eaLnBrk="1" latinLnBrk="1" hangingPunct="1">
+              <a:lnSpc>
+                <a:spcPct val="90000"/>
+              </a:lnSpc>
+              <a:spcBef>
+                <a:spcPts val="1000"/>
+              </a:spcBef>
+              <a:buFont typeface="Arial" panose="020B0604020202020204" pitchFamily="34" charset="0"/>
+              <a:buNone/>
+              <a:defRPr sz="2400" kern="1200">
+                <a:solidFill>
+                  <a:schemeClr val="tx1"/>
+                </a:solidFill>
+                <a:latin typeface="+mn-lt"/>
+                <a:ea typeface="+mn-ea"/>
+                <a:cs typeface="+mn-cs"/>
+              </a:defRPr>
+            </a:lvl1pPr>
+            <a:lvl2pPr marL="457200" indent="0" algn="ctr" defTabSz="914400" rtl="0" eaLnBrk="1" latinLnBrk="1" hangingPunct="1">
+              <a:lnSpc>
+                <a:spcPct val="90000"/>
+              </a:lnSpc>
+              <a:spcBef>
+                <a:spcPts val="500"/>
+              </a:spcBef>
+              <a:buFont typeface="Arial" panose="020B0604020202020204" pitchFamily="34" charset="0"/>
+              <a:buNone/>
+              <a:defRPr sz="2000" kern="1200">
+                <a:solidFill>
+                  <a:schemeClr val="tx1"/>
+                </a:solidFill>
+                <a:latin typeface="+mn-lt"/>
+                <a:ea typeface="+mn-ea"/>
+                <a:cs typeface="+mn-cs"/>
+              </a:defRPr>
+            </a:lvl2pPr>
+            <a:lvl3pPr marL="914400" indent="0" algn="ctr" defTabSz="914400" rtl="0" eaLnBrk="1" latinLnBrk="1" hangingPunct="1">
+              <a:lnSpc>
+                <a:spcPct val="90000"/>
+              </a:lnSpc>
+              <a:spcBef>
+                <a:spcPts val="500"/>
+              </a:spcBef>
+              <a:buFont typeface="Arial" panose="020B0604020202020204" pitchFamily="34" charset="0"/>
+              <a:buNone/>
+              <a:defRPr sz="1800" kern="1200">
+                <a:solidFill>
+                  <a:schemeClr val="tx1"/>
+                </a:solidFill>
+                <a:latin typeface="+mn-lt"/>
+                <a:ea typeface="+mn-ea"/>
+                <a:cs typeface="+mn-cs"/>
+              </a:defRPr>
+            </a:lvl3pPr>
+            <a:lvl4pPr marL="1371600" indent="0" algn="ctr" defTabSz="914400" rtl="0" eaLnBrk="1" latinLnBrk="1" hangingPunct="1">
+              <a:lnSpc>
+                <a:spcPct val="90000"/>
+              </a:lnSpc>
+              <a:spcBef>
+                <a:spcPts val="500"/>
+              </a:spcBef>
+              <a:buFont typeface="Arial" panose="020B0604020202020204" pitchFamily="34" charset="0"/>
+              <a:buNone/>
+              <a:defRPr sz="1600" kern="1200">
+                <a:solidFill>
+                  <a:schemeClr val="tx1"/>
+                </a:solidFill>
+                <a:latin typeface="+mn-lt"/>
+                <a:ea typeface="+mn-ea"/>
+                <a:cs typeface="+mn-cs"/>
+              </a:defRPr>
+            </a:lvl4pPr>
+            <a:lvl5pPr marL="1828800" indent="0" algn="ctr" defTabSz="914400" rtl="0" eaLnBrk="1" latinLnBrk="1" hangingPunct="1">
+              <a:lnSpc>
+                <a:spcPct val="90000"/>
+              </a:lnSpc>
+              <a:spcBef>
+                <a:spcPts val="500"/>
+              </a:spcBef>
+              <a:buFont typeface="Arial" panose="020B0604020202020204" pitchFamily="34" charset="0"/>
+              <a:buNone/>
+              <a:defRPr sz="1600" kern="1200">
+                <a:solidFill>
+                  <a:schemeClr val="tx1"/>
+                </a:solidFill>
+                <a:latin typeface="+mn-lt"/>
+                <a:ea typeface="+mn-ea"/>
+                <a:cs typeface="+mn-cs"/>
+              </a:defRPr>
+            </a:lvl5pPr>
+            <a:lvl6pPr marL="2286000" indent="0" algn="ctr" defTabSz="914400" rtl="0" eaLnBrk="1" latinLnBrk="1" hangingPunct="1">
+              <a:lnSpc>
+                <a:spcPct val="90000"/>
+              </a:lnSpc>
+              <a:spcBef>
+                <a:spcPts val="500"/>
+              </a:spcBef>
+              <a:buFont typeface="Arial" panose="020B0604020202020204" pitchFamily="34" charset="0"/>
+              <a:buNone/>
+              <a:defRPr sz="1600" kern="1200">
+                <a:solidFill>
+                  <a:schemeClr val="tx1"/>
+                </a:solidFill>
+                <a:latin typeface="+mn-lt"/>
+                <a:ea typeface="+mn-ea"/>
+                <a:cs typeface="+mn-cs"/>
+              </a:defRPr>
+            </a:lvl6pPr>
+            <a:lvl7pPr marL="2743200" indent="0" algn="ctr" defTabSz="914400" rtl="0" eaLnBrk="1" latinLnBrk="1" hangingPunct="1">
+              <a:lnSpc>
+                <a:spcPct val="90000"/>
+              </a:lnSpc>
+              <a:spcBef>
+                <a:spcPts val="500"/>
+              </a:spcBef>
+              <a:buFont typeface="Arial" panose="020B0604020202020204" pitchFamily="34" charset="0"/>
+              <a:buNone/>
+              <a:defRPr sz="1600" kern="1200">
+                <a:solidFill>
+                  <a:schemeClr val="tx1"/>
+                </a:solidFill>
+                <a:latin typeface="+mn-lt"/>
+                <a:ea typeface="+mn-ea"/>
+                <a:cs typeface="+mn-cs"/>
+              </a:defRPr>
+            </a:lvl7pPr>
+            <a:lvl8pPr marL="3200400" indent="0" algn="ctr" defTabSz="914400" rtl="0" eaLnBrk="1" latinLnBrk="1" hangingPunct="1">
+              <a:lnSpc>
+                <a:spcPct val="90000"/>
+              </a:lnSpc>
+              <a:spcBef>
+                <a:spcPts val="500"/>
+              </a:spcBef>
+              <a:buFont typeface="Arial" panose="020B0604020202020204" pitchFamily="34" charset="0"/>
+              <a:buNone/>
+              <a:defRPr sz="1600" kern="1200">
+                <a:solidFill>
+                  <a:schemeClr val="tx1"/>
+                </a:solidFill>
+                <a:latin typeface="+mn-lt"/>
+                <a:ea typeface="+mn-ea"/>
+                <a:cs typeface="+mn-cs"/>
+              </a:defRPr>
+            </a:lvl8pPr>
+            <a:lvl9pPr marL="3657600" indent="0" algn="ctr" defTabSz="914400" rtl="0" eaLnBrk="1" latinLnBrk="1" hangingPunct="1">
+              <a:lnSpc>
+                <a:spcPct val="90000"/>
+              </a:lnSpc>
+              <a:spcBef>
+                <a:spcPts val="500"/>
+              </a:spcBef>
+              <a:buFont typeface="Arial" panose="020B0604020202020204" pitchFamily="34" charset="0"/>
+              <a:buNone/>
+              <a:defRPr sz="1600" kern="1200">
+                <a:solidFill>
+                  <a:schemeClr val="tx1"/>
+                </a:solidFill>
+                <a:latin typeface="+mn-lt"/>
+                <a:ea typeface="+mn-ea"/>
+                <a:cs typeface="+mn-cs"/>
+              </a:defRPr>
+            </a:lvl9pPr>
+          </a:lstStyle>
+          <a:p>
+            <a:pPr lvl="1" algn="l"/>
+            <a:r>
+              <a:rPr lang="ko-KR" altLang="en-US" sz="2400">
+                <a:latin typeface="HY동녘M" panose="02030600000101010101" pitchFamily="18" charset="-127"/>
+                <a:ea typeface="HY동녘M" panose="02030600000101010101" pitchFamily="18" charset="-127"/>
+                <a:cs typeface="ADLaM Display" panose="020F0502020204030204" pitchFamily="2" charset="0"/>
+                <a:sym typeface="Wingdings" panose="05000000000000000000" pitchFamily="2" charset="2"/>
+              </a:rPr>
+              <a:t>나가기</a:t>
+            </a:r>
+            <a:endParaRPr lang="ko-KR" altLang="en-US" sz="2400">
+              <a:latin typeface="HY동녘M" panose="02030600000101010101" pitchFamily="18" charset="-127"/>
+              <a:ea typeface="HY동녘M" panose="02030600000101010101" pitchFamily="18" charset="-127"/>
+              <a:cs typeface="ADLaM Display" panose="020F0502020204030204" pitchFamily="2" charset="0"/>
+            </a:endParaRPr>
+          </a:p>
+        </p:txBody>
+      </p:sp>
+      <p:sp>
+        <p:nvSpPr>
+          <p:cNvPr id="7" name="부제목 2">
+            <a:extLst>
+              <a:ext uri="{FF2B5EF4-FFF2-40B4-BE49-F238E27FC236}">
+                <a16:creationId xmlns:a16="http://schemas.microsoft.com/office/drawing/2014/main" id="{E0E06DD7-B18B-02DE-89C9-FA1F8BA8EC33}"/>
+              </a:ext>
+            </a:extLst>
+          </p:cNvPr>
+          <p:cNvSpPr txBox="1">
+            <a:spLocks/>
+          </p:cNvSpPr>
+          <p:nvPr/>
+        </p:nvSpPr>
+        <p:spPr>
+          <a:xfrm>
+            <a:off x="657727" y="545432"/>
+            <a:ext cx="8775031" cy="1427747"/>
+          </a:xfrm>
+          <a:prstGeom prst="rect">
+            <a:avLst/>
+          </a:prstGeom>
+          <a:ln>
+            <a:solidFill>
+              <a:schemeClr val="accent1"/>
+            </a:solidFill>
+          </a:ln>
+        </p:spPr>
+        <p:txBody>
+          <a:bodyPr vert="horz" lIns="91440" tIns="45720" rIns="91440" bIns="45720" rtlCol="0" anchor="ctr">
+            <a:noAutofit/>
+          </a:bodyPr>
+          <a:lstStyle>
+            <a:lvl1pPr marL="0" indent="0" algn="ctr" defTabSz="914400" rtl="0" eaLnBrk="1" latinLnBrk="1" hangingPunct="1">
+              <a:lnSpc>
+                <a:spcPct val="90000"/>
+              </a:lnSpc>
+              <a:spcBef>
+                <a:spcPts val="1000"/>
+              </a:spcBef>
+              <a:buFont typeface="Arial" panose="020B0604020202020204" pitchFamily="34" charset="0"/>
+              <a:buNone/>
+              <a:defRPr sz="2400" kern="1200">
+                <a:solidFill>
+                  <a:schemeClr val="tx1"/>
+                </a:solidFill>
+                <a:latin typeface="+mn-lt"/>
+                <a:ea typeface="+mn-ea"/>
+                <a:cs typeface="+mn-cs"/>
+              </a:defRPr>
+            </a:lvl1pPr>
+            <a:lvl2pPr marL="457200" indent="0" algn="ctr" defTabSz="914400" rtl="0" eaLnBrk="1" latinLnBrk="1" hangingPunct="1">
+              <a:lnSpc>
+                <a:spcPct val="90000"/>
+              </a:lnSpc>
+              <a:spcBef>
+                <a:spcPts val="500"/>
+              </a:spcBef>
+              <a:buFont typeface="Arial" panose="020B0604020202020204" pitchFamily="34" charset="0"/>
+              <a:buNone/>
+              <a:defRPr sz="2000" kern="1200">
+                <a:solidFill>
+                  <a:schemeClr val="tx1"/>
+                </a:solidFill>
+                <a:latin typeface="+mn-lt"/>
+                <a:ea typeface="+mn-ea"/>
+                <a:cs typeface="+mn-cs"/>
+              </a:defRPr>
+            </a:lvl2pPr>
+            <a:lvl3pPr marL="914400" indent="0" algn="ctr" defTabSz="914400" rtl="0" eaLnBrk="1" latinLnBrk="1" hangingPunct="1">
+              <a:lnSpc>
+                <a:spcPct val="90000"/>
+              </a:lnSpc>
+              <a:spcBef>
+                <a:spcPts val="500"/>
+              </a:spcBef>
+              <a:buFont typeface="Arial" panose="020B0604020202020204" pitchFamily="34" charset="0"/>
+              <a:buNone/>
+              <a:defRPr sz="1800" kern="1200">
+                <a:solidFill>
+                  <a:schemeClr val="tx1"/>
+                </a:solidFill>
+                <a:latin typeface="+mn-lt"/>
+                <a:ea typeface="+mn-ea"/>
+                <a:cs typeface="+mn-cs"/>
+              </a:defRPr>
+            </a:lvl3pPr>
+            <a:lvl4pPr marL="1371600" indent="0" algn="ctr" defTabSz="914400" rtl="0" eaLnBrk="1" latinLnBrk="1" hangingPunct="1">
+              <a:lnSpc>
+                <a:spcPct val="90000"/>
+              </a:lnSpc>
+              <a:spcBef>
+                <a:spcPts val="500"/>
+              </a:spcBef>
+              <a:buFont typeface="Arial" panose="020B0604020202020204" pitchFamily="34" charset="0"/>
+              <a:buNone/>
+              <a:defRPr sz="1600" kern="1200">
+                <a:solidFill>
+                  <a:schemeClr val="tx1"/>
+                </a:solidFill>
+                <a:latin typeface="+mn-lt"/>
+                <a:ea typeface="+mn-ea"/>
+                <a:cs typeface="+mn-cs"/>
+              </a:defRPr>
+            </a:lvl4pPr>
+            <a:lvl5pPr marL="1828800" indent="0" algn="ctr" defTabSz="914400" rtl="0" eaLnBrk="1" latinLnBrk="1" hangingPunct="1">
+              <a:lnSpc>
+                <a:spcPct val="90000"/>
+              </a:lnSpc>
+              <a:spcBef>
+                <a:spcPts val="500"/>
+              </a:spcBef>
+              <a:buFont typeface="Arial" panose="020B0604020202020204" pitchFamily="34" charset="0"/>
+              <a:buNone/>
+              <a:defRPr sz="1600" kern="1200">
+                <a:solidFill>
+                  <a:schemeClr val="tx1"/>
+                </a:solidFill>
+                <a:latin typeface="+mn-lt"/>
+                <a:ea typeface="+mn-ea"/>
+                <a:cs typeface="+mn-cs"/>
+              </a:defRPr>
+            </a:lvl5pPr>
+            <a:lvl6pPr marL="2286000" indent="0" algn="ctr" defTabSz="914400" rtl="0" eaLnBrk="1" latinLnBrk="1" hangingPunct="1">
+              <a:lnSpc>
+                <a:spcPct val="90000"/>
+              </a:lnSpc>
+              <a:spcBef>
+                <a:spcPts val="500"/>
+              </a:spcBef>
+              <a:buFont typeface="Arial" panose="020B0604020202020204" pitchFamily="34" charset="0"/>
+              <a:buNone/>
+              <a:defRPr sz="1600" kern="1200">
+                <a:solidFill>
+                  <a:schemeClr val="tx1"/>
+                </a:solidFill>
+                <a:latin typeface="+mn-lt"/>
+                <a:ea typeface="+mn-ea"/>
+                <a:cs typeface="+mn-cs"/>
+              </a:defRPr>
+            </a:lvl6pPr>
+            <a:lvl7pPr marL="2743200" indent="0" algn="ctr" defTabSz="914400" rtl="0" eaLnBrk="1" latinLnBrk="1" hangingPunct="1">
+              <a:lnSpc>
+                <a:spcPct val="90000"/>
+              </a:lnSpc>
+              <a:spcBef>
+                <a:spcPts val="500"/>
+              </a:spcBef>
+              <a:buFont typeface="Arial" panose="020B0604020202020204" pitchFamily="34" charset="0"/>
+              <a:buNone/>
+              <a:defRPr sz="1600" kern="1200">
+                <a:solidFill>
+                  <a:schemeClr val="tx1"/>
+                </a:solidFill>
+                <a:latin typeface="+mn-lt"/>
+                <a:ea typeface="+mn-ea"/>
+                <a:cs typeface="+mn-cs"/>
+              </a:defRPr>
+            </a:lvl7pPr>
+            <a:lvl8pPr marL="3200400" indent="0" algn="ctr" defTabSz="914400" rtl="0" eaLnBrk="1" latinLnBrk="1" hangingPunct="1">
+              <a:lnSpc>
+                <a:spcPct val="90000"/>
+              </a:lnSpc>
+              <a:spcBef>
+                <a:spcPts val="500"/>
+              </a:spcBef>
+              <a:buFont typeface="Arial" panose="020B0604020202020204" pitchFamily="34" charset="0"/>
+              <a:buNone/>
+              <a:defRPr sz="1600" kern="1200">
+                <a:solidFill>
+                  <a:schemeClr val="tx1"/>
+                </a:solidFill>
+                <a:latin typeface="+mn-lt"/>
+                <a:ea typeface="+mn-ea"/>
+                <a:cs typeface="+mn-cs"/>
+              </a:defRPr>
+            </a:lvl8pPr>
+            <a:lvl9pPr marL="3657600" indent="0" algn="ctr" defTabSz="914400" rtl="0" eaLnBrk="1" latinLnBrk="1" hangingPunct="1">
+              <a:lnSpc>
+                <a:spcPct val="90000"/>
+              </a:lnSpc>
+              <a:spcBef>
+                <a:spcPts val="500"/>
+              </a:spcBef>
+              <a:buFont typeface="Arial" panose="020B0604020202020204" pitchFamily="34" charset="0"/>
+              <a:buNone/>
+              <a:defRPr sz="1600" kern="1200">
+                <a:solidFill>
+                  <a:schemeClr val="tx1"/>
+                </a:solidFill>
+                <a:latin typeface="+mn-lt"/>
+                <a:ea typeface="+mn-ea"/>
+                <a:cs typeface="+mn-cs"/>
+              </a:defRPr>
+            </a:lvl9pPr>
+          </a:lstStyle>
+          <a:p>
+            <a:pPr lvl="1"/>
+            <a:r>
+              <a:rPr lang="en-US" altLang="ko-KR" sz="5400" dirty="0">
+                <a:latin typeface="HY동녘M" panose="02030600000101010101" pitchFamily="18" charset="-127"/>
+                <a:ea typeface="HY동녘M" panose="02030600000101010101" pitchFamily="18" charset="-127"/>
+                <a:cs typeface="ADLaM Display" panose="020F0502020204030204" pitchFamily="2" charset="0"/>
+                <a:sym typeface="Wingdings" panose="05000000000000000000" pitchFamily="2" charset="2"/>
+              </a:rPr>
+              <a:t> </a:t>
+            </a:r>
+            <a:r>
+              <a:rPr lang="ko-KR" altLang="en-US" sz="5400" dirty="0">
+                <a:latin typeface="HY동녘M" panose="02030600000101010101" pitchFamily="18" charset="-127"/>
+                <a:ea typeface="HY동녘M" panose="02030600000101010101" pitchFamily="18" charset="-127"/>
+                <a:cs typeface="ADLaM Display" panose="020F0502020204030204" pitchFamily="2" charset="0"/>
+                <a:sym typeface="Wingdings" panose="05000000000000000000" pitchFamily="2" charset="2"/>
+              </a:rPr>
+              <a:t>진행중인 공정 </a:t>
+            </a:r>
+            <a:r>
+              <a:rPr lang="en-US" altLang="ko-KR" sz="5400" dirty="0">
+                <a:latin typeface="HY동녘M" panose="02030600000101010101" pitchFamily="18" charset="-127"/>
+                <a:ea typeface="HY동녘M" panose="02030600000101010101" pitchFamily="18" charset="-127"/>
+                <a:cs typeface="ADLaM Display" panose="020F0502020204030204" pitchFamily="2" charset="0"/>
+                <a:sym typeface="Wingdings" panose="05000000000000000000" pitchFamily="2" charset="2"/>
+              </a:rPr>
+              <a:t></a:t>
+            </a:r>
+            <a:endParaRPr lang="ko-KR" altLang="en-US" sz="5400" dirty="0">
+              <a:latin typeface="HY동녘M" panose="02030600000101010101" pitchFamily="18" charset="-127"/>
+              <a:ea typeface="HY동녘M" panose="02030600000101010101" pitchFamily="18" charset="-127"/>
+              <a:cs typeface="ADLaM Display" panose="020F0502020204030204" pitchFamily="2" charset="0"/>
+            </a:endParaRPr>
+          </a:p>
+        </p:txBody>
+      </p:sp>
+      <p:pic>
+        <p:nvPicPr>
+          <p:cNvPr id="5" name="그림 4" descr="그린이(가) 표시된 사진&#10;&#10;자동 생성된 설명">
+            <a:extLst>
+              <a:ext uri="{FF2B5EF4-FFF2-40B4-BE49-F238E27FC236}">
+                <a16:creationId xmlns:a16="http://schemas.microsoft.com/office/drawing/2014/main" id="{50AF3FE0-20DD-78E0-D54E-0F15271BECD2}"/>
+              </a:ext>
+            </a:extLst>
+          </p:cNvPr>
+          <p:cNvPicPr>
+            <a:picLocks noChangeAspect="1"/>
+          </p:cNvPicPr>
+          <p:nvPr/>
+        </p:nvPicPr>
+        <p:blipFill>
+          <a:blip r:embed="rId2">
+            <a:extLst>
+              <a:ext uri="{28A0092B-C50C-407E-A947-70E740481C1C}">
+                <a14:useLocalDpi xmlns:a14="http://schemas.microsoft.com/office/drawing/2010/main" val="0"/>
+              </a:ext>
+            </a:extLst>
+          </a:blip>
+          <a:stretch>
+            <a:fillRect/>
+          </a:stretch>
+        </p:blipFill>
+        <p:spPr>
+          <a:xfrm>
+            <a:off x="513227" y="3676034"/>
+            <a:ext cx="1445220" cy="951950"/>
+          </a:xfrm>
+          <a:prstGeom prst="rect">
+            <a:avLst/>
+          </a:prstGeom>
+        </p:spPr>
+      </p:pic>
+      <p:pic>
+        <p:nvPicPr>
+          <p:cNvPr id="11" name="그림 10" descr="그린이(가) 표시된 사진&#10;&#10;자동 생성된 설명">
+            <a:extLst>
+              <a:ext uri="{FF2B5EF4-FFF2-40B4-BE49-F238E27FC236}">
+                <a16:creationId xmlns:a16="http://schemas.microsoft.com/office/drawing/2014/main" id="{8CC524CA-580E-62BB-7081-5FC4AF711A14}"/>
+              </a:ext>
+            </a:extLst>
+          </p:cNvPr>
+          <p:cNvPicPr>
+            <a:picLocks noChangeAspect="1"/>
+          </p:cNvPicPr>
+          <p:nvPr/>
+        </p:nvPicPr>
+        <p:blipFill>
+          <a:blip r:embed="rId2">
+            <a:extLst>
+              <a:ext uri="{28A0092B-C50C-407E-A947-70E740481C1C}">
+                <a14:useLocalDpi xmlns:a14="http://schemas.microsoft.com/office/drawing/2010/main" val="0"/>
+              </a:ext>
+            </a:extLst>
+          </a:blip>
+          <a:stretch>
+            <a:fillRect/>
+          </a:stretch>
+        </p:blipFill>
+        <p:spPr>
+          <a:xfrm>
+            <a:off x="2583017" y="3676034"/>
+            <a:ext cx="1374226" cy="951950"/>
+          </a:xfrm>
+          <a:prstGeom prst="rect">
+            <a:avLst/>
+          </a:prstGeom>
+        </p:spPr>
+      </p:pic>
+      <p:pic>
+        <p:nvPicPr>
+          <p:cNvPr id="12" name="그림 11" descr="그린이(가) 표시된 사진&#10;&#10;자동 생성된 설명">
+            <a:extLst>
+              <a:ext uri="{FF2B5EF4-FFF2-40B4-BE49-F238E27FC236}">
+                <a16:creationId xmlns:a16="http://schemas.microsoft.com/office/drawing/2014/main" id="{536BE603-4413-CAB0-D913-C5C10FD09246}"/>
+              </a:ext>
+            </a:extLst>
+          </p:cNvPr>
+          <p:cNvPicPr>
+            <a:picLocks noChangeAspect="1"/>
+          </p:cNvPicPr>
+          <p:nvPr/>
+        </p:nvPicPr>
+        <p:blipFill>
+          <a:blip r:embed="rId2">
+            <a:extLst>
+              <a:ext uri="{28A0092B-C50C-407E-A947-70E740481C1C}">
+                <a14:useLocalDpi xmlns:a14="http://schemas.microsoft.com/office/drawing/2010/main" val="0"/>
+              </a:ext>
+            </a:extLst>
+          </a:blip>
+          <a:stretch>
+            <a:fillRect/>
+          </a:stretch>
+        </p:blipFill>
+        <p:spPr>
+          <a:xfrm>
+            <a:off x="4581814" y="3676034"/>
+            <a:ext cx="1374226" cy="951950"/>
+          </a:xfrm>
+          <a:prstGeom prst="rect">
+            <a:avLst/>
+          </a:prstGeom>
+        </p:spPr>
+      </p:pic>
+      <p:pic>
+        <p:nvPicPr>
+          <p:cNvPr id="13" name="그림 12" descr="그린이(가) 표시된 사진&#10;&#10;자동 생성된 설명">
+            <a:extLst>
+              <a:ext uri="{FF2B5EF4-FFF2-40B4-BE49-F238E27FC236}">
+                <a16:creationId xmlns:a16="http://schemas.microsoft.com/office/drawing/2014/main" id="{9513B41A-647B-D0A7-A7BD-BA9EB51FD7C1}"/>
+              </a:ext>
+            </a:extLst>
+          </p:cNvPr>
+          <p:cNvPicPr>
+            <a:picLocks noChangeAspect="1"/>
+          </p:cNvPicPr>
+          <p:nvPr/>
+        </p:nvPicPr>
+        <p:blipFill>
+          <a:blip r:embed="rId2">
+            <a:extLst>
+              <a:ext uri="{28A0092B-C50C-407E-A947-70E740481C1C}">
+                <a14:useLocalDpi xmlns:a14="http://schemas.microsoft.com/office/drawing/2010/main" val="0"/>
+              </a:ext>
+            </a:extLst>
+          </a:blip>
+          <a:stretch>
+            <a:fillRect/>
+          </a:stretch>
+        </p:blipFill>
+        <p:spPr>
+          <a:xfrm>
+            <a:off x="6489391" y="3676034"/>
+            <a:ext cx="1374226" cy="951950"/>
+          </a:xfrm>
+          <a:prstGeom prst="rect">
+            <a:avLst/>
+          </a:prstGeom>
+        </p:spPr>
+      </p:pic>
+      <p:pic>
+        <p:nvPicPr>
+          <p:cNvPr id="14" name="그림 13" descr="그린이(가) 표시된 사진&#10;&#10;자동 생성된 설명">
+            <a:extLst>
+              <a:ext uri="{FF2B5EF4-FFF2-40B4-BE49-F238E27FC236}">
+                <a16:creationId xmlns:a16="http://schemas.microsoft.com/office/drawing/2014/main" id="{4071E1B2-36EA-59F1-73B2-3E754BF3E1F5}"/>
+              </a:ext>
+            </a:extLst>
+          </p:cNvPr>
+          <p:cNvPicPr>
+            <a:picLocks noChangeAspect="1"/>
+          </p:cNvPicPr>
+          <p:nvPr/>
+        </p:nvPicPr>
+        <p:blipFill>
+          <a:blip r:embed="rId2">
+            <a:extLst>
+              <a:ext uri="{28A0092B-C50C-407E-A947-70E740481C1C}">
+                <a14:useLocalDpi xmlns:a14="http://schemas.microsoft.com/office/drawing/2010/main" val="0"/>
+              </a:ext>
+            </a:extLst>
+          </a:blip>
+          <a:stretch>
+            <a:fillRect/>
+          </a:stretch>
+        </p:blipFill>
+        <p:spPr>
+          <a:xfrm>
+            <a:off x="8396969" y="3676034"/>
+            <a:ext cx="1374226" cy="951950"/>
+          </a:xfrm>
+          <a:prstGeom prst="rect">
+            <a:avLst/>
+          </a:prstGeom>
+        </p:spPr>
+      </p:pic>
+      <p:pic>
+        <p:nvPicPr>
+          <p:cNvPr id="15" name="그림 14" descr="그린이(가) 표시된 사진&#10;&#10;자동 생성된 설명">
+            <a:extLst>
+              <a:ext uri="{FF2B5EF4-FFF2-40B4-BE49-F238E27FC236}">
+                <a16:creationId xmlns:a16="http://schemas.microsoft.com/office/drawing/2014/main" id="{5B999FAA-4364-3218-2104-E79E6DE1DE31}"/>
+              </a:ext>
+            </a:extLst>
+          </p:cNvPr>
+          <p:cNvPicPr>
+            <a:picLocks noChangeAspect="1"/>
+          </p:cNvPicPr>
+          <p:nvPr/>
+        </p:nvPicPr>
+        <p:blipFill>
+          <a:blip r:embed="rId2">
+            <a:extLst>
+              <a:ext uri="{28A0092B-C50C-407E-A947-70E740481C1C}">
+                <a14:useLocalDpi xmlns:a14="http://schemas.microsoft.com/office/drawing/2010/main" val="0"/>
+              </a:ext>
+            </a:extLst>
+          </a:blip>
+          <a:stretch>
+            <a:fillRect/>
+          </a:stretch>
+        </p:blipFill>
+        <p:spPr>
+          <a:xfrm>
+            <a:off x="10304547" y="3676034"/>
+            <a:ext cx="1374226" cy="951950"/>
+          </a:xfrm>
+          <a:prstGeom prst="rect">
+            <a:avLst/>
+          </a:prstGeom>
+        </p:spPr>
+      </p:pic>
+      <p:sp>
+        <p:nvSpPr>
+          <p:cNvPr id="16" name="TextBox 15">
+            <a:extLst>
+              <a:ext uri="{FF2B5EF4-FFF2-40B4-BE49-F238E27FC236}">
+                <a16:creationId xmlns:a16="http://schemas.microsoft.com/office/drawing/2014/main" id="{78FFA499-FD6C-7F78-710F-E9BADF630E19}"/>
+              </a:ext>
+            </a:extLst>
+          </p:cNvPr>
+          <p:cNvSpPr txBox="1"/>
+          <p:nvPr/>
+        </p:nvSpPr>
+        <p:spPr>
+          <a:xfrm>
+            <a:off x="676389" y="3976674"/>
+            <a:ext cx="1194275" cy="369332"/>
+          </a:xfrm>
+          <a:prstGeom prst="rect">
+            <a:avLst/>
+          </a:prstGeom>
+          <a:noFill/>
+        </p:spPr>
+        <p:txBody>
+          <a:bodyPr wrap="square" rtlCol="0">
+            <a:spAutoFit/>
+          </a:bodyPr>
+          <a:lstStyle/>
+          <a:p>
+            <a:r>
+              <a:rPr lang="ko-KR" altLang="en-US" dirty="0">
+                <a:solidFill>
+                  <a:schemeClr val="bg2"/>
+                </a:solidFill>
+              </a:rPr>
+              <a:t>세척공정</a:t>
+            </a:r>
+          </a:p>
+        </p:txBody>
+      </p:sp>
+      <p:sp>
+        <p:nvSpPr>
+          <p:cNvPr id="17" name="TextBox 16">
+            <a:extLst>
+              <a:ext uri="{FF2B5EF4-FFF2-40B4-BE49-F238E27FC236}">
+                <a16:creationId xmlns:a16="http://schemas.microsoft.com/office/drawing/2014/main" id="{17EB308C-9212-8C67-87A3-5A3D98E4CA23}"/>
+              </a:ext>
+            </a:extLst>
+          </p:cNvPr>
+          <p:cNvSpPr txBox="1"/>
+          <p:nvPr/>
+        </p:nvSpPr>
+        <p:spPr>
+          <a:xfrm>
+            <a:off x="2700985" y="3976674"/>
+            <a:ext cx="1194275" cy="369332"/>
+          </a:xfrm>
+          <a:prstGeom prst="rect">
+            <a:avLst/>
+          </a:prstGeom>
+          <a:noFill/>
+        </p:spPr>
+        <p:txBody>
+          <a:bodyPr wrap="square" rtlCol="0">
+            <a:spAutoFit/>
+          </a:bodyPr>
+          <a:lstStyle/>
+          <a:p>
+            <a:r>
+              <a:rPr lang="ko-KR" altLang="en-US" dirty="0">
+                <a:solidFill>
+                  <a:schemeClr val="bg2"/>
+                </a:solidFill>
+              </a:rPr>
+              <a:t>절단공정</a:t>
+            </a:r>
+          </a:p>
+        </p:txBody>
+      </p:sp>
+      <p:sp>
+        <p:nvSpPr>
+          <p:cNvPr id="18" name="TextBox 17">
+            <a:extLst>
+              <a:ext uri="{FF2B5EF4-FFF2-40B4-BE49-F238E27FC236}">
+                <a16:creationId xmlns:a16="http://schemas.microsoft.com/office/drawing/2014/main" id="{AFD32422-53B6-1350-DE81-65E183AD6266}"/>
+              </a:ext>
+            </a:extLst>
+          </p:cNvPr>
+          <p:cNvSpPr txBox="1"/>
+          <p:nvPr/>
+        </p:nvSpPr>
+        <p:spPr>
+          <a:xfrm>
+            <a:off x="4709113" y="3976674"/>
+            <a:ext cx="1194275" cy="369332"/>
+          </a:xfrm>
+          <a:prstGeom prst="rect">
+            <a:avLst/>
+          </a:prstGeom>
+          <a:noFill/>
+        </p:spPr>
+        <p:txBody>
+          <a:bodyPr wrap="square" rtlCol="0">
+            <a:spAutoFit/>
+          </a:bodyPr>
+          <a:lstStyle/>
+          <a:p>
+            <a:r>
+              <a:rPr lang="ko-KR" altLang="en-US" dirty="0">
+                <a:solidFill>
+                  <a:schemeClr val="bg2"/>
+                </a:solidFill>
+              </a:rPr>
+              <a:t>열풍건조</a:t>
+            </a:r>
+          </a:p>
+        </p:txBody>
+      </p:sp>
+      <p:sp>
+        <p:nvSpPr>
+          <p:cNvPr id="19" name="TextBox 18">
+            <a:extLst>
+              <a:ext uri="{FF2B5EF4-FFF2-40B4-BE49-F238E27FC236}">
+                <a16:creationId xmlns:a16="http://schemas.microsoft.com/office/drawing/2014/main" id="{C2D75E20-CD28-7A5E-5029-7C2445DC11B2}"/>
+              </a:ext>
+            </a:extLst>
+          </p:cNvPr>
+          <p:cNvSpPr txBox="1"/>
+          <p:nvPr/>
+        </p:nvSpPr>
+        <p:spPr>
+          <a:xfrm>
+            <a:off x="6638460" y="3976674"/>
+            <a:ext cx="1194275" cy="369332"/>
+          </a:xfrm>
+          <a:prstGeom prst="rect">
+            <a:avLst/>
+          </a:prstGeom>
+          <a:noFill/>
+        </p:spPr>
+        <p:txBody>
+          <a:bodyPr wrap="square" rtlCol="0">
+            <a:spAutoFit/>
+          </a:bodyPr>
+          <a:lstStyle/>
+          <a:p>
+            <a:r>
+              <a:rPr lang="ko-KR" altLang="en-US" dirty="0">
+                <a:solidFill>
+                  <a:schemeClr val="bg2"/>
+                </a:solidFill>
+              </a:rPr>
+              <a:t>동결건조</a:t>
+            </a:r>
+          </a:p>
+        </p:txBody>
+      </p:sp>
+      <p:sp>
+        <p:nvSpPr>
+          <p:cNvPr id="20" name="TextBox 19">
+            <a:extLst>
+              <a:ext uri="{FF2B5EF4-FFF2-40B4-BE49-F238E27FC236}">
+                <a16:creationId xmlns:a16="http://schemas.microsoft.com/office/drawing/2014/main" id="{34149719-985C-88CA-4DCC-7AC761C3AE24}"/>
+              </a:ext>
+            </a:extLst>
+          </p:cNvPr>
+          <p:cNvSpPr txBox="1"/>
+          <p:nvPr/>
+        </p:nvSpPr>
+        <p:spPr>
+          <a:xfrm>
+            <a:off x="8544345" y="3985891"/>
+            <a:ext cx="1194275" cy="369332"/>
+          </a:xfrm>
+          <a:prstGeom prst="rect">
+            <a:avLst/>
+          </a:prstGeom>
+          <a:noFill/>
+        </p:spPr>
+        <p:txBody>
+          <a:bodyPr wrap="square" rtlCol="0">
+            <a:spAutoFit/>
+          </a:bodyPr>
+          <a:lstStyle/>
+          <a:p>
+            <a:r>
+              <a:rPr lang="ko-KR" altLang="en-US" dirty="0">
+                <a:solidFill>
+                  <a:schemeClr val="bg2"/>
+                </a:solidFill>
+              </a:rPr>
+              <a:t>포장공정</a:t>
+            </a:r>
+          </a:p>
+        </p:txBody>
+      </p:sp>
+      <p:sp>
+        <p:nvSpPr>
+          <p:cNvPr id="21" name="TextBox 20">
+            <a:extLst>
+              <a:ext uri="{FF2B5EF4-FFF2-40B4-BE49-F238E27FC236}">
+                <a16:creationId xmlns:a16="http://schemas.microsoft.com/office/drawing/2014/main" id="{63F5E7D8-92D4-4F44-40FB-064CD1D48890}"/>
+              </a:ext>
+            </a:extLst>
+          </p:cNvPr>
+          <p:cNvSpPr txBox="1"/>
+          <p:nvPr/>
+        </p:nvSpPr>
+        <p:spPr>
+          <a:xfrm>
+            <a:off x="10465836" y="3985891"/>
+            <a:ext cx="1194275" cy="369332"/>
+          </a:xfrm>
+          <a:prstGeom prst="rect">
+            <a:avLst/>
+          </a:prstGeom>
+          <a:noFill/>
+        </p:spPr>
+        <p:txBody>
+          <a:bodyPr wrap="square" rtlCol="0">
+            <a:spAutoFit/>
+          </a:bodyPr>
+          <a:lstStyle/>
+          <a:p>
+            <a:r>
+              <a:rPr lang="ko-KR" altLang="en-US" dirty="0">
+                <a:solidFill>
+                  <a:schemeClr val="bg2"/>
+                </a:solidFill>
+              </a:rPr>
+              <a:t>적재공정</a:t>
+            </a:r>
+          </a:p>
+        </p:txBody>
+      </p:sp>
+      <p:pic>
+        <p:nvPicPr>
+          <p:cNvPr id="23" name="그림 22" descr="원, 오렌지, 다채로움, 둥근이(가) 표시된 사진&#10;&#10;자동 생성된 설명">
+            <a:extLst>
+              <a:ext uri="{FF2B5EF4-FFF2-40B4-BE49-F238E27FC236}">
+                <a16:creationId xmlns:a16="http://schemas.microsoft.com/office/drawing/2014/main" id="{7B00AD84-B908-2D3D-68E0-F8142B5551B2}"/>
+              </a:ext>
+            </a:extLst>
+          </p:cNvPr>
+          <p:cNvPicPr>
+            <a:picLocks noChangeAspect="1"/>
+          </p:cNvPicPr>
+          <p:nvPr/>
+        </p:nvPicPr>
+        <p:blipFill>
+          <a:blip r:embed="rId3">
+            <a:extLst>
+              <a:ext uri="{28A0092B-C50C-407E-A947-70E740481C1C}">
+                <a14:useLocalDpi xmlns:a14="http://schemas.microsoft.com/office/drawing/2010/main" val="0"/>
+              </a:ext>
+            </a:extLst>
+          </a:blip>
+          <a:stretch>
+            <a:fillRect/>
+          </a:stretch>
+        </p:blipFill>
+        <p:spPr>
+          <a:xfrm>
+            <a:off x="1969458" y="3876053"/>
+            <a:ext cx="602548" cy="589008"/>
+          </a:xfrm>
+          <a:prstGeom prst="rect">
+            <a:avLst/>
+          </a:prstGeom>
+        </p:spPr>
+      </p:pic>
+      <p:pic>
+        <p:nvPicPr>
+          <p:cNvPr id="24" name="그림 23" descr="원, 오렌지, 다채로움, 둥근이(가) 표시된 사진&#10;&#10;자동 생성된 설명">
+            <a:extLst>
+              <a:ext uri="{FF2B5EF4-FFF2-40B4-BE49-F238E27FC236}">
+                <a16:creationId xmlns:a16="http://schemas.microsoft.com/office/drawing/2014/main" id="{EE5C679D-1EF0-EF8F-A452-1A338A637F83}"/>
+              </a:ext>
+            </a:extLst>
+          </p:cNvPr>
+          <p:cNvPicPr>
+            <a:picLocks noChangeAspect="1"/>
+          </p:cNvPicPr>
+          <p:nvPr/>
+        </p:nvPicPr>
+        <p:blipFill>
+          <a:blip r:embed="rId3">
+            <a:extLst>
+              <a:ext uri="{28A0092B-C50C-407E-A947-70E740481C1C}">
+                <a14:useLocalDpi xmlns:a14="http://schemas.microsoft.com/office/drawing/2010/main" val="0"/>
+              </a:ext>
+            </a:extLst>
+          </a:blip>
+          <a:stretch>
+            <a:fillRect/>
+          </a:stretch>
+        </p:blipFill>
+        <p:spPr>
+          <a:xfrm>
+            <a:off x="3953356" y="3876053"/>
+            <a:ext cx="602548" cy="589008"/>
+          </a:xfrm>
+          <a:prstGeom prst="rect">
+            <a:avLst/>
+          </a:prstGeom>
+        </p:spPr>
+      </p:pic>
+      <p:pic>
+        <p:nvPicPr>
+          <p:cNvPr id="25" name="그림 24" descr="원, 오렌지, 다채로움, 둥근이(가) 표시된 사진&#10;&#10;자동 생성된 설명">
+            <a:extLst>
+              <a:ext uri="{FF2B5EF4-FFF2-40B4-BE49-F238E27FC236}">
+                <a16:creationId xmlns:a16="http://schemas.microsoft.com/office/drawing/2014/main" id="{14994219-0608-F541-4494-54CD6F4475DB}"/>
+              </a:ext>
+            </a:extLst>
+          </p:cNvPr>
+          <p:cNvPicPr>
+            <a:picLocks noChangeAspect="1"/>
+          </p:cNvPicPr>
+          <p:nvPr/>
+        </p:nvPicPr>
+        <p:blipFill>
+          <a:blip r:embed="rId3">
+            <a:extLst>
+              <a:ext uri="{28A0092B-C50C-407E-A947-70E740481C1C}">
+                <a14:useLocalDpi xmlns:a14="http://schemas.microsoft.com/office/drawing/2010/main" val="0"/>
+              </a:ext>
+            </a:extLst>
+          </a:blip>
+          <a:stretch>
+            <a:fillRect/>
+          </a:stretch>
+        </p:blipFill>
+        <p:spPr>
+          <a:xfrm>
+            <a:off x="5892891" y="3876053"/>
+            <a:ext cx="602548" cy="589008"/>
+          </a:xfrm>
+          <a:prstGeom prst="rect">
+            <a:avLst/>
+          </a:prstGeom>
+        </p:spPr>
+      </p:pic>
+      <p:pic>
+        <p:nvPicPr>
+          <p:cNvPr id="26" name="그림 25" descr="원, 오렌지, 다채로움, 둥근이(가) 표시된 사진&#10;&#10;자동 생성된 설명">
+            <a:extLst>
+              <a:ext uri="{FF2B5EF4-FFF2-40B4-BE49-F238E27FC236}">
+                <a16:creationId xmlns:a16="http://schemas.microsoft.com/office/drawing/2014/main" id="{F89B2BE2-122E-F852-5521-E61B20ABB0B6}"/>
+              </a:ext>
+            </a:extLst>
+          </p:cNvPr>
+          <p:cNvPicPr>
+            <a:picLocks noChangeAspect="1"/>
+          </p:cNvPicPr>
+          <p:nvPr/>
+        </p:nvPicPr>
+        <p:blipFill>
+          <a:blip r:embed="rId3">
+            <a:extLst>
+              <a:ext uri="{28A0092B-C50C-407E-A947-70E740481C1C}">
+                <a14:useLocalDpi xmlns:a14="http://schemas.microsoft.com/office/drawing/2010/main" val="0"/>
+              </a:ext>
+            </a:extLst>
+          </a:blip>
+          <a:stretch>
+            <a:fillRect/>
+          </a:stretch>
+        </p:blipFill>
+        <p:spPr>
+          <a:xfrm>
+            <a:off x="7829019" y="3876053"/>
+            <a:ext cx="602548" cy="589008"/>
+          </a:xfrm>
+          <a:prstGeom prst="rect">
+            <a:avLst/>
+          </a:prstGeom>
+        </p:spPr>
+      </p:pic>
+      <p:pic>
+        <p:nvPicPr>
+          <p:cNvPr id="27" name="그림 26" descr="원, 오렌지, 다채로움, 둥근이(가) 표시된 사진&#10;&#10;자동 생성된 설명">
+            <a:extLst>
+              <a:ext uri="{FF2B5EF4-FFF2-40B4-BE49-F238E27FC236}">
+                <a16:creationId xmlns:a16="http://schemas.microsoft.com/office/drawing/2014/main" id="{9DABDB6F-93D4-DC81-E6E1-88A29644ECBC}"/>
+              </a:ext>
+            </a:extLst>
+          </p:cNvPr>
+          <p:cNvPicPr>
+            <a:picLocks noChangeAspect="1"/>
+          </p:cNvPicPr>
+          <p:nvPr/>
+        </p:nvPicPr>
+        <p:blipFill>
+          <a:blip r:embed="rId3">
+            <a:extLst>
+              <a:ext uri="{28A0092B-C50C-407E-A947-70E740481C1C}">
+                <a14:useLocalDpi xmlns:a14="http://schemas.microsoft.com/office/drawing/2010/main" val="0"/>
+              </a:ext>
+            </a:extLst>
+          </a:blip>
+          <a:stretch>
+            <a:fillRect/>
+          </a:stretch>
+        </p:blipFill>
+        <p:spPr>
+          <a:xfrm>
+            <a:off x="9765147" y="3876053"/>
+            <a:ext cx="602548" cy="589008"/>
+          </a:xfrm>
+          <a:prstGeom prst="rect">
+            <a:avLst/>
+          </a:prstGeom>
+        </p:spPr>
+      </p:pic>
+    </p:spTree>
+    <p:extLst>
+      <p:ext uri="{BB962C8B-B14F-4D97-AF65-F5344CB8AC3E}">
+        <p14:creationId xmlns:p14="http://schemas.microsoft.com/office/powerpoint/2010/main" val="1930919684"/>
       </p:ext>
     </p:extLst>
   </p:cSld>
@@ -11765,7 +12817,7 @@
   <a:extraClrSchemeLst/>
   <a:extLst>
     <a:ext uri="{05A4C25C-085E-4340-85A3-A5531E510DB2}">
-      <thm15:themeFamily xmlns:thm15="http://schemas.microsoft.com/office/thememl/2012/main" xmlns="" name="Office Theme" id="{2E142A2C-CD16-42D6-873A-C26D2A0506FA}" vid="{1BDDFF52-6CD6-40A5-AB3C-68EB2F1E4D0A}"/>
+      <thm15:themeFamily xmlns:thm15="http://schemas.microsoft.com/office/thememl/2012/main" name="Office Theme" id="{2E142A2C-CD16-42D6-873A-C26D2A0506FA}" vid="{1BDDFF52-6CD6-40A5-AB3C-68EB2F1E4D0A}"/>
     </a:ext>
   </a:extLst>
 </a:theme>
